--- a/Presentación TFG.pptx
+++ b/Presentación TFG.pptx
@@ -5,45 +5,50 @@
     <p:sldMasterId id="2147483648" r:id="rId1"/>
   </p:sldMasterIdLst>
   <p:notesMasterIdLst>
-    <p:notesMasterId r:id="rId38"/>
+    <p:notesMasterId r:id="rId43"/>
   </p:notesMasterIdLst>
   <p:sldIdLst>
     <p:sldId id="256" r:id="rId2"/>
     <p:sldId id="257" r:id="rId3"/>
-    <p:sldId id="258" r:id="rId4"/>
-    <p:sldId id="259" r:id="rId5"/>
-    <p:sldId id="260" r:id="rId6"/>
-    <p:sldId id="261" r:id="rId7"/>
-    <p:sldId id="263" r:id="rId8"/>
-    <p:sldId id="264" r:id="rId9"/>
-    <p:sldId id="267" r:id="rId10"/>
-    <p:sldId id="268" r:id="rId11"/>
-    <p:sldId id="269" r:id="rId12"/>
-    <p:sldId id="270" r:id="rId13"/>
-    <p:sldId id="272" r:id="rId14"/>
-    <p:sldId id="275" r:id="rId15"/>
-    <p:sldId id="277" r:id="rId16"/>
-    <p:sldId id="278" r:id="rId17"/>
-    <p:sldId id="279" r:id="rId18"/>
-    <p:sldId id="280" r:id="rId19"/>
-    <p:sldId id="281" r:id="rId20"/>
-    <p:sldId id="282" r:id="rId21"/>
-    <p:sldId id="283" r:id="rId22"/>
-    <p:sldId id="284" r:id="rId23"/>
-    <p:sldId id="285" r:id="rId24"/>
-    <p:sldId id="286" r:id="rId25"/>
-    <p:sldId id="287" r:id="rId26"/>
-    <p:sldId id="288" r:id="rId27"/>
-    <p:sldId id="289" r:id="rId28"/>
-    <p:sldId id="290" r:id="rId29"/>
-    <p:sldId id="291" r:id="rId30"/>
-    <p:sldId id="292" r:id="rId31"/>
-    <p:sldId id="293" r:id="rId32"/>
-    <p:sldId id="295" r:id="rId33"/>
-    <p:sldId id="294" r:id="rId34"/>
-    <p:sldId id="296" r:id="rId35"/>
-    <p:sldId id="297" r:id="rId36"/>
-    <p:sldId id="276" r:id="rId37"/>
+    <p:sldId id="298" r:id="rId4"/>
+    <p:sldId id="258" r:id="rId5"/>
+    <p:sldId id="259" r:id="rId6"/>
+    <p:sldId id="299" r:id="rId7"/>
+    <p:sldId id="260" r:id="rId8"/>
+    <p:sldId id="261" r:id="rId9"/>
+    <p:sldId id="300" r:id="rId10"/>
+    <p:sldId id="263" r:id="rId11"/>
+    <p:sldId id="264" r:id="rId12"/>
+    <p:sldId id="267" r:id="rId13"/>
+    <p:sldId id="268" r:id="rId14"/>
+    <p:sldId id="269" r:id="rId15"/>
+    <p:sldId id="270" r:id="rId16"/>
+    <p:sldId id="272" r:id="rId17"/>
+    <p:sldId id="275" r:id="rId18"/>
+    <p:sldId id="277" r:id="rId19"/>
+    <p:sldId id="278" r:id="rId20"/>
+    <p:sldId id="279" r:id="rId21"/>
+    <p:sldId id="301" r:id="rId22"/>
+    <p:sldId id="280" r:id="rId23"/>
+    <p:sldId id="281" r:id="rId24"/>
+    <p:sldId id="282" r:id="rId25"/>
+    <p:sldId id="283" r:id="rId26"/>
+    <p:sldId id="284" r:id="rId27"/>
+    <p:sldId id="285" r:id="rId28"/>
+    <p:sldId id="286" r:id="rId29"/>
+    <p:sldId id="287" r:id="rId30"/>
+    <p:sldId id="288" r:id="rId31"/>
+    <p:sldId id="289" r:id="rId32"/>
+    <p:sldId id="290" r:id="rId33"/>
+    <p:sldId id="291" r:id="rId34"/>
+    <p:sldId id="292" r:id="rId35"/>
+    <p:sldId id="293" r:id="rId36"/>
+    <p:sldId id="295" r:id="rId37"/>
+    <p:sldId id="302" r:id="rId38"/>
+    <p:sldId id="296" r:id="rId39"/>
+    <p:sldId id="297" r:id="rId40"/>
+    <p:sldId id="276" r:id="rId41"/>
+    <p:sldId id="294" r:id="rId42"/>
   </p:sldIdLst>
   <p:sldSz cx="12192000" cy="6858000"/>
   <p:notesSz cx="6858000" cy="9144000"/>
@@ -244,7 +249,7 @@
           <a:p>
             <a:fld id="{962985EE-5181-439D-AA3D-F82854312DFA}" type="datetimeFigureOut">
               <a:rPr lang="es-ES" smtClean="0"/>
-              <a:t>30/09/2020</a:t>
+              <a:t>01/10/2020</a:t>
             </a:fld>
             <a:endParaRPr lang="es-ES"/>
           </a:p>
@@ -582,7 +587,7 @@
           <a:p>
             <a:fld id="{7B480969-2D30-4669-89EB-2537C406F615}" type="slidenum">
               <a:rPr lang="es-ES" smtClean="0"/>
-              <a:t>8</a:t>
+              <a:t>11</a:t>
             </a:fld>
             <a:endParaRPr lang="es-ES"/>
           </a:p>
@@ -666,7 +671,7 @@
           <a:p>
             <a:fld id="{7B480969-2D30-4669-89EB-2537C406F615}" type="slidenum">
               <a:rPr lang="es-ES" smtClean="0"/>
-              <a:t>28</a:t>
+              <a:t>32</a:t>
             </a:fld>
             <a:endParaRPr lang="es-ES"/>
           </a:p>
@@ -750,7 +755,7 @@
           <a:p>
             <a:fld id="{7B480969-2D30-4669-89EB-2537C406F615}" type="slidenum">
               <a:rPr lang="es-ES" smtClean="0"/>
-              <a:t>29</a:t>
+              <a:t>33</a:t>
             </a:fld>
             <a:endParaRPr lang="es-ES"/>
           </a:p>
@@ -834,7 +839,7 @@
           <a:p>
             <a:fld id="{7B480969-2D30-4669-89EB-2537C406F615}" type="slidenum">
               <a:rPr lang="es-ES" smtClean="0"/>
-              <a:t>30</a:t>
+              <a:t>34</a:t>
             </a:fld>
             <a:endParaRPr lang="es-ES"/>
           </a:p>
@@ -918,7 +923,7 @@
           <a:p>
             <a:fld id="{7B480969-2D30-4669-89EB-2537C406F615}" type="slidenum">
               <a:rPr lang="es-ES" smtClean="0"/>
-              <a:t>31</a:t>
+              <a:t>35</a:t>
             </a:fld>
             <a:endParaRPr lang="es-ES"/>
           </a:p>
@@ -1002,7 +1007,7 @@
           <a:p>
             <a:fld id="{7B480969-2D30-4669-89EB-2537C406F615}" type="slidenum">
               <a:rPr lang="es-ES" smtClean="0"/>
-              <a:t>32</a:t>
+              <a:t>36</a:t>
             </a:fld>
             <a:endParaRPr lang="es-ES"/>
           </a:p>
@@ -1086,7 +1091,7 @@
           <a:p>
             <a:fld id="{7B480969-2D30-4669-89EB-2537C406F615}" type="slidenum">
               <a:rPr lang="es-ES" smtClean="0"/>
-              <a:t>33</a:t>
+              <a:t>38</a:t>
             </a:fld>
             <a:endParaRPr lang="es-ES"/>
           </a:p>
@@ -1095,7 +1100,7 @@
     </p:spTree>
     <p:extLst>
       <p:ext uri="{BB962C8B-B14F-4D97-AF65-F5344CB8AC3E}">
-        <p14:creationId xmlns:p14="http://schemas.microsoft.com/office/powerpoint/2010/main" val="4266463488"/>
+        <p14:creationId xmlns:p14="http://schemas.microsoft.com/office/powerpoint/2010/main" val="2497428753"/>
       </p:ext>
     </p:extLst>
   </p:cSld>
@@ -1170,7 +1175,7 @@
           <a:p>
             <a:fld id="{7B480969-2D30-4669-89EB-2537C406F615}" type="slidenum">
               <a:rPr lang="es-ES" smtClean="0"/>
-              <a:t>34</a:t>
+              <a:t>39</a:t>
             </a:fld>
             <a:endParaRPr lang="es-ES"/>
           </a:p>
@@ -1179,7 +1184,7 @@
     </p:spTree>
     <p:extLst>
       <p:ext uri="{BB962C8B-B14F-4D97-AF65-F5344CB8AC3E}">
-        <p14:creationId xmlns:p14="http://schemas.microsoft.com/office/powerpoint/2010/main" val="2497428753"/>
+        <p14:creationId xmlns:p14="http://schemas.microsoft.com/office/powerpoint/2010/main" val="4137203749"/>
       </p:ext>
     </p:extLst>
   </p:cSld>
@@ -1254,7 +1259,7 @@
           <a:p>
             <a:fld id="{7B480969-2D30-4669-89EB-2537C406F615}" type="slidenum">
               <a:rPr lang="es-ES" smtClean="0"/>
-              <a:t>35</a:t>
+              <a:t>41</a:t>
             </a:fld>
             <a:endParaRPr lang="es-ES"/>
           </a:p>
@@ -1263,7 +1268,7 @@
     </p:spTree>
     <p:extLst>
       <p:ext uri="{BB962C8B-B14F-4D97-AF65-F5344CB8AC3E}">
-        <p14:creationId xmlns:p14="http://schemas.microsoft.com/office/powerpoint/2010/main" val="4137203749"/>
+        <p14:creationId xmlns:p14="http://schemas.microsoft.com/office/powerpoint/2010/main" val="4266463488"/>
       </p:ext>
     </p:extLst>
   </p:cSld>
@@ -1422,7 +1427,7 @@
           <a:p>
             <a:fld id="{39185E06-0439-4E1F-9337-0D9341CA8322}" type="datetimeFigureOut">
               <a:rPr lang="en-GB" smtClean="0"/>
-              <a:t>30/09/2020</a:t>
+              <a:t>01/10/2020</a:t>
             </a:fld>
             <a:endParaRPr lang="en-GB"/>
           </a:p>
@@ -1622,7 +1627,7 @@
           <a:p>
             <a:fld id="{39185E06-0439-4E1F-9337-0D9341CA8322}" type="datetimeFigureOut">
               <a:rPr lang="en-GB" smtClean="0"/>
-              <a:t>30/09/2020</a:t>
+              <a:t>01/10/2020</a:t>
             </a:fld>
             <a:endParaRPr lang="en-GB"/>
           </a:p>
@@ -1832,7 +1837,7 @@
           <a:p>
             <a:fld id="{39185E06-0439-4E1F-9337-0D9341CA8322}" type="datetimeFigureOut">
               <a:rPr lang="en-GB" smtClean="0"/>
-              <a:t>30/09/2020</a:t>
+              <a:t>01/10/2020</a:t>
             </a:fld>
             <a:endParaRPr lang="en-GB"/>
           </a:p>
@@ -2032,7 +2037,7 @@
           <a:p>
             <a:fld id="{39185E06-0439-4E1F-9337-0D9341CA8322}" type="datetimeFigureOut">
               <a:rPr lang="en-GB" smtClean="0"/>
-              <a:t>30/09/2020</a:t>
+              <a:t>01/10/2020</a:t>
             </a:fld>
             <a:endParaRPr lang="en-GB"/>
           </a:p>
@@ -2308,7 +2313,7 @@
           <a:p>
             <a:fld id="{39185E06-0439-4E1F-9337-0D9341CA8322}" type="datetimeFigureOut">
               <a:rPr lang="en-GB" smtClean="0"/>
-              <a:t>30/09/2020</a:t>
+              <a:t>01/10/2020</a:t>
             </a:fld>
             <a:endParaRPr lang="en-GB"/>
           </a:p>
@@ -2576,7 +2581,7 @@
           <a:p>
             <a:fld id="{39185E06-0439-4E1F-9337-0D9341CA8322}" type="datetimeFigureOut">
               <a:rPr lang="en-GB" smtClean="0"/>
-              <a:t>30/09/2020</a:t>
+              <a:t>01/10/2020</a:t>
             </a:fld>
             <a:endParaRPr lang="en-GB"/>
           </a:p>
@@ -2991,7 +2996,7 @@
           <a:p>
             <a:fld id="{39185E06-0439-4E1F-9337-0D9341CA8322}" type="datetimeFigureOut">
               <a:rPr lang="en-GB" smtClean="0"/>
-              <a:t>30/09/2020</a:t>
+              <a:t>01/10/2020</a:t>
             </a:fld>
             <a:endParaRPr lang="en-GB"/>
           </a:p>
@@ -3133,7 +3138,7 @@
           <a:p>
             <a:fld id="{39185E06-0439-4E1F-9337-0D9341CA8322}" type="datetimeFigureOut">
               <a:rPr lang="en-GB" smtClean="0"/>
-              <a:t>30/09/2020</a:t>
+              <a:t>01/10/2020</a:t>
             </a:fld>
             <a:endParaRPr lang="en-GB"/>
           </a:p>
@@ -3246,7 +3251,7 @@
           <a:p>
             <a:fld id="{39185E06-0439-4E1F-9337-0D9341CA8322}" type="datetimeFigureOut">
               <a:rPr lang="en-GB" smtClean="0"/>
-              <a:t>30/09/2020</a:t>
+              <a:t>01/10/2020</a:t>
             </a:fld>
             <a:endParaRPr lang="en-GB"/>
           </a:p>
@@ -3559,7 +3564,7 @@
           <a:p>
             <a:fld id="{39185E06-0439-4E1F-9337-0D9341CA8322}" type="datetimeFigureOut">
               <a:rPr lang="en-GB" smtClean="0"/>
-              <a:t>30/09/2020</a:t>
+              <a:t>01/10/2020</a:t>
             </a:fld>
             <a:endParaRPr lang="en-GB"/>
           </a:p>
@@ -3848,7 +3853,7 @@
           <a:p>
             <a:fld id="{39185E06-0439-4E1F-9337-0D9341CA8322}" type="datetimeFigureOut">
               <a:rPr lang="en-GB" smtClean="0"/>
-              <a:t>30/09/2020</a:t>
+              <a:t>01/10/2020</a:t>
             </a:fld>
             <a:endParaRPr lang="en-GB"/>
           </a:p>
@@ -4091,7 +4096,7 @@
           <a:p>
             <a:fld id="{39185E06-0439-4E1F-9337-0D9341CA8322}" type="datetimeFigureOut">
               <a:rPr lang="en-GB" smtClean="0"/>
-              <a:t>30/09/2020</a:t>
+              <a:t>01/10/2020</a:t>
             </a:fld>
             <a:endParaRPr lang="en-GB"/>
           </a:p>
@@ -4753,7 +4758,7 @@
                 <a:latin typeface="Times New Roman" panose="02020603050405020304" pitchFamily="18" charset="0"/>
                 <a:cs typeface="Times New Roman" panose="02020603050405020304" pitchFamily="18" charset="0"/>
               </a:rPr>
-              <a:t>Estado del arte - Tecnología NFC (I)</a:t>
+              <a:t>Estado del arte - Introducción</a:t>
             </a:r>
           </a:p>
         </p:txBody>
@@ -4815,9 +4820,7 @@
         </p:nvSpPr>
         <p:spPr/>
         <p:txBody>
-          <a:bodyPr>
-            <a:normAutofit/>
-          </a:bodyPr>
+          <a:bodyPr/>
           <a:lstStyle/>
           <a:p>
             <a:pPr marL="0" indent="0">
@@ -4828,46 +4831,43 @@
                 <a:latin typeface="Times New Roman" panose="02020603050405020304" pitchFamily="18" charset="0"/>
                 <a:cs typeface="Times New Roman" panose="02020603050405020304" pitchFamily="18" charset="0"/>
               </a:rPr>
-              <a:t>Las etiquetas NFC:</a:t>
-            </a:r>
-          </a:p>
-          <a:p>
-            <a:r>
-              <a:rPr lang="es-ES" dirty="0">
-                <a:latin typeface="Times New Roman" panose="02020603050405020304" pitchFamily="18" charset="0"/>
-                <a:cs typeface="Times New Roman" panose="02020603050405020304" pitchFamily="18" charset="0"/>
-              </a:rPr>
-              <a:t>Son dispositivos pasivos (no tienen su propia fuente de alimentación).</a:t>
-            </a:r>
-          </a:p>
-          <a:p>
-            <a:r>
-              <a:rPr lang="es-ES" dirty="0">
-                <a:latin typeface="Times New Roman" panose="02020603050405020304" pitchFamily="18" charset="0"/>
-                <a:cs typeface="Times New Roman" panose="02020603050405020304" pitchFamily="18" charset="0"/>
-              </a:rPr>
-              <a:t>Memoria relativamente pequeña (entre 48 bytes y 1 Mbyte).</a:t>
-            </a:r>
-          </a:p>
-          <a:p>
-            <a:r>
-              <a:rPr lang="es-ES" dirty="0">
-                <a:latin typeface="Times New Roman" panose="02020603050405020304" pitchFamily="18" charset="0"/>
-                <a:cs typeface="Times New Roman" panose="02020603050405020304" pitchFamily="18" charset="0"/>
-              </a:rPr>
-              <a:t>Compuesto por memoria, pequeña CPU y antena.</a:t>
-            </a:r>
-          </a:p>
-          <a:p>
-            <a:pPr marL="0" indent="0">
-              <a:buNone/>
-            </a:pPr>
-            <a:r>
-              <a:rPr lang="es-ES" dirty="0">
-                <a:latin typeface="Times New Roman" panose="02020603050405020304" pitchFamily="18" charset="0"/>
-                <a:cs typeface="Times New Roman" panose="02020603050405020304" pitchFamily="18" charset="0"/>
-              </a:rPr>
-              <a:t>Los lectores NFC se encargan de compartir su corriente eléctrica con las etiquetas, encendiéndolas. Esto permite que se puedan introducir etiquetas NFC en elementos como pulseras, tarjetas, etc.</a:t>
+              <a:t>Para la realización del proyecto, se han tenido que estudiar los siguientes puntos fundamentales:</a:t>
+            </a:r>
+          </a:p>
+          <a:p>
+            <a:r>
+              <a:rPr lang="es-ES" dirty="0">
+                <a:latin typeface="Times New Roman" panose="02020603050405020304" pitchFamily="18" charset="0"/>
+                <a:cs typeface="Times New Roman" panose="02020603050405020304" pitchFamily="18" charset="0"/>
+              </a:rPr>
+              <a:t>Análisis de las soluciones existentes en el mercado y teoría detrás del uso de estas tecnologías para la creación de sistemas de control de asistencia.</a:t>
+            </a:r>
+          </a:p>
+          <a:p>
+            <a:r>
+              <a:rPr lang="es-ES" dirty="0">
+                <a:latin typeface="Times New Roman" panose="02020603050405020304" pitchFamily="18" charset="0"/>
+                <a:cs typeface="Times New Roman" panose="02020603050405020304" pitchFamily="18" charset="0"/>
+              </a:rPr>
+              <a:t>Estudio de la tecnología NFC.</a:t>
+            </a:r>
+          </a:p>
+          <a:p>
+            <a:r>
+              <a:rPr lang="es-ES" dirty="0">
+                <a:latin typeface="Times New Roman" panose="02020603050405020304" pitchFamily="18" charset="0"/>
+                <a:cs typeface="Times New Roman" panose="02020603050405020304" pitchFamily="18" charset="0"/>
+              </a:rPr>
+              <a:t>Estudio del sistema Android.</a:t>
+            </a:r>
+          </a:p>
+          <a:p>
+            <a:r>
+              <a:rPr lang="es-ES" dirty="0">
+                <a:latin typeface="Times New Roman" panose="02020603050405020304" pitchFamily="18" charset="0"/>
+                <a:cs typeface="Times New Roman" panose="02020603050405020304" pitchFamily="18" charset="0"/>
+              </a:rPr>
+              <a:t>Estudio de la API de NFC en Android.</a:t>
             </a:r>
           </a:p>
         </p:txBody>
@@ -4875,7 +4875,7 @@
     </p:spTree>
     <p:extLst>
       <p:ext uri="{BB962C8B-B14F-4D97-AF65-F5344CB8AC3E}">
-        <p14:creationId xmlns:p14="http://schemas.microsoft.com/office/powerpoint/2010/main" val="3315474137"/>
+        <p14:creationId xmlns:p14="http://schemas.microsoft.com/office/powerpoint/2010/main" val="2234535187"/>
       </p:ext>
     </p:extLst>
   </p:cSld>
@@ -4995,7 +4995,7 @@
                 <a:latin typeface="Times New Roman" panose="02020603050405020304" pitchFamily="18" charset="0"/>
                 <a:cs typeface="Times New Roman" panose="02020603050405020304" pitchFamily="18" charset="0"/>
               </a:rPr>
-              <a:t>Estado del arte - Tecnología NFC (II)</a:t>
+              <a:t>Estado del arte - Estudio de mercado</a:t>
             </a:r>
           </a:p>
         </p:txBody>
@@ -5013,7 +5013,7 @@
           <p:nvPr/>
         </p:nvPicPr>
         <p:blipFill>
-          <a:blip r:embed="rId2">
+          <a:blip r:embed="rId3">
             <a:extLst>
               <a:ext uri="{28A0092B-C50C-407E-A947-70E740481C1C}">
                 <a14:useLocalDpi xmlns:a14="http://schemas.microsoft.com/office/drawing/2010/main" val="0"/>
@@ -5057,9 +5057,7 @@
         </p:nvSpPr>
         <p:spPr/>
         <p:txBody>
-          <a:bodyPr>
-            <a:normAutofit/>
-          </a:bodyPr>
+          <a:bodyPr/>
           <a:lstStyle/>
           <a:p>
             <a:pPr marL="0" indent="0">
@@ -5070,43 +5068,52 @@
                 <a:latin typeface="Times New Roman" panose="02020603050405020304" pitchFamily="18" charset="0"/>
                 <a:cs typeface="Times New Roman" panose="02020603050405020304" pitchFamily="18" charset="0"/>
               </a:rPr>
-              <a:t>Los principales usos de la tecnología NFC son:</a:t>
-            </a:r>
-          </a:p>
-          <a:p>
-            <a:r>
-              <a:rPr lang="es-ES" dirty="0">
-                <a:latin typeface="Times New Roman" panose="02020603050405020304" pitchFamily="18" charset="0"/>
-                <a:cs typeface="Times New Roman" panose="02020603050405020304" pitchFamily="18" charset="0"/>
-              </a:rPr>
-              <a:t>Pago a través de NFC.</a:t>
-            </a:r>
-          </a:p>
-          <a:p>
-            <a:r>
-              <a:rPr lang="es-ES" dirty="0">
-                <a:latin typeface="Times New Roman" panose="02020603050405020304" pitchFamily="18" charset="0"/>
-                <a:cs typeface="Times New Roman" panose="02020603050405020304" pitchFamily="18" charset="0"/>
-              </a:rPr>
-              <a:t>Identificación de usuarios a través de etiquetas NFC.</a:t>
-            </a:r>
-          </a:p>
-          <a:p>
-            <a:r>
-              <a:rPr lang="es-ES" dirty="0">
-                <a:latin typeface="Times New Roman" panose="02020603050405020304" pitchFamily="18" charset="0"/>
-                <a:cs typeface="Times New Roman" panose="02020603050405020304" pitchFamily="18" charset="0"/>
-              </a:rPr>
-              <a:t>Seguimiento e identificación de productos.</a:t>
-            </a:r>
-          </a:p>
-          <a:p>
-            <a:r>
-              <a:rPr lang="es-ES" dirty="0">
-                <a:latin typeface="Times New Roman" panose="02020603050405020304" pitchFamily="18" charset="0"/>
-                <a:cs typeface="Times New Roman" panose="02020603050405020304" pitchFamily="18" charset="0"/>
-              </a:rPr>
-              <a:t>Control de asistencia.</a:t>
+              <a:t>En cuanto a las aplicaciones en el mercado, podemos resumir los sistemas con las siguientes características:</a:t>
+            </a:r>
+          </a:p>
+          <a:p>
+            <a:r>
+              <a:rPr lang="es-ES" dirty="0">
+                <a:latin typeface="Times New Roman" panose="02020603050405020304" pitchFamily="18" charset="0"/>
+                <a:cs typeface="Times New Roman" panose="02020603050405020304" pitchFamily="18" charset="0"/>
+              </a:rPr>
+              <a:t>Etiquetas NFC físicas.</a:t>
+            </a:r>
+          </a:p>
+          <a:p>
+            <a:r>
+              <a:rPr lang="es-ES" dirty="0">
+                <a:latin typeface="Times New Roman" panose="02020603050405020304" pitchFamily="18" charset="0"/>
+                <a:cs typeface="Times New Roman" panose="02020603050405020304" pitchFamily="18" charset="0"/>
+              </a:rPr>
+              <a:t>Uso de lectores NFC conectados a ordenadores.</a:t>
+            </a:r>
+          </a:p>
+          <a:p>
+            <a:r>
+              <a:rPr lang="es-ES" dirty="0">
+                <a:latin typeface="Times New Roman" panose="02020603050405020304" pitchFamily="18" charset="0"/>
+                <a:cs typeface="Times New Roman" panose="02020603050405020304" pitchFamily="18" charset="0"/>
+              </a:rPr>
+              <a:t>Uso de aplicaciones Android como lector de etiquetas.</a:t>
+            </a:r>
+          </a:p>
+          <a:p>
+            <a:r>
+              <a:rPr lang="es-ES" dirty="0">
+                <a:latin typeface="Times New Roman" panose="02020603050405020304" pitchFamily="18" charset="0"/>
+                <a:cs typeface="Times New Roman" panose="02020603050405020304" pitchFamily="18" charset="0"/>
+              </a:rPr>
+              <a:t>Se recogen otros datos como localización por GPS, reconocimiento facial, etc.</a:t>
+            </a:r>
+          </a:p>
+          <a:p>
+            <a:r>
+              <a:rPr lang="es-ES" dirty="0">
+                <a:latin typeface="Times New Roman" panose="02020603050405020304" pitchFamily="18" charset="0"/>
+                <a:cs typeface="Times New Roman" panose="02020603050405020304" pitchFamily="18" charset="0"/>
+              </a:rPr>
+              <a:t>Servidores alojados en la nube.</a:t>
             </a:r>
           </a:p>
         </p:txBody>
@@ -5114,7 +5121,7 @@
     </p:spTree>
     <p:extLst>
       <p:ext uri="{BB962C8B-B14F-4D97-AF65-F5344CB8AC3E}">
-        <p14:creationId xmlns:p14="http://schemas.microsoft.com/office/powerpoint/2010/main" val="2687250001"/>
+        <p14:creationId xmlns:p14="http://schemas.microsoft.com/office/powerpoint/2010/main" val="2845437129"/>
       </p:ext>
     </p:extLst>
   </p:cSld>
@@ -5234,7 +5241,7 @@
                 <a:latin typeface="Times New Roman" panose="02020603050405020304" pitchFamily="18" charset="0"/>
                 <a:cs typeface="Times New Roman" panose="02020603050405020304" pitchFamily="18" charset="0"/>
               </a:rPr>
-              <a:t>Estado del arte - Tecnología NFC (III)</a:t>
+              <a:t>Estado del arte - Tecnología NFC</a:t>
             </a:r>
           </a:p>
         </p:txBody>
@@ -5309,14 +5316,28 @@
                 <a:latin typeface="Times New Roman" panose="02020603050405020304" pitchFamily="18" charset="0"/>
                 <a:cs typeface="Times New Roman" panose="02020603050405020304" pitchFamily="18" charset="0"/>
               </a:rPr>
-              <a:t>El estándar NDEF (NFC Data Exchange </a:t>
+              <a:t>En cuanto a la tecnología NFC (</a:t>
             </a:r>
             <a:r>
               <a:rPr lang="es-ES" dirty="0" err="1">
                 <a:latin typeface="Times New Roman" panose="02020603050405020304" pitchFamily="18" charset="0"/>
                 <a:cs typeface="Times New Roman" panose="02020603050405020304" pitchFamily="18" charset="0"/>
               </a:rPr>
-              <a:t>Format</a:t>
+              <a:t>Near</a:t>
+            </a:r>
+            <a:r>
+              <a:rPr lang="es-ES" dirty="0">
+                <a:latin typeface="Times New Roman" panose="02020603050405020304" pitchFamily="18" charset="0"/>
+                <a:cs typeface="Times New Roman" panose="02020603050405020304" pitchFamily="18" charset="0"/>
+              </a:rPr>
+              <a:t> Field </a:t>
+            </a:r>
+            <a:r>
+              <a:rPr lang="es-ES" dirty="0" err="1">
+                <a:latin typeface="Times New Roman" panose="02020603050405020304" pitchFamily="18" charset="0"/>
+                <a:cs typeface="Times New Roman" panose="02020603050405020304" pitchFamily="18" charset="0"/>
+              </a:rPr>
+              <a:t>Communication</a:t>
             </a:r>
             <a:r>
               <a:rPr lang="es-ES" dirty="0">
@@ -5332,25 +5353,34 @@
                 <a:latin typeface="Times New Roman" panose="02020603050405020304" pitchFamily="18" charset="0"/>
                 <a:cs typeface="Times New Roman" panose="02020603050405020304" pitchFamily="18" charset="0"/>
               </a:rPr>
-              <a:t>Estándar de formato de mensajes a compartir por NFC.</a:t>
-            </a:r>
-          </a:p>
-          <a:p>
-            <a:r>
-              <a:rPr lang="es-ES" dirty="0">
-                <a:latin typeface="Times New Roman" panose="02020603050405020304" pitchFamily="18" charset="0"/>
-                <a:cs typeface="Times New Roman" panose="02020603050405020304" pitchFamily="18" charset="0"/>
-              </a:rPr>
-              <a:t>Permite la interoperabilidad entre distintos tipos de etiquetas NFC.</a:t>
-            </a:r>
-          </a:p>
-          <a:p>
-            <a:r>
-              <a:rPr lang="es-ES" dirty="0">
-                <a:latin typeface="Times New Roman" panose="02020603050405020304" pitchFamily="18" charset="0"/>
-                <a:cs typeface="Times New Roman" panose="02020603050405020304" pitchFamily="18" charset="0"/>
-              </a:rPr>
-              <a:t>Requiere del uso de protocolos y etiquetas estandarizados.</a:t>
+              <a:t>Está basado en la tecnología de radiofrecuencia RFID.</a:t>
+            </a:r>
+          </a:p>
+          <a:p>
+            <a:r>
+              <a:rPr lang="es-ES" dirty="0">
+                <a:latin typeface="Times New Roman" panose="02020603050405020304" pitchFamily="18" charset="0"/>
+                <a:cs typeface="Times New Roman" panose="02020603050405020304" pitchFamily="18" charset="0"/>
+              </a:rPr>
+              <a:t>Muy poco alcance operativo. Entre 5 y 10 centímetros como máximo (dependiendo de la implementación).</a:t>
+            </a:r>
+          </a:p>
+          <a:p>
+            <a:r>
+              <a:rPr lang="es-ES" dirty="0">
+                <a:latin typeface="Times New Roman" panose="02020603050405020304" pitchFamily="18" charset="0"/>
+                <a:cs typeface="Times New Roman" panose="02020603050405020304" pitchFamily="18" charset="0"/>
+              </a:rPr>
+              <a:t>Arquitectura sencilla, por lo que su implementación es fácil.</a:t>
+            </a:r>
+          </a:p>
+          <a:p>
+            <a:r>
+              <a:rPr lang="es-ES" dirty="0">
+                <a:latin typeface="Times New Roman" panose="02020603050405020304" pitchFamily="18" charset="0"/>
+                <a:cs typeface="Times New Roman" panose="02020603050405020304" pitchFamily="18" charset="0"/>
+              </a:rPr>
+              <a:t>Se ha extendido su implementación en dispositivos móviles.</a:t>
             </a:r>
           </a:p>
         </p:txBody>
@@ -5358,7 +5388,7 @@
     </p:spTree>
     <p:extLst>
       <p:ext uri="{BB962C8B-B14F-4D97-AF65-F5344CB8AC3E}">
-        <p14:creationId xmlns:p14="http://schemas.microsoft.com/office/powerpoint/2010/main" val="1620381885"/>
+        <p14:creationId xmlns:p14="http://schemas.microsoft.com/office/powerpoint/2010/main" val="2133043439"/>
       </p:ext>
     </p:extLst>
   </p:cSld>
@@ -5478,7 +5508,7 @@
                 <a:latin typeface="Times New Roman" panose="02020603050405020304" pitchFamily="18" charset="0"/>
                 <a:cs typeface="Times New Roman" panose="02020603050405020304" pitchFamily="18" charset="0"/>
               </a:rPr>
-              <a:t>Estado del arte - Tecnología NFC (IV)</a:t>
+              <a:t>Estado del arte - Tecnología NFC (I)</a:t>
             </a:r>
           </a:p>
         </p:txBody>
@@ -5553,69 +5583,54 @@
                 <a:latin typeface="Times New Roman" panose="02020603050405020304" pitchFamily="18" charset="0"/>
                 <a:cs typeface="Times New Roman" panose="02020603050405020304" pitchFamily="18" charset="0"/>
               </a:rPr>
-              <a:t>Existen cinco tipos de etiquetas que implementan el formato NDEF aceptadas por el foro de NFC. De esos cinco tipos:</a:t>
-            </a:r>
-          </a:p>
-          <a:p>
-            <a:r>
-              <a:rPr lang="es-ES" dirty="0">
-                <a:latin typeface="Times New Roman" panose="02020603050405020304" pitchFamily="18" charset="0"/>
-                <a:cs typeface="Times New Roman" panose="02020603050405020304" pitchFamily="18" charset="0"/>
-              </a:rPr>
-              <a:t>El quinto tipo es relativamente nuevo.</a:t>
-            </a:r>
-          </a:p>
-          <a:p>
-            <a:r>
-              <a:rPr lang="es-ES" dirty="0">
-                <a:latin typeface="Times New Roman" panose="02020603050405020304" pitchFamily="18" charset="0"/>
-                <a:cs typeface="Times New Roman" panose="02020603050405020304" pitchFamily="18" charset="0"/>
-              </a:rPr>
-              <a:t>Android puede trabajar con los 4 primeros tipos de etiquetas.</a:t>
-            </a:r>
-          </a:p>
-          <a:p>
-            <a:r>
-              <a:rPr lang="es-ES" dirty="0">
-                <a:latin typeface="Times New Roman" panose="02020603050405020304" pitchFamily="18" charset="0"/>
-                <a:cs typeface="Times New Roman" panose="02020603050405020304" pitchFamily="18" charset="0"/>
-              </a:rPr>
-              <a:t>La implementación del servicio de emulación de etiquetas de Android solo permite la emulación de etiquetas de tipo 4.</a:t>
+              <a:t>Las etiquetas NFC:</a:t>
+            </a:r>
+          </a:p>
+          <a:p>
+            <a:r>
+              <a:rPr lang="es-ES" dirty="0">
+                <a:latin typeface="Times New Roman" panose="02020603050405020304" pitchFamily="18" charset="0"/>
+                <a:cs typeface="Times New Roman" panose="02020603050405020304" pitchFamily="18" charset="0"/>
+              </a:rPr>
+              <a:t>Son dispositivos pasivos (no tienen su propia fuente de alimentación).</a:t>
+            </a:r>
+          </a:p>
+          <a:p>
+            <a:r>
+              <a:rPr lang="es-ES" dirty="0">
+                <a:latin typeface="Times New Roman" panose="02020603050405020304" pitchFamily="18" charset="0"/>
+                <a:cs typeface="Times New Roman" panose="02020603050405020304" pitchFamily="18" charset="0"/>
+              </a:rPr>
+              <a:t>Memoria relativamente pequeña (entre 48 bytes y 1 Mbyte).</a:t>
+            </a:r>
+          </a:p>
+          <a:p>
+            <a:r>
+              <a:rPr lang="es-ES" dirty="0">
+                <a:latin typeface="Times New Roman" panose="02020603050405020304" pitchFamily="18" charset="0"/>
+                <a:cs typeface="Times New Roman" panose="02020603050405020304" pitchFamily="18" charset="0"/>
+              </a:rPr>
+              <a:t>Compuesto por memoria, pequeña CPU y antena.</a:t>
             </a:r>
           </a:p>
           <a:p>
             <a:pPr marL="0" indent="0">
               <a:buNone/>
             </a:pPr>
-            <a:endParaRPr lang="es-ES" dirty="0">
-              <a:latin typeface="Times New Roman" panose="02020603050405020304" pitchFamily="18" charset="0"/>
-              <a:cs typeface="Times New Roman" panose="02020603050405020304" pitchFamily="18" charset="0"/>
-            </a:endParaRPr>
-          </a:p>
-          <a:p>
-            <a:pPr marL="0" indent="0">
-              <a:buNone/>
-            </a:pPr>
-            <a:endParaRPr lang="es-ES" dirty="0">
-              <a:latin typeface="Times New Roman" panose="02020603050405020304" pitchFamily="18" charset="0"/>
-              <a:cs typeface="Times New Roman" panose="02020603050405020304" pitchFamily="18" charset="0"/>
-            </a:endParaRPr>
-          </a:p>
-          <a:p>
-            <a:pPr marL="0" indent="0">
-              <a:buNone/>
-            </a:pPr>
-            <a:endParaRPr lang="es-ES" dirty="0">
-              <a:latin typeface="Times New Roman" panose="02020603050405020304" pitchFamily="18" charset="0"/>
-              <a:cs typeface="Times New Roman" panose="02020603050405020304" pitchFamily="18" charset="0"/>
-            </a:endParaRPr>
+            <a:r>
+              <a:rPr lang="es-ES" dirty="0">
+                <a:latin typeface="Times New Roman" panose="02020603050405020304" pitchFamily="18" charset="0"/>
+                <a:cs typeface="Times New Roman" panose="02020603050405020304" pitchFamily="18" charset="0"/>
+              </a:rPr>
+              <a:t>Los lectores NFC se encargan de compartir su corriente eléctrica con las etiquetas, encendiéndolas. Esto permite que se puedan introducir etiquetas NFC en elementos como pulseras, tarjetas, etc.</a:t>
+            </a:r>
           </a:p>
         </p:txBody>
       </p:sp>
     </p:spTree>
     <p:extLst>
       <p:ext uri="{BB962C8B-B14F-4D97-AF65-F5344CB8AC3E}">
-        <p14:creationId xmlns:p14="http://schemas.microsoft.com/office/powerpoint/2010/main" val="3260296624"/>
+        <p14:creationId xmlns:p14="http://schemas.microsoft.com/office/powerpoint/2010/main" val="3315474137"/>
       </p:ext>
     </p:extLst>
   </p:cSld>
@@ -5697,7 +5712,7 @@
           <a:lstStyle/>
           <a:p>
             <a:pPr algn="ctr"/>
-            <a:endParaRPr lang="en-GB" dirty="0"/>
+            <a:endParaRPr lang="en-GB"/>
           </a:p>
         </p:txBody>
       </p:sp>
@@ -5735,7 +5750,7 @@
                 <a:latin typeface="Times New Roman" panose="02020603050405020304" pitchFamily="18" charset="0"/>
                 <a:cs typeface="Times New Roman" panose="02020603050405020304" pitchFamily="18" charset="0"/>
               </a:rPr>
-              <a:t>Estado del arte - API de NFC en Android</a:t>
+              <a:t>Estado del arte - Tecnología NFC (II)</a:t>
             </a:r>
           </a:p>
         </p:txBody>
@@ -5810,42 +5825,51 @@
                 <a:latin typeface="Times New Roman" panose="02020603050405020304" pitchFamily="18" charset="0"/>
                 <a:cs typeface="Times New Roman" panose="02020603050405020304" pitchFamily="18" charset="0"/>
               </a:rPr>
-              <a:t>La API de Android nos proporciona una gran cantidad de herramientas para manejar etiquetas NFC. De cara a la gestión de mensajes NDEF, tenemos dos posibilidades:</a:t>
-            </a:r>
-          </a:p>
-          <a:p>
-            <a:r>
-              <a:rPr lang="es-ES" dirty="0">
-                <a:latin typeface="Times New Roman" panose="02020603050405020304" pitchFamily="18" charset="0"/>
-                <a:cs typeface="Times New Roman" panose="02020603050405020304" pitchFamily="18" charset="0"/>
-              </a:rPr>
-              <a:t>Uso de Android Beam.</a:t>
-            </a:r>
-          </a:p>
-          <a:p>
-            <a:r>
-              <a:rPr lang="es-ES" dirty="0">
-                <a:latin typeface="Times New Roman" panose="02020603050405020304" pitchFamily="18" charset="0"/>
-                <a:cs typeface="Times New Roman" panose="02020603050405020304" pitchFamily="18" charset="0"/>
-              </a:rPr>
-              <a:t>Implementación manual de un lector y un emulador de etiquetas.</a:t>
-            </a:r>
-          </a:p>
-          <a:p>
-            <a:pPr marL="0" indent="0">
-              <a:buNone/>
-            </a:pPr>
-            <a:endParaRPr lang="es-ES" dirty="0">
-              <a:latin typeface="Times New Roman" panose="02020603050405020304" pitchFamily="18" charset="0"/>
-              <a:cs typeface="Times New Roman" panose="02020603050405020304" pitchFamily="18" charset="0"/>
-            </a:endParaRPr>
+              <a:t>Los principales usos de la tecnología NFC son:</a:t>
+            </a:r>
+          </a:p>
+          <a:p>
+            <a:r>
+              <a:rPr lang="es-ES" dirty="0">
+                <a:latin typeface="Times New Roman" panose="02020603050405020304" pitchFamily="18" charset="0"/>
+                <a:cs typeface="Times New Roman" panose="02020603050405020304" pitchFamily="18" charset="0"/>
+              </a:rPr>
+              <a:t>Pago a través de NFC.</a:t>
+            </a:r>
+          </a:p>
+          <a:p>
+            <a:r>
+              <a:rPr lang="es-ES" dirty="0">
+                <a:latin typeface="Times New Roman" panose="02020603050405020304" pitchFamily="18" charset="0"/>
+                <a:cs typeface="Times New Roman" panose="02020603050405020304" pitchFamily="18" charset="0"/>
+              </a:rPr>
+              <a:t>Identificación de usuarios a través de etiquetas NFC.</a:t>
+            </a:r>
+          </a:p>
+          <a:p>
+            <a:r>
+              <a:rPr lang="es-ES" dirty="0">
+                <a:latin typeface="Times New Roman" panose="02020603050405020304" pitchFamily="18" charset="0"/>
+                <a:cs typeface="Times New Roman" panose="02020603050405020304" pitchFamily="18" charset="0"/>
+              </a:rPr>
+              <a:t>Seguimiento e identificación de productos.</a:t>
+            </a:r>
+          </a:p>
+          <a:p>
+            <a:r>
+              <a:rPr lang="es-ES" dirty="0">
+                <a:latin typeface="Times New Roman" panose="02020603050405020304" pitchFamily="18" charset="0"/>
+                <a:cs typeface="Times New Roman" panose="02020603050405020304" pitchFamily="18" charset="0"/>
+              </a:rPr>
+              <a:t>Control de asistencia.</a:t>
+            </a:r>
           </a:p>
         </p:txBody>
       </p:sp>
     </p:spTree>
     <p:extLst>
       <p:ext uri="{BB962C8B-B14F-4D97-AF65-F5344CB8AC3E}">
-        <p14:creationId xmlns:p14="http://schemas.microsoft.com/office/powerpoint/2010/main" val="96227017"/>
+        <p14:creationId xmlns:p14="http://schemas.microsoft.com/office/powerpoint/2010/main" val="2687250001"/>
       </p:ext>
     </p:extLst>
   </p:cSld>
@@ -5927,7 +5951,7 @@
           <a:lstStyle/>
           <a:p>
             <a:pPr algn="ctr"/>
-            <a:endParaRPr lang="en-GB" dirty="0"/>
+            <a:endParaRPr lang="en-GB"/>
           </a:p>
         </p:txBody>
       </p:sp>
@@ -5965,7 +5989,7 @@
                 <a:latin typeface="Times New Roman" panose="02020603050405020304" pitchFamily="18" charset="0"/>
                 <a:cs typeface="Times New Roman" panose="02020603050405020304" pitchFamily="18" charset="0"/>
               </a:rPr>
-              <a:t>Estado del arte - API de NFC en Android (I)</a:t>
+              <a:t>Estado del arte - Tecnología NFC (III)</a:t>
             </a:r>
           </a:p>
         </p:txBody>
@@ -6040,76 +6064,48 @@
                 <a:latin typeface="Times New Roman" panose="02020603050405020304" pitchFamily="18" charset="0"/>
                 <a:cs typeface="Times New Roman" panose="02020603050405020304" pitchFamily="18" charset="0"/>
               </a:rPr>
-              <a:t>A modo de resumen, Android Beam:</a:t>
-            </a:r>
-          </a:p>
-          <a:p>
-            <a:r>
-              <a:rPr lang="es-ES" dirty="0">
-                <a:latin typeface="Times New Roman" panose="02020603050405020304" pitchFamily="18" charset="0"/>
-                <a:cs typeface="Times New Roman" panose="02020603050405020304" pitchFamily="18" charset="0"/>
-              </a:rPr>
-              <a:t>Permite a dos dispositivos móviles Android que lo soporten entrar en modo </a:t>
-            </a:r>
-            <a:r>
-              <a:rPr lang="es-ES" i="1" dirty="0">
-                <a:latin typeface="Times New Roman" panose="02020603050405020304" pitchFamily="18" charset="0"/>
-                <a:cs typeface="Times New Roman" panose="02020603050405020304" pitchFamily="18" charset="0"/>
-              </a:rPr>
-              <a:t>peer-</a:t>
-            </a:r>
-            <a:r>
-              <a:rPr lang="es-ES" i="1" dirty="0" err="1">
-                <a:latin typeface="Times New Roman" panose="02020603050405020304" pitchFamily="18" charset="0"/>
-                <a:cs typeface="Times New Roman" panose="02020603050405020304" pitchFamily="18" charset="0"/>
-              </a:rPr>
-              <a:t>to</a:t>
-            </a:r>
-            <a:r>
-              <a:rPr lang="es-ES" i="1" dirty="0">
-                <a:latin typeface="Times New Roman" panose="02020603050405020304" pitchFamily="18" charset="0"/>
-                <a:cs typeface="Times New Roman" panose="02020603050405020304" pitchFamily="18" charset="0"/>
-              </a:rPr>
-              <a:t>-peer</a:t>
-            </a:r>
-            <a:r>
-              <a:rPr lang="es-ES" dirty="0">
-                <a:latin typeface="Times New Roman" panose="02020603050405020304" pitchFamily="18" charset="0"/>
-                <a:cs typeface="Times New Roman" panose="02020603050405020304" pitchFamily="18" charset="0"/>
-              </a:rPr>
-              <a:t> a través de NFC.</a:t>
-            </a:r>
-          </a:p>
-          <a:p>
-            <a:r>
-              <a:rPr lang="es-ES" dirty="0">
-                <a:latin typeface="Times New Roman" panose="02020603050405020304" pitchFamily="18" charset="0"/>
-                <a:cs typeface="Times New Roman" panose="02020603050405020304" pitchFamily="18" charset="0"/>
-              </a:rPr>
-              <a:t>En este modo, se pueden compartir mensajes en formato NDEF, conexión </a:t>
+              <a:t>El estándar NDEF (NFC Data Exchange </a:t>
             </a:r>
             <a:r>
               <a:rPr lang="es-ES" dirty="0" err="1">
                 <a:latin typeface="Times New Roman" panose="02020603050405020304" pitchFamily="18" charset="0"/>
                 <a:cs typeface="Times New Roman" panose="02020603050405020304" pitchFamily="18" charset="0"/>
               </a:rPr>
-              <a:t>Wi</a:t>
-            </a:r>
-            <a:r>
-              <a:rPr lang="es-ES" dirty="0">
-                <a:latin typeface="Times New Roman" panose="02020603050405020304" pitchFamily="18" charset="0"/>
-                <a:cs typeface="Times New Roman" panose="02020603050405020304" pitchFamily="18" charset="0"/>
-              </a:rPr>
-              <a:t>-Fi, archivos, etc.</a:t>
-            </a:r>
-          </a:p>
-          <a:p>
-            <a:r>
-              <a:rPr lang="es-ES" dirty="0">
-                <a:latin typeface="Times New Roman" panose="02020603050405020304" pitchFamily="18" charset="0"/>
-                <a:cs typeface="Times New Roman" panose="02020603050405020304" pitchFamily="18" charset="0"/>
-              </a:rPr>
-              <a:t>Android Beam es exclusivo consigo mismo. No permite el uso de otro tipo de dispositivos o etiquetas.</a:t>
+              <a:t>Format</a:t>
+            </a:r>
+            <a:r>
+              <a:rPr lang="es-ES" dirty="0">
+                <a:latin typeface="Times New Roman" panose="02020603050405020304" pitchFamily="18" charset="0"/>
+                <a:cs typeface="Times New Roman" panose="02020603050405020304" pitchFamily="18" charset="0"/>
+              </a:rPr>
+              <a:t>):</a:t>
+            </a:r>
+          </a:p>
+          <a:p>
+            <a:r>
+              <a:rPr lang="es-ES" dirty="0">
+                <a:latin typeface="Times New Roman" panose="02020603050405020304" pitchFamily="18" charset="0"/>
+                <a:cs typeface="Times New Roman" panose="02020603050405020304" pitchFamily="18" charset="0"/>
+              </a:rPr>
+              <a:t>Estándar de formato de mensajes a compartir por NFC.</a:t>
+            </a:r>
+          </a:p>
+          <a:p>
+            <a:r>
+              <a:rPr lang="es-ES" dirty="0">
+                <a:latin typeface="Times New Roman" panose="02020603050405020304" pitchFamily="18" charset="0"/>
+                <a:cs typeface="Times New Roman" panose="02020603050405020304" pitchFamily="18" charset="0"/>
+              </a:rPr>
+              <a:t>Permite la interoperabilidad entre distintos tipos de etiquetas NFC.</a:t>
+            </a:r>
+          </a:p>
+          <a:p>
+            <a:r>
+              <a:rPr lang="es-ES" dirty="0">
+                <a:latin typeface="Times New Roman" panose="02020603050405020304" pitchFamily="18" charset="0"/>
+                <a:cs typeface="Times New Roman" panose="02020603050405020304" pitchFamily="18" charset="0"/>
+              </a:rPr>
+              <a:t>Requiere del uso de protocolos y etiquetas estandarizados.</a:t>
             </a:r>
           </a:p>
         </p:txBody>
@@ -6117,7 +6113,7 @@
     </p:spTree>
     <p:extLst>
       <p:ext uri="{BB962C8B-B14F-4D97-AF65-F5344CB8AC3E}">
-        <p14:creationId xmlns:p14="http://schemas.microsoft.com/office/powerpoint/2010/main" val="2645841615"/>
+        <p14:creationId xmlns:p14="http://schemas.microsoft.com/office/powerpoint/2010/main" val="1620381885"/>
       </p:ext>
     </p:extLst>
   </p:cSld>
@@ -6199,7 +6195,7 @@
           <a:lstStyle/>
           <a:p>
             <a:pPr algn="ctr"/>
-            <a:endParaRPr lang="en-GB" dirty="0"/>
+            <a:endParaRPr lang="en-GB"/>
           </a:p>
         </p:txBody>
       </p:sp>
@@ -6237,7 +6233,7 @@
                 <a:latin typeface="Times New Roman" panose="02020603050405020304" pitchFamily="18" charset="0"/>
                 <a:cs typeface="Times New Roman" panose="02020603050405020304" pitchFamily="18" charset="0"/>
               </a:rPr>
-              <a:t>Estado del arte - API de NFC en Android (II)</a:t>
+              <a:t>Estado del arte - Tecnología NFC (IV)</a:t>
             </a:r>
           </a:p>
         </p:txBody>
@@ -6300,7 +6296,7 @@
         <p:spPr/>
         <p:txBody>
           <a:bodyPr>
-            <a:normAutofit lnSpcReduction="10000"/>
+            <a:normAutofit/>
           </a:bodyPr>
           <a:lstStyle/>
           <a:p>
@@ -6312,100 +6308,69 @@
                 <a:latin typeface="Times New Roman" panose="02020603050405020304" pitchFamily="18" charset="0"/>
                 <a:cs typeface="Times New Roman" panose="02020603050405020304" pitchFamily="18" charset="0"/>
               </a:rPr>
-              <a:t>En cuanto a la implementación de un emulador de etiquetas NFC, Android nos permite:</a:t>
-            </a:r>
-          </a:p>
-          <a:p>
-            <a:r>
-              <a:rPr lang="es-ES" dirty="0">
-                <a:latin typeface="Times New Roman" panose="02020603050405020304" pitchFamily="18" charset="0"/>
-                <a:cs typeface="Times New Roman" panose="02020603050405020304" pitchFamily="18" charset="0"/>
-              </a:rPr>
-              <a:t>Emular etiquetas de tipo 4.</a:t>
-            </a:r>
-          </a:p>
-          <a:p>
-            <a:r>
-              <a:rPr lang="es-ES" dirty="0">
-                <a:latin typeface="Times New Roman" panose="02020603050405020304" pitchFamily="18" charset="0"/>
-                <a:cs typeface="Times New Roman" panose="02020603050405020304" pitchFamily="18" charset="0"/>
-              </a:rPr>
-              <a:t>La API cuenta con un servicio de Android especializado, </a:t>
-            </a:r>
-            <a:r>
-              <a:rPr lang="es-ES" i="1" dirty="0">
-                <a:latin typeface="Times New Roman" panose="02020603050405020304" pitchFamily="18" charset="0"/>
-                <a:cs typeface="Times New Roman" panose="02020603050405020304" pitchFamily="18" charset="0"/>
-              </a:rPr>
-              <a:t>Host-</a:t>
-            </a:r>
-            <a:r>
-              <a:rPr lang="es-ES" i="1" dirty="0" err="1">
-                <a:latin typeface="Times New Roman" panose="02020603050405020304" pitchFamily="18" charset="0"/>
-                <a:cs typeface="Times New Roman" panose="02020603050405020304" pitchFamily="18" charset="0"/>
-              </a:rPr>
-              <a:t>based</a:t>
-            </a:r>
-            <a:r>
-              <a:rPr lang="es-ES" i="1" dirty="0">
-                <a:latin typeface="Times New Roman" panose="02020603050405020304" pitchFamily="18" charset="0"/>
-                <a:cs typeface="Times New Roman" panose="02020603050405020304" pitchFamily="18" charset="0"/>
-              </a:rPr>
-              <a:t> </a:t>
-            </a:r>
-            <a:r>
-              <a:rPr lang="es-ES" i="1" dirty="0" err="1">
-                <a:latin typeface="Times New Roman" panose="02020603050405020304" pitchFamily="18" charset="0"/>
-                <a:cs typeface="Times New Roman" panose="02020603050405020304" pitchFamily="18" charset="0"/>
-              </a:rPr>
-              <a:t>Card</a:t>
-            </a:r>
-            <a:r>
-              <a:rPr lang="es-ES" i="1" dirty="0">
-                <a:latin typeface="Times New Roman" panose="02020603050405020304" pitchFamily="18" charset="0"/>
-                <a:cs typeface="Times New Roman" panose="02020603050405020304" pitchFamily="18" charset="0"/>
-              </a:rPr>
-              <a:t> </a:t>
-            </a:r>
-            <a:r>
-              <a:rPr lang="es-ES" i="1" dirty="0" err="1">
-                <a:latin typeface="Times New Roman" panose="02020603050405020304" pitchFamily="18" charset="0"/>
-                <a:cs typeface="Times New Roman" panose="02020603050405020304" pitchFamily="18" charset="0"/>
-              </a:rPr>
-              <a:t>Emulation</a:t>
-            </a:r>
-            <a:r>
-              <a:rPr lang="es-ES" dirty="0">
-                <a:latin typeface="Times New Roman" panose="02020603050405020304" pitchFamily="18" charset="0"/>
-                <a:cs typeface="Times New Roman" panose="02020603050405020304" pitchFamily="18" charset="0"/>
-              </a:rPr>
-              <a:t> (HCE).</a:t>
-            </a:r>
-          </a:p>
-          <a:p>
-            <a:r>
-              <a:rPr lang="es-ES" dirty="0">
-                <a:latin typeface="Times New Roman" panose="02020603050405020304" pitchFamily="18" charset="0"/>
-                <a:cs typeface="Times New Roman" panose="02020603050405020304" pitchFamily="18" charset="0"/>
-              </a:rPr>
-              <a:t>Este servicio es una clase abstracta Java que podemos implementar. El método principal se encarga de procesar los comandos mandados por el lector de etiquetas, enviando una respuesta.</a:t>
-            </a:r>
-          </a:p>
-          <a:p>
-            <a:r>
-              <a:rPr lang="es-ES" dirty="0">
-                <a:latin typeface="Times New Roman" panose="02020603050405020304" pitchFamily="18" charset="0"/>
-                <a:cs typeface="Times New Roman" panose="02020603050405020304" pitchFamily="18" charset="0"/>
-              </a:rPr>
-              <a:t>Los comandos deben estar implementados manualmente a nivel de byte.</a:t>
-            </a:r>
+              <a:t>Existen cinco tipos de etiquetas que implementan el formato NDEF aceptadas por el foro de NFC. De esos cinco tipos:</a:t>
+            </a:r>
+          </a:p>
+          <a:p>
+            <a:r>
+              <a:rPr lang="es-ES" dirty="0">
+                <a:latin typeface="Times New Roman" panose="02020603050405020304" pitchFamily="18" charset="0"/>
+                <a:cs typeface="Times New Roman" panose="02020603050405020304" pitchFamily="18" charset="0"/>
+              </a:rPr>
+              <a:t>El quinto tipo es relativamente nuevo.</a:t>
+            </a:r>
+          </a:p>
+          <a:p>
+            <a:r>
+              <a:rPr lang="es-ES" dirty="0">
+                <a:latin typeface="Times New Roman" panose="02020603050405020304" pitchFamily="18" charset="0"/>
+                <a:cs typeface="Times New Roman" panose="02020603050405020304" pitchFamily="18" charset="0"/>
+              </a:rPr>
+              <a:t>Android puede trabajar con los 4 primeros tipos de etiquetas.</a:t>
+            </a:r>
+          </a:p>
+          <a:p>
+            <a:r>
+              <a:rPr lang="es-ES" dirty="0">
+                <a:latin typeface="Times New Roman" panose="02020603050405020304" pitchFamily="18" charset="0"/>
+                <a:cs typeface="Times New Roman" panose="02020603050405020304" pitchFamily="18" charset="0"/>
+              </a:rPr>
+              <a:t>La implementación del servicio de emulación de etiquetas de Android solo permite la emulación de etiquetas de tipo 4.</a:t>
+            </a:r>
+          </a:p>
+          <a:p>
+            <a:pPr marL="0" indent="0">
+              <a:buNone/>
+            </a:pPr>
+            <a:endParaRPr lang="es-ES" dirty="0">
+              <a:latin typeface="Times New Roman" panose="02020603050405020304" pitchFamily="18" charset="0"/>
+              <a:cs typeface="Times New Roman" panose="02020603050405020304" pitchFamily="18" charset="0"/>
+            </a:endParaRPr>
+          </a:p>
+          <a:p>
+            <a:pPr marL="0" indent="0">
+              <a:buNone/>
+            </a:pPr>
+            <a:endParaRPr lang="es-ES" dirty="0">
+              <a:latin typeface="Times New Roman" panose="02020603050405020304" pitchFamily="18" charset="0"/>
+              <a:cs typeface="Times New Roman" panose="02020603050405020304" pitchFamily="18" charset="0"/>
+            </a:endParaRPr>
+          </a:p>
+          <a:p>
+            <a:pPr marL="0" indent="0">
+              <a:buNone/>
+            </a:pPr>
+            <a:endParaRPr lang="es-ES" dirty="0">
+              <a:latin typeface="Times New Roman" panose="02020603050405020304" pitchFamily="18" charset="0"/>
+              <a:cs typeface="Times New Roman" panose="02020603050405020304" pitchFamily="18" charset="0"/>
+            </a:endParaRPr>
           </a:p>
         </p:txBody>
       </p:sp>
     </p:spTree>
     <p:extLst>
       <p:ext uri="{BB962C8B-B14F-4D97-AF65-F5344CB8AC3E}">
-        <p14:creationId xmlns:p14="http://schemas.microsoft.com/office/powerpoint/2010/main" val="632930560"/>
+        <p14:creationId xmlns:p14="http://schemas.microsoft.com/office/powerpoint/2010/main" val="3260296624"/>
       </p:ext>
     </p:extLst>
   </p:cSld>
@@ -6525,7 +6490,7 @@
                 <a:latin typeface="Times New Roman" panose="02020603050405020304" pitchFamily="18" charset="0"/>
                 <a:cs typeface="Times New Roman" panose="02020603050405020304" pitchFamily="18" charset="0"/>
               </a:rPr>
-              <a:t>Estado del arte - API de NFC en Android (III)</a:t>
+              <a:t>Estado del arte - API de NFC en Android</a:t>
             </a:r>
           </a:p>
         </p:txBody>
@@ -6600,37 +6565,31 @@
                 <a:latin typeface="Times New Roman" panose="02020603050405020304" pitchFamily="18" charset="0"/>
                 <a:cs typeface="Times New Roman" panose="02020603050405020304" pitchFamily="18" charset="0"/>
               </a:rPr>
-              <a:t>En segundo lugar, en cuanto a la implementación de un lector de etiquetas en Android:</a:t>
-            </a:r>
-          </a:p>
-          <a:p>
-            <a:r>
-              <a:rPr lang="es-ES" dirty="0">
-                <a:latin typeface="Times New Roman" panose="02020603050405020304" pitchFamily="18" charset="0"/>
-                <a:cs typeface="Times New Roman" panose="02020603050405020304" pitchFamily="18" charset="0"/>
-              </a:rPr>
-              <a:t>Las etiquetas leídas se convierten a objetos Java.</a:t>
-            </a:r>
-          </a:p>
-          <a:p>
-            <a:r>
-              <a:rPr lang="es-ES" dirty="0">
-                <a:latin typeface="Times New Roman" panose="02020603050405020304" pitchFamily="18" charset="0"/>
-                <a:cs typeface="Times New Roman" panose="02020603050405020304" pitchFamily="18" charset="0"/>
-              </a:rPr>
-              <a:t>El lector de etiquetas envía comandos automáticamente, no hace falta implementar a nivel de byte.</a:t>
-            </a:r>
-          </a:p>
-          <a:p>
-            <a:r>
-              <a:rPr lang="es-ES" dirty="0">
-                <a:latin typeface="Times New Roman" panose="02020603050405020304" pitchFamily="18" charset="0"/>
-                <a:cs typeface="Times New Roman" panose="02020603050405020304" pitchFamily="18" charset="0"/>
-              </a:rPr>
-              <a:t>Android nos permite configurar el teléfono para estar en solo modo lectura. Esto permite tener un emulador y un lector en el mismo teléfono simultáneamente.</a:t>
-            </a:r>
-          </a:p>
-          <a:p>
+              <a:t>La API de Android nos proporciona una gran cantidad de herramientas para manejar etiquetas NFC. De cara a la gestión de mensajes NDEF, tenemos dos posibilidades:</a:t>
+            </a:r>
+          </a:p>
+          <a:p>
+            <a:r>
+              <a:rPr lang="es-ES" dirty="0">
+                <a:latin typeface="Times New Roman" panose="02020603050405020304" pitchFamily="18" charset="0"/>
+                <a:cs typeface="Times New Roman" panose="02020603050405020304" pitchFamily="18" charset="0"/>
+              </a:rPr>
+              <a:t>Uso de Android Beam.</a:t>
+            </a:r>
+          </a:p>
+          <a:p>
+            <a:r>
+              <a:rPr lang="es-ES" dirty="0">
+                <a:latin typeface="Times New Roman" panose="02020603050405020304" pitchFamily="18" charset="0"/>
+                <a:cs typeface="Times New Roman" panose="02020603050405020304" pitchFamily="18" charset="0"/>
+              </a:rPr>
+              <a:t>Implementación manual de un lector y un emulador de etiquetas.</a:t>
+            </a:r>
+          </a:p>
+          <a:p>
+            <a:pPr marL="0" indent="0">
+              <a:buNone/>
+            </a:pPr>
             <a:endParaRPr lang="es-ES" dirty="0">
               <a:latin typeface="Times New Roman" panose="02020603050405020304" pitchFamily="18" charset="0"/>
               <a:cs typeface="Times New Roman" panose="02020603050405020304" pitchFamily="18" charset="0"/>
@@ -6641,7 +6600,7 @@
     </p:spTree>
     <p:extLst>
       <p:ext uri="{BB962C8B-B14F-4D97-AF65-F5344CB8AC3E}">
-        <p14:creationId xmlns:p14="http://schemas.microsoft.com/office/powerpoint/2010/main" val="1786914730"/>
+        <p14:creationId xmlns:p14="http://schemas.microsoft.com/office/powerpoint/2010/main" val="96227017"/>
       </p:ext>
     </p:extLst>
   </p:cSld>
@@ -6761,7 +6720,7 @@
                 <a:latin typeface="Times New Roman" panose="02020603050405020304" pitchFamily="18" charset="0"/>
                 <a:cs typeface="Times New Roman" panose="02020603050405020304" pitchFamily="18" charset="0"/>
               </a:rPr>
-              <a:t>Sistema desarrollado - Arquitectura del sistema</a:t>
+              <a:t>Estado del arte - API de NFC en Android (I)</a:t>
             </a:r>
           </a:p>
         </p:txBody>
@@ -6836,43 +6795,76 @@
                 <a:latin typeface="Times New Roman" panose="02020603050405020304" pitchFamily="18" charset="0"/>
                 <a:cs typeface="Times New Roman" panose="02020603050405020304" pitchFamily="18" charset="0"/>
               </a:rPr>
-              <a:t>El sistema desarrollado cuenta con los siguientes subsistemas:</a:t>
-            </a:r>
-          </a:p>
-          <a:p>
-            <a:r>
-              <a:rPr lang="es-ES" dirty="0">
-                <a:latin typeface="Times New Roman" panose="02020603050405020304" pitchFamily="18" charset="0"/>
-                <a:cs typeface="Times New Roman" panose="02020603050405020304" pitchFamily="18" charset="0"/>
-              </a:rPr>
-              <a:t>Servidor HTTP. </a:t>
-            </a:r>
-          </a:p>
-          <a:p>
-            <a:r>
-              <a:rPr lang="es-ES" dirty="0">
-                <a:latin typeface="Times New Roman" panose="02020603050405020304" pitchFamily="18" charset="0"/>
-                <a:cs typeface="Times New Roman" panose="02020603050405020304" pitchFamily="18" charset="0"/>
-              </a:rPr>
-              <a:t>Base de datos. </a:t>
-            </a:r>
-          </a:p>
-          <a:p>
-            <a:r>
-              <a:rPr lang="es-ES" dirty="0">
-                <a:latin typeface="Times New Roman" panose="02020603050405020304" pitchFamily="18" charset="0"/>
-                <a:cs typeface="Times New Roman" panose="02020603050405020304" pitchFamily="18" charset="0"/>
-              </a:rPr>
-              <a:t>Aplicación Android. </a:t>
-            </a:r>
-          </a:p>
-          <a:p>
-            <a:r>
-              <a:rPr lang="es-ES" dirty="0">
-                <a:latin typeface="Times New Roman" panose="02020603050405020304" pitchFamily="18" charset="0"/>
-                <a:cs typeface="Times New Roman" panose="02020603050405020304" pitchFamily="18" charset="0"/>
-              </a:rPr>
-              <a:t>Aplicación de escritorio para administradores. </a:t>
+              <a:t>A modo de resumen, Android Beam:</a:t>
+            </a:r>
+          </a:p>
+          <a:p>
+            <a:r>
+              <a:rPr lang="es-ES" dirty="0">
+                <a:latin typeface="Times New Roman" panose="02020603050405020304" pitchFamily="18" charset="0"/>
+                <a:cs typeface="Times New Roman" panose="02020603050405020304" pitchFamily="18" charset="0"/>
+              </a:rPr>
+              <a:t>Permite a dos dispositivos móviles Android que lo soporten entrar en modo </a:t>
+            </a:r>
+            <a:r>
+              <a:rPr lang="es-ES" i="1" dirty="0">
+                <a:latin typeface="Times New Roman" panose="02020603050405020304" pitchFamily="18" charset="0"/>
+                <a:cs typeface="Times New Roman" panose="02020603050405020304" pitchFamily="18" charset="0"/>
+              </a:rPr>
+              <a:t>peer-</a:t>
+            </a:r>
+            <a:r>
+              <a:rPr lang="es-ES" i="1" dirty="0" err="1">
+                <a:latin typeface="Times New Roman" panose="02020603050405020304" pitchFamily="18" charset="0"/>
+                <a:cs typeface="Times New Roman" panose="02020603050405020304" pitchFamily="18" charset="0"/>
+              </a:rPr>
+              <a:t>to</a:t>
+            </a:r>
+            <a:r>
+              <a:rPr lang="es-ES" i="1" dirty="0">
+                <a:latin typeface="Times New Roman" panose="02020603050405020304" pitchFamily="18" charset="0"/>
+                <a:cs typeface="Times New Roman" panose="02020603050405020304" pitchFamily="18" charset="0"/>
+              </a:rPr>
+              <a:t>-peer</a:t>
+            </a:r>
+            <a:r>
+              <a:rPr lang="es-ES" dirty="0">
+                <a:latin typeface="Times New Roman" panose="02020603050405020304" pitchFamily="18" charset="0"/>
+                <a:cs typeface="Times New Roman" panose="02020603050405020304" pitchFamily="18" charset="0"/>
+              </a:rPr>
+              <a:t> a través de NFC.</a:t>
+            </a:r>
+          </a:p>
+          <a:p>
+            <a:r>
+              <a:rPr lang="es-ES" dirty="0">
+                <a:latin typeface="Times New Roman" panose="02020603050405020304" pitchFamily="18" charset="0"/>
+                <a:cs typeface="Times New Roman" panose="02020603050405020304" pitchFamily="18" charset="0"/>
+              </a:rPr>
+              <a:t>En este modo, se pueden compartir mensajes en formato NDEF, conexión </a:t>
+            </a:r>
+            <a:r>
+              <a:rPr lang="es-ES" dirty="0" err="1">
+                <a:latin typeface="Times New Roman" panose="02020603050405020304" pitchFamily="18" charset="0"/>
+                <a:cs typeface="Times New Roman" panose="02020603050405020304" pitchFamily="18" charset="0"/>
+              </a:rPr>
+              <a:t>Wi</a:t>
+            </a:r>
+            <a:r>
+              <a:rPr lang="es-ES" dirty="0">
+                <a:latin typeface="Times New Roman" panose="02020603050405020304" pitchFamily="18" charset="0"/>
+                <a:cs typeface="Times New Roman" panose="02020603050405020304" pitchFamily="18" charset="0"/>
+              </a:rPr>
+              <a:t>-Fi, archivos, etc.</a:t>
+            </a:r>
+          </a:p>
+          <a:p>
+            <a:r>
+              <a:rPr lang="es-ES" dirty="0">
+                <a:latin typeface="Times New Roman" panose="02020603050405020304" pitchFamily="18" charset="0"/>
+                <a:cs typeface="Times New Roman" panose="02020603050405020304" pitchFamily="18" charset="0"/>
+              </a:rPr>
+              <a:t>Android Beam es exclusivo consigo mismo. No permite el uso de otro tipo de dispositivos o etiquetas.</a:t>
             </a:r>
           </a:p>
         </p:txBody>
@@ -6880,7 +6872,7 @@
     </p:spTree>
     <p:extLst>
       <p:ext uri="{BB962C8B-B14F-4D97-AF65-F5344CB8AC3E}">
-        <p14:creationId xmlns:p14="http://schemas.microsoft.com/office/powerpoint/2010/main" val="3664207757"/>
+        <p14:creationId xmlns:p14="http://schemas.microsoft.com/office/powerpoint/2010/main" val="2645841615"/>
       </p:ext>
     </p:extLst>
   </p:cSld>
@@ -7000,7 +6992,7 @@
                 <a:latin typeface="Times New Roman" panose="02020603050405020304" pitchFamily="18" charset="0"/>
                 <a:cs typeface="Times New Roman" panose="02020603050405020304" pitchFamily="18" charset="0"/>
               </a:rPr>
-              <a:t>Sistema desarrollado - Arquitectura del sistema (I)</a:t>
+              <a:t>Estado del arte - API de NFC en Android (II)</a:t>
             </a:r>
           </a:p>
         </p:txBody>
@@ -7063,7 +7055,7 @@
         <p:spPr/>
         <p:txBody>
           <a:bodyPr>
-            <a:normAutofit/>
+            <a:normAutofit lnSpcReduction="10000"/>
           </a:bodyPr>
           <a:lstStyle/>
           <a:p>
@@ -7075,54 +7067,100 @@
                 <a:latin typeface="Times New Roman" panose="02020603050405020304" pitchFamily="18" charset="0"/>
                 <a:cs typeface="Times New Roman" panose="02020603050405020304" pitchFamily="18" charset="0"/>
               </a:rPr>
-              <a:t>Visión general del sistema:</a:t>
-            </a:r>
-          </a:p>
-          <a:p>
-            <a:pPr marL="0" indent="0">
-              <a:buNone/>
-            </a:pPr>
-            <a:endParaRPr lang="es-ES" dirty="0">
-              <a:latin typeface="Times New Roman" panose="02020603050405020304" pitchFamily="18" charset="0"/>
-              <a:cs typeface="Times New Roman" panose="02020603050405020304" pitchFamily="18" charset="0"/>
-            </a:endParaRPr>
-          </a:p>
-        </p:txBody>
-      </p:sp>
-      <p:pic>
-        <p:nvPicPr>
-          <p:cNvPr id="7" name="Imagen 6">
-            <a:extLst>
-              <a:ext uri="{FF2B5EF4-FFF2-40B4-BE49-F238E27FC236}">
-                <a16:creationId xmlns:a16="http://schemas.microsoft.com/office/drawing/2014/main" id="{C4B7C66E-9BD5-4F08-8097-8819DDD6EA6F}"/>
-              </a:ext>
-            </a:extLst>
-          </p:cNvPr>
-          <p:cNvPicPr>
-            <a:picLocks noChangeAspect="1"/>
-          </p:cNvPicPr>
-          <p:nvPr/>
-        </p:nvPicPr>
-        <p:blipFill>
-          <a:blip r:embed="rId3"/>
-          <a:stretch>
-            <a:fillRect/>
-          </a:stretch>
-        </p:blipFill>
-        <p:spPr>
-          <a:xfrm>
-            <a:off x="2790524" y="2508144"/>
-            <a:ext cx="6610951" cy="3308934"/>
-          </a:xfrm>
-          <a:prstGeom prst="rect">
-            <a:avLst/>
-          </a:prstGeom>
-        </p:spPr>
-      </p:pic>
+              <a:t>En cuanto a la implementación de un emulador de etiquetas NFC, Android nos permite:</a:t>
+            </a:r>
+          </a:p>
+          <a:p>
+            <a:r>
+              <a:rPr lang="es-ES" dirty="0">
+                <a:latin typeface="Times New Roman" panose="02020603050405020304" pitchFamily="18" charset="0"/>
+                <a:cs typeface="Times New Roman" panose="02020603050405020304" pitchFamily="18" charset="0"/>
+              </a:rPr>
+              <a:t>Emular etiquetas de tipo 4.</a:t>
+            </a:r>
+          </a:p>
+          <a:p>
+            <a:r>
+              <a:rPr lang="es-ES" dirty="0">
+                <a:latin typeface="Times New Roman" panose="02020603050405020304" pitchFamily="18" charset="0"/>
+                <a:cs typeface="Times New Roman" panose="02020603050405020304" pitchFamily="18" charset="0"/>
+              </a:rPr>
+              <a:t>La API cuenta con un servicio de Android especializado, </a:t>
+            </a:r>
+            <a:r>
+              <a:rPr lang="es-ES" i="1" dirty="0">
+                <a:latin typeface="Times New Roman" panose="02020603050405020304" pitchFamily="18" charset="0"/>
+                <a:cs typeface="Times New Roman" panose="02020603050405020304" pitchFamily="18" charset="0"/>
+              </a:rPr>
+              <a:t>Host-</a:t>
+            </a:r>
+            <a:r>
+              <a:rPr lang="es-ES" i="1" dirty="0" err="1">
+                <a:latin typeface="Times New Roman" panose="02020603050405020304" pitchFamily="18" charset="0"/>
+                <a:cs typeface="Times New Roman" panose="02020603050405020304" pitchFamily="18" charset="0"/>
+              </a:rPr>
+              <a:t>based</a:t>
+            </a:r>
+            <a:r>
+              <a:rPr lang="es-ES" i="1" dirty="0">
+                <a:latin typeface="Times New Roman" panose="02020603050405020304" pitchFamily="18" charset="0"/>
+                <a:cs typeface="Times New Roman" panose="02020603050405020304" pitchFamily="18" charset="0"/>
+              </a:rPr>
+              <a:t> </a:t>
+            </a:r>
+            <a:r>
+              <a:rPr lang="es-ES" i="1" dirty="0" err="1">
+                <a:latin typeface="Times New Roman" panose="02020603050405020304" pitchFamily="18" charset="0"/>
+                <a:cs typeface="Times New Roman" panose="02020603050405020304" pitchFamily="18" charset="0"/>
+              </a:rPr>
+              <a:t>Card</a:t>
+            </a:r>
+            <a:r>
+              <a:rPr lang="es-ES" i="1" dirty="0">
+                <a:latin typeface="Times New Roman" panose="02020603050405020304" pitchFamily="18" charset="0"/>
+                <a:cs typeface="Times New Roman" panose="02020603050405020304" pitchFamily="18" charset="0"/>
+              </a:rPr>
+              <a:t> </a:t>
+            </a:r>
+            <a:r>
+              <a:rPr lang="es-ES" i="1" dirty="0" err="1">
+                <a:latin typeface="Times New Roman" panose="02020603050405020304" pitchFamily="18" charset="0"/>
+                <a:cs typeface="Times New Roman" panose="02020603050405020304" pitchFamily="18" charset="0"/>
+              </a:rPr>
+              <a:t>Emulation</a:t>
+            </a:r>
+            <a:r>
+              <a:rPr lang="es-ES" dirty="0">
+                <a:latin typeface="Times New Roman" panose="02020603050405020304" pitchFamily="18" charset="0"/>
+                <a:cs typeface="Times New Roman" panose="02020603050405020304" pitchFamily="18" charset="0"/>
+              </a:rPr>
+              <a:t> (HCE).</a:t>
+            </a:r>
+          </a:p>
+          <a:p>
+            <a:r>
+              <a:rPr lang="es-ES" dirty="0">
+                <a:latin typeface="Times New Roman" panose="02020603050405020304" pitchFamily="18" charset="0"/>
+                <a:cs typeface="Times New Roman" panose="02020603050405020304" pitchFamily="18" charset="0"/>
+              </a:rPr>
+              <a:t>Este servicio es una clase abstracta Java que podemos implementar. El método principal se encarga de procesar los comandos mandados por el lector de etiquetas, enviando una respuesta.</a:t>
+            </a:r>
+          </a:p>
+          <a:p>
+            <a:r>
+              <a:rPr lang="es-ES" dirty="0">
+                <a:latin typeface="Times New Roman" panose="02020603050405020304" pitchFamily="18" charset="0"/>
+                <a:cs typeface="Times New Roman" panose="02020603050405020304" pitchFamily="18" charset="0"/>
+              </a:rPr>
+              <a:t>Los comandos deben estar implementados manualmente a nivel de byte.</a:t>
+            </a:r>
+          </a:p>
+        </p:txBody>
+      </p:sp>
     </p:spTree>
     <p:extLst>
       <p:ext uri="{BB962C8B-B14F-4D97-AF65-F5344CB8AC3E}">
-        <p14:creationId xmlns:p14="http://schemas.microsoft.com/office/powerpoint/2010/main" val="2911590306"/>
+        <p14:creationId xmlns:p14="http://schemas.microsoft.com/office/powerpoint/2010/main" val="632930560"/>
       </p:ext>
     </p:extLst>
   </p:cSld>
@@ -7525,7 +7563,7 @@
                 <a:latin typeface="Times New Roman" panose="02020603050405020304" pitchFamily="18" charset="0"/>
                 <a:cs typeface="Times New Roman" panose="02020603050405020304" pitchFamily="18" charset="0"/>
               </a:rPr>
-              <a:t>Sistema desarrollado - Base de datos</a:t>
+              <a:t>Estado del arte - API de NFC en Android (III)</a:t>
             </a:r>
           </a:p>
         </p:txBody>
@@ -7600,83 +7638,48 @@
                 <a:latin typeface="Times New Roman" panose="02020603050405020304" pitchFamily="18" charset="0"/>
                 <a:cs typeface="Times New Roman" panose="02020603050405020304" pitchFamily="18" charset="0"/>
               </a:rPr>
-              <a:t>Las características más importantes de la base de datos son:</a:t>
-            </a:r>
-          </a:p>
-          <a:p>
-            <a:r>
-              <a:rPr lang="es-ES" dirty="0">
-                <a:latin typeface="Times New Roman" panose="02020603050405020304" pitchFamily="18" charset="0"/>
-                <a:cs typeface="Times New Roman" panose="02020603050405020304" pitchFamily="18" charset="0"/>
-              </a:rPr>
-              <a:t>Modelo de tres tablas.</a:t>
-            </a:r>
-          </a:p>
-          <a:p>
-            <a:pPr lvl="1"/>
-            <a:r>
-              <a:rPr lang="es-ES" dirty="0">
-                <a:latin typeface="Times New Roman" panose="02020603050405020304" pitchFamily="18" charset="0"/>
-                <a:cs typeface="Times New Roman" panose="02020603050405020304" pitchFamily="18" charset="0"/>
-              </a:rPr>
-              <a:t>Empleado.</a:t>
-            </a:r>
-          </a:p>
-          <a:p>
-            <a:pPr lvl="1"/>
-            <a:r>
-              <a:rPr lang="es-ES" dirty="0">
-                <a:latin typeface="Times New Roman" panose="02020603050405020304" pitchFamily="18" charset="0"/>
-                <a:cs typeface="Times New Roman" panose="02020603050405020304" pitchFamily="18" charset="0"/>
-              </a:rPr>
-              <a:t>Horario.</a:t>
-            </a:r>
-          </a:p>
-          <a:p>
-            <a:pPr lvl="1"/>
-            <a:r>
-              <a:rPr lang="es-ES" dirty="0">
-                <a:latin typeface="Times New Roman" panose="02020603050405020304" pitchFamily="18" charset="0"/>
-                <a:cs typeface="Times New Roman" panose="02020603050405020304" pitchFamily="18" charset="0"/>
-              </a:rPr>
-              <a:t>Asistencia.</a:t>
-            </a:r>
-          </a:p>
-          <a:p>
-            <a:r>
-              <a:rPr lang="es-ES" dirty="0">
-                <a:latin typeface="Times New Roman" panose="02020603050405020304" pitchFamily="18" charset="0"/>
-                <a:cs typeface="Times New Roman" panose="02020603050405020304" pitchFamily="18" charset="0"/>
-              </a:rPr>
-              <a:t>Existen las siguientes relaciones entre tablas:</a:t>
-            </a:r>
-          </a:p>
-          <a:p>
-            <a:pPr lvl="1"/>
-            <a:r>
-              <a:rPr lang="es-ES" dirty="0">
-                <a:latin typeface="Times New Roman" panose="02020603050405020304" pitchFamily="18" charset="0"/>
-                <a:cs typeface="Times New Roman" panose="02020603050405020304" pitchFamily="18" charset="0"/>
-              </a:rPr>
-              <a:t>Empleado-Horario: cada empleado puede tener uno o más registros horarios asociados a su email.</a:t>
-            </a:r>
-          </a:p>
-          <a:p>
-            <a:pPr lvl="1"/>
-            <a:r>
-              <a:rPr lang="es-ES" dirty="0">
-                <a:latin typeface="Times New Roman" panose="02020603050405020304" pitchFamily="18" charset="0"/>
-                <a:cs typeface="Times New Roman" panose="02020603050405020304" pitchFamily="18" charset="0"/>
-              </a:rPr>
-              <a:t>Horario-Asistencia: relación 1:1. Cada registro horario tendrá siempre un registro de asistencia asociado.</a:t>
-            </a:r>
+              <a:t>En segundo lugar, en cuanto a la implementación de un lector de etiquetas en Android:</a:t>
+            </a:r>
+          </a:p>
+          <a:p>
+            <a:r>
+              <a:rPr lang="es-ES" dirty="0">
+                <a:latin typeface="Times New Roman" panose="02020603050405020304" pitchFamily="18" charset="0"/>
+                <a:cs typeface="Times New Roman" panose="02020603050405020304" pitchFamily="18" charset="0"/>
+              </a:rPr>
+              <a:t>Las etiquetas leídas se convierten a objetos Java.</a:t>
+            </a:r>
+          </a:p>
+          <a:p>
+            <a:r>
+              <a:rPr lang="es-ES" dirty="0">
+                <a:latin typeface="Times New Roman" panose="02020603050405020304" pitchFamily="18" charset="0"/>
+                <a:cs typeface="Times New Roman" panose="02020603050405020304" pitchFamily="18" charset="0"/>
+              </a:rPr>
+              <a:t>El lector de etiquetas envía comandos automáticamente, no hace falta implementar a nivel de byte.</a:t>
+            </a:r>
+          </a:p>
+          <a:p>
+            <a:r>
+              <a:rPr lang="es-ES" dirty="0">
+                <a:latin typeface="Times New Roman" panose="02020603050405020304" pitchFamily="18" charset="0"/>
+                <a:cs typeface="Times New Roman" panose="02020603050405020304" pitchFamily="18" charset="0"/>
+              </a:rPr>
+              <a:t>Android nos permite configurar el teléfono para estar en solo modo lectura. Esto permite tener un emulador y un lector en el mismo teléfono simultáneamente.</a:t>
+            </a:r>
+          </a:p>
+          <a:p>
+            <a:endParaRPr lang="es-ES" dirty="0">
+              <a:latin typeface="Times New Roman" panose="02020603050405020304" pitchFamily="18" charset="0"/>
+              <a:cs typeface="Times New Roman" panose="02020603050405020304" pitchFamily="18" charset="0"/>
+            </a:endParaRPr>
           </a:p>
         </p:txBody>
       </p:sp>
     </p:spTree>
     <p:extLst>
       <p:ext uri="{BB962C8B-B14F-4D97-AF65-F5344CB8AC3E}">
-        <p14:creationId xmlns:p14="http://schemas.microsoft.com/office/powerpoint/2010/main" val="4134606528"/>
+        <p14:creationId xmlns:p14="http://schemas.microsoft.com/office/powerpoint/2010/main" val="1786914730"/>
       </p:ext>
     </p:extLst>
   </p:cSld>
@@ -7715,255 +7718,49 @@
       </p:grpSpPr>
       <p:sp>
         <p:nvSpPr>
-          <p:cNvPr id="4" name="Rectángulo 3">
-            <a:extLst>
-              <a:ext uri="{FF2B5EF4-FFF2-40B4-BE49-F238E27FC236}">
-                <a16:creationId xmlns:a16="http://schemas.microsoft.com/office/drawing/2014/main" id="{E2B637AF-C465-4CBB-85A1-ABF8D288CB7F}"/>
-              </a:ext>
-            </a:extLst>
-          </p:cNvPr>
-          <p:cNvSpPr/>
-          <p:nvPr/>
+          <p:cNvPr id="2" name="Título 1">
+            <a:extLst>
+              <a:ext uri="{FF2B5EF4-FFF2-40B4-BE49-F238E27FC236}">
+                <a16:creationId xmlns:a16="http://schemas.microsoft.com/office/drawing/2014/main" id="{0BD4FDD0-F4A4-4733-AD52-D9822A8D785D}"/>
+              </a:ext>
+            </a:extLst>
+          </p:cNvPr>
+          <p:cNvSpPr>
+            <a:spLocks noGrp="1"/>
+          </p:cNvSpPr>
+          <p:nvPr>
+            <p:ph type="ctrTitle"/>
+          </p:nvPr>
         </p:nvSpPr>
         <p:spPr>
           <a:xfrm>
-            <a:off x="0" y="1184988"/>
-            <a:ext cx="12192000" cy="5673012"/>
-          </a:xfrm>
-          <a:prstGeom prst="rect">
-            <a:avLst/>
-          </a:prstGeom>
-          <a:solidFill>
-            <a:schemeClr val="bg1"/>
-          </a:solidFill>
-        </p:spPr>
-        <p:style>
-          <a:lnRef idx="2">
-            <a:schemeClr val="accent1">
-              <a:shade val="50000"/>
-            </a:schemeClr>
-          </a:lnRef>
-          <a:fillRef idx="1">
-            <a:schemeClr val="accent1"/>
-          </a:fillRef>
-          <a:effectRef idx="0">
-            <a:schemeClr val="accent1"/>
-          </a:effectRef>
-          <a:fontRef idx="minor">
-            <a:schemeClr val="lt1"/>
-          </a:fontRef>
-        </p:style>
-        <p:txBody>
-          <a:bodyPr rtlCol="0" anchor="ctr"/>
-          <a:lstStyle/>
-          <a:p>
-            <a:pPr algn="ctr"/>
-            <a:endParaRPr lang="en-GB" dirty="0"/>
-          </a:p>
-        </p:txBody>
-      </p:sp>
-      <p:sp>
-        <p:nvSpPr>
-          <p:cNvPr id="2" name="Título 1">
-            <a:extLst>
-              <a:ext uri="{FF2B5EF4-FFF2-40B4-BE49-F238E27FC236}">
-                <a16:creationId xmlns:a16="http://schemas.microsoft.com/office/drawing/2014/main" id="{7C060354-1C62-4255-AC9F-816FB2F65B70}"/>
-              </a:ext>
-            </a:extLst>
-          </p:cNvPr>
-          <p:cNvSpPr>
-            <a:spLocks noGrp="1"/>
-          </p:cNvSpPr>
-          <p:nvPr>
-            <p:ph type="title"/>
-          </p:nvPr>
-        </p:nvSpPr>
-        <p:spPr>
-          <a:xfrm>
-            <a:off x="261257" y="177282"/>
-            <a:ext cx="11681928" cy="1007707"/>
+            <a:off x="1524000" y="3025451"/>
+            <a:ext cx="9144000" cy="807097"/>
           </a:xfrm>
         </p:spPr>
         <p:txBody>
-          <a:bodyPr/>
-          <a:lstStyle/>
-          <a:p>
-            <a:r>
-              <a:rPr lang="es-ES" dirty="0">
+          <a:bodyPr>
+            <a:noAutofit/>
+          </a:bodyPr>
+          <a:lstStyle/>
+          <a:p>
+            <a:r>
+              <a:rPr lang="es-ES" sz="5400" dirty="0">
                 <a:solidFill>
                   <a:schemeClr val="bg1"/>
                 </a:solidFill>
                 <a:latin typeface="Times New Roman" panose="02020603050405020304" pitchFamily="18" charset="0"/>
                 <a:cs typeface="Times New Roman" panose="02020603050405020304" pitchFamily="18" charset="0"/>
               </a:rPr>
-              <a:t>Sistema desarrollado - Base de datos (I)</a:t>
-            </a:r>
-          </a:p>
-        </p:txBody>
-      </p:sp>
-      <p:pic>
-        <p:nvPicPr>
-          <p:cNvPr id="5" name="1 Imagen">
-            <a:extLst>
-              <a:ext uri="{FF2B5EF4-FFF2-40B4-BE49-F238E27FC236}">
-                <a16:creationId xmlns:a16="http://schemas.microsoft.com/office/drawing/2014/main" id="{084F03C4-1B7D-458F-BB20-BD1ABFD64517}"/>
-              </a:ext>
-            </a:extLst>
-          </p:cNvPr>
-          <p:cNvPicPr/>
-          <p:nvPr/>
-        </p:nvPicPr>
-        <p:blipFill>
-          <a:blip r:embed="rId2">
-            <a:extLst>
-              <a:ext uri="{28A0092B-C50C-407E-A947-70E740481C1C}">
-                <a14:useLocalDpi xmlns:a14="http://schemas.microsoft.com/office/drawing/2010/main" val="0"/>
-              </a:ext>
-            </a:extLst>
-          </a:blip>
-          <a:srcRect/>
-          <a:stretch>
-            <a:fillRect/>
-          </a:stretch>
-        </p:blipFill>
-        <p:spPr bwMode="auto">
-          <a:xfrm>
-            <a:off x="4581525" y="5857479"/>
-            <a:ext cx="3028950" cy="960120"/>
-          </a:xfrm>
-          <a:prstGeom prst="rect">
-            <a:avLst/>
-          </a:prstGeom>
-          <a:noFill/>
-          <a:ln>
-            <a:noFill/>
-          </a:ln>
-        </p:spPr>
-      </p:pic>
-      <p:sp>
-        <p:nvSpPr>
-          <p:cNvPr id="3" name="Marcador de contenido 2">
-            <a:extLst>
-              <a:ext uri="{FF2B5EF4-FFF2-40B4-BE49-F238E27FC236}">
-                <a16:creationId xmlns:a16="http://schemas.microsoft.com/office/drawing/2014/main" id="{0B82F09F-B945-4235-BEF5-E7B272FC42F8}"/>
-              </a:ext>
-            </a:extLst>
-          </p:cNvPr>
-          <p:cNvSpPr>
-            <a:spLocks noGrp="1"/>
-          </p:cNvSpPr>
-          <p:nvPr>
-            <p:ph idx="1"/>
-          </p:nvPr>
-        </p:nvSpPr>
-        <p:spPr/>
-        <p:txBody>
-          <a:bodyPr>
-            <a:normAutofit/>
-          </a:bodyPr>
-          <a:lstStyle/>
-          <a:p>
-            <a:pPr marL="0" indent="0">
-              <a:buNone/>
-            </a:pPr>
-            <a:r>
-              <a:rPr lang="es-ES" dirty="0">
-                <a:latin typeface="Times New Roman" panose="02020603050405020304" pitchFamily="18" charset="0"/>
-                <a:cs typeface="Times New Roman" panose="02020603050405020304" pitchFamily="18" charset="0"/>
-              </a:rPr>
-              <a:t>Se ha creado el siguiente modelo:</a:t>
-            </a:r>
-          </a:p>
-          <a:p>
-            <a:pPr marL="0" indent="0">
-              <a:buNone/>
-            </a:pPr>
-            <a:endParaRPr lang="es-ES" dirty="0">
-              <a:latin typeface="Times New Roman" panose="02020603050405020304" pitchFamily="18" charset="0"/>
-              <a:cs typeface="Times New Roman" panose="02020603050405020304" pitchFamily="18" charset="0"/>
-            </a:endParaRPr>
-          </a:p>
-          <a:p>
-            <a:pPr marL="0" indent="0">
-              <a:buNone/>
-            </a:pPr>
-            <a:endParaRPr lang="es-ES" dirty="0">
-              <a:latin typeface="Times New Roman" panose="02020603050405020304" pitchFamily="18" charset="0"/>
-              <a:cs typeface="Times New Roman" panose="02020603050405020304" pitchFamily="18" charset="0"/>
-            </a:endParaRPr>
-          </a:p>
-          <a:p>
-            <a:pPr marL="0" indent="0">
-              <a:buNone/>
-            </a:pPr>
-            <a:endParaRPr lang="es-ES" dirty="0">
-              <a:latin typeface="Times New Roman" panose="02020603050405020304" pitchFamily="18" charset="0"/>
-              <a:cs typeface="Times New Roman" panose="02020603050405020304" pitchFamily="18" charset="0"/>
-            </a:endParaRPr>
-          </a:p>
-          <a:p>
-            <a:pPr marL="0" indent="0">
-              <a:buNone/>
-            </a:pPr>
-            <a:endParaRPr lang="es-ES" dirty="0">
-              <a:latin typeface="Times New Roman" panose="02020603050405020304" pitchFamily="18" charset="0"/>
-              <a:cs typeface="Times New Roman" panose="02020603050405020304" pitchFamily="18" charset="0"/>
-            </a:endParaRPr>
-          </a:p>
-          <a:p>
-            <a:pPr marL="0" indent="0">
-              <a:buNone/>
-            </a:pPr>
-            <a:r>
-              <a:rPr lang="es-ES" dirty="0">
-                <a:latin typeface="Times New Roman" panose="02020603050405020304" pitchFamily="18" charset="0"/>
-                <a:cs typeface="Times New Roman" panose="02020603050405020304" pitchFamily="18" charset="0"/>
-              </a:rPr>
-              <a:t>Debido a su simplicidad, se ha decidido implementar la base de datos con SQLite3.</a:t>
-            </a:r>
-          </a:p>
-        </p:txBody>
-      </p:sp>
-      <p:pic>
-        <p:nvPicPr>
-          <p:cNvPr id="6" name="Marcador de contenido 6">
-            <a:extLst>
-              <a:ext uri="{FF2B5EF4-FFF2-40B4-BE49-F238E27FC236}">
-                <a16:creationId xmlns:a16="http://schemas.microsoft.com/office/drawing/2014/main" id="{9B9A512E-F269-4DC0-9E37-77DA08FF1343}"/>
-              </a:ext>
-            </a:extLst>
-          </p:cNvPr>
-          <p:cNvPicPr>
-            <a:picLocks noChangeAspect="1"/>
-          </p:cNvPicPr>
-          <p:nvPr/>
-        </p:nvPicPr>
-        <p:blipFill>
-          <a:blip r:embed="rId3">
-            <a:extLst>
-              <a:ext uri="{28A0092B-C50C-407E-A947-70E740481C1C}">
-                <a14:useLocalDpi xmlns:a14="http://schemas.microsoft.com/office/drawing/2010/main" val="0"/>
-              </a:ext>
-            </a:extLst>
-          </a:blip>
-          <a:stretch>
-            <a:fillRect/>
-          </a:stretch>
-        </p:blipFill>
-        <p:spPr>
-          <a:xfrm>
-            <a:off x="2757487" y="2527102"/>
-            <a:ext cx="6677025" cy="1390650"/>
-          </a:xfrm>
-          <a:prstGeom prst="rect">
-            <a:avLst/>
-          </a:prstGeom>
-        </p:spPr>
-      </p:pic>
+              <a:t>Sistema desarrollado</a:t>
+            </a:r>
+          </a:p>
+        </p:txBody>
+      </p:sp>
     </p:spTree>
     <p:extLst>
       <p:ext uri="{BB962C8B-B14F-4D97-AF65-F5344CB8AC3E}">
-        <p14:creationId xmlns:p14="http://schemas.microsoft.com/office/powerpoint/2010/main" val="1754125732"/>
+        <p14:creationId xmlns:p14="http://schemas.microsoft.com/office/powerpoint/2010/main" val="2772417670"/>
       </p:ext>
     </p:extLst>
   </p:cSld>
@@ -8083,7 +7880,7 @@
                 <a:latin typeface="Times New Roman" panose="02020603050405020304" pitchFamily="18" charset="0"/>
                 <a:cs typeface="Times New Roman" panose="02020603050405020304" pitchFamily="18" charset="0"/>
               </a:rPr>
-              <a:t>Sistema desarrollado - Servidor HTTP</a:t>
+              <a:t>Sistema desarrollado - Arquitectura del sistema</a:t>
             </a:r>
           </a:p>
         </p:txBody>
@@ -8158,120 +7955,51 @@
                 <a:latin typeface="Times New Roman" panose="02020603050405020304" pitchFamily="18" charset="0"/>
                 <a:cs typeface="Times New Roman" panose="02020603050405020304" pitchFamily="18" charset="0"/>
               </a:rPr>
-              <a:t>Se ha creado un servidor HTTP por las siguientes razones:</a:t>
-            </a:r>
-          </a:p>
-          <a:p>
-            <a:r>
-              <a:rPr lang="es-ES" dirty="0">
-                <a:latin typeface="Times New Roman" panose="02020603050405020304" pitchFamily="18" charset="0"/>
-                <a:cs typeface="Times New Roman" panose="02020603050405020304" pitchFamily="18" charset="0"/>
-              </a:rPr>
-              <a:t>Limitaciones de Android.</a:t>
-            </a:r>
-          </a:p>
-          <a:p>
-            <a:r>
-              <a:rPr lang="es-ES" dirty="0">
-                <a:latin typeface="Times New Roman" panose="02020603050405020304" pitchFamily="18" charset="0"/>
-                <a:cs typeface="Times New Roman" panose="02020603050405020304" pitchFamily="18" charset="0"/>
-              </a:rPr>
-              <a:t>Necesidad de una interfaz para acceder a la base de datos.</a:t>
-            </a:r>
-          </a:p>
-          <a:p>
-            <a:r>
-              <a:rPr lang="es-ES" dirty="0">
-                <a:latin typeface="Times New Roman" panose="02020603050405020304" pitchFamily="18" charset="0"/>
-                <a:cs typeface="Times New Roman" panose="02020603050405020304" pitchFamily="18" charset="0"/>
-              </a:rPr>
-              <a:t>API </a:t>
-            </a:r>
-            <a:r>
-              <a:rPr lang="es-ES" dirty="0" err="1">
-                <a:latin typeface="Times New Roman" panose="02020603050405020304" pitchFamily="18" charset="0"/>
-                <a:cs typeface="Times New Roman" panose="02020603050405020304" pitchFamily="18" charset="0"/>
-              </a:rPr>
-              <a:t>ReST</a:t>
-            </a:r>
-            <a:r>
-              <a:rPr lang="es-ES" dirty="0">
-                <a:latin typeface="Times New Roman" panose="02020603050405020304" pitchFamily="18" charset="0"/>
-                <a:cs typeface="Times New Roman" panose="02020603050405020304" pitchFamily="18" charset="0"/>
-              </a:rPr>
-              <a:t> fácil de implementar y escalar.</a:t>
-            </a:r>
-          </a:p>
-          <a:p>
-            <a:pPr marL="0" indent="0">
-              <a:buNone/>
-            </a:pPr>
-            <a:r>
-              <a:rPr lang="es-ES" dirty="0">
-                <a:latin typeface="Times New Roman" panose="02020603050405020304" pitchFamily="18" charset="0"/>
-                <a:cs typeface="Times New Roman" panose="02020603050405020304" pitchFamily="18" charset="0"/>
-              </a:rPr>
-              <a:t>Dos tecnologías entre las que escoger:</a:t>
-            </a:r>
-          </a:p>
-          <a:p>
-            <a:r>
-              <a:rPr lang="es-ES" dirty="0">
-                <a:latin typeface="Times New Roman" panose="02020603050405020304" pitchFamily="18" charset="0"/>
-                <a:cs typeface="Times New Roman" panose="02020603050405020304" pitchFamily="18" charset="0"/>
-              </a:rPr>
-              <a:t>Java Enterprise </a:t>
-            </a:r>
-            <a:r>
-              <a:rPr lang="es-ES" dirty="0" err="1">
-                <a:latin typeface="Times New Roman" panose="02020603050405020304" pitchFamily="18" charset="0"/>
-                <a:cs typeface="Times New Roman" panose="02020603050405020304" pitchFamily="18" charset="0"/>
-              </a:rPr>
-              <a:t>Edition</a:t>
-            </a:r>
-            <a:r>
-              <a:rPr lang="es-ES" dirty="0">
-                <a:latin typeface="Times New Roman" panose="02020603050405020304" pitchFamily="18" charset="0"/>
-                <a:cs typeface="Times New Roman" panose="02020603050405020304" pitchFamily="18" charset="0"/>
-              </a:rPr>
-              <a:t>.</a:t>
-            </a:r>
-          </a:p>
-          <a:p>
-            <a:r>
-              <a:rPr lang="es-ES" dirty="0">
-                <a:latin typeface="Times New Roman" panose="02020603050405020304" pitchFamily="18" charset="0"/>
-                <a:cs typeface="Times New Roman" panose="02020603050405020304" pitchFamily="18" charset="0"/>
-              </a:rPr>
-              <a:t>Python + </a:t>
-            </a:r>
-            <a:r>
-              <a:rPr lang="es-ES" dirty="0" err="1">
-                <a:latin typeface="Times New Roman" panose="02020603050405020304" pitchFamily="18" charset="0"/>
-                <a:cs typeface="Times New Roman" panose="02020603050405020304" pitchFamily="18" charset="0"/>
-              </a:rPr>
-              <a:t>framework</a:t>
-            </a:r>
-            <a:r>
-              <a:rPr lang="es-ES" dirty="0">
-                <a:latin typeface="Times New Roman" panose="02020603050405020304" pitchFamily="18" charset="0"/>
-                <a:cs typeface="Times New Roman" panose="02020603050405020304" pitchFamily="18" charset="0"/>
-              </a:rPr>
-              <a:t> web.</a:t>
-            </a:r>
-          </a:p>
-          <a:p>
-            <a:endParaRPr lang="es-ES" dirty="0">
-              <a:latin typeface="Times New Roman" panose="02020603050405020304" pitchFamily="18" charset="0"/>
-              <a:cs typeface="Times New Roman" panose="02020603050405020304" pitchFamily="18" charset="0"/>
-            </a:endParaRPr>
+              <a:t>El sistema desarrollado cuenta con los siguientes subsistemas:</a:t>
+            </a:r>
+          </a:p>
+          <a:p>
+            <a:r>
+              <a:rPr lang="es-ES" dirty="0">
+                <a:latin typeface="Times New Roman" panose="02020603050405020304" pitchFamily="18" charset="0"/>
+                <a:cs typeface="Times New Roman" panose="02020603050405020304" pitchFamily="18" charset="0"/>
+              </a:rPr>
+              <a:t>Servidor HTTP. </a:t>
+            </a:r>
+          </a:p>
+          <a:p>
+            <a:r>
+              <a:rPr lang="es-ES" dirty="0">
+                <a:latin typeface="Times New Roman" panose="02020603050405020304" pitchFamily="18" charset="0"/>
+                <a:cs typeface="Times New Roman" panose="02020603050405020304" pitchFamily="18" charset="0"/>
+              </a:rPr>
+              <a:t>Base de datos. </a:t>
+            </a:r>
+          </a:p>
+          <a:p>
+            <a:r>
+              <a:rPr lang="es-ES" dirty="0">
+                <a:latin typeface="Times New Roman" panose="02020603050405020304" pitchFamily="18" charset="0"/>
+                <a:cs typeface="Times New Roman" panose="02020603050405020304" pitchFamily="18" charset="0"/>
+              </a:rPr>
+              <a:t>Aplicación Android. </a:t>
+            </a:r>
+          </a:p>
+          <a:p>
+            <a:r>
+              <a:rPr lang="es-ES" dirty="0">
+                <a:latin typeface="Times New Roman" panose="02020603050405020304" pitchFamily="18" charset="0"/>
+                <a:cs typeface="Times New Roman" panose="02020603050405020304" pitchFamily="18" charset="0"/>
+              </a:rPr>
+              <a:t>Aplicación de escritorio para administradores. </a:t>
+            </a:r>
           </a:p>
         </p:txBody>
       </p:sp>
     </p:spTree>
     <p:extLst>
       <p:ext uri="{BB962C8B-B14F-4D97-AF65-F5344CB8AC3E}">
-        <p14:creationId xmlns:p14="http://schemas.microsoft.com/office/powerpoint/2010/main" val="801736845"/>
+        <p14:creationId xmlns:p14="http://schemas.microsoft.com/office/powerpoint/2010/main" val="3664207757"/>
       </p:ext>
     </p:extLst>
   </p:cSld>
@@ -8391,7 +8119,7 @@
                 <a:latin typeface="Times New Roman" panose="02020603050405020304" pitchFamily="18" charset="0"/>
                 <a:cs typeface="Times New Roman" panose="02020603050405020304" pitchFamily="18" charset="0"/>
               </a:rPr>
-              <a:t>Sistema desarrollado - Servidor HTTP (I)</a:t>
+              <a:t>Sistema desarrollado - Arquitectura del sistema (I)</a:t>
             </a:r>
           </a:p>
         </p:txBody>
@@ -8466,74 +8194,7 @@
                 <a:latin typeface="Times New Roman" panose="02020603050405020304" pitchFamily="18" charset="0"/>
                 <a:cs typeface="Times New Roman" panose="02020603050405020304" pitchFamily="18" charset="0"/>
               </a:rPr>
-              <a:t>Se escogió implementar el servidor con Python por:</a:t>
-            </a:r>
-          </a:p>
-          <a:p>
-            <a:r>
-              <a:rPr lang="es-ES" dirty="0">
-                <a:latin typeface="Times New Roman" panose="02020603050405020304" pitchFamily="18" charset="0"/>
-                <a:cs typeface="Times New Roman" panose="02020603050405020304" pitchFamily="18" charset="0"/>
-              </a:rPr>
-              <a:t>La escala del servidor es pequeña.</a:t>
-            </a:r>
-          </a:p>
-          <a:p>
-            <a:r>
-              <a:rPr lang="es-ES" dirty="0">
-                <a:latin typeface="Times New Roman" panose="02020603050405020304" pitchFamily="18" charset="0"/>
-                <a:cs typeface="Times New Roman" panose="02020603050405020304" pitchFamily="18" charset="0"/>
-              </a:rPr>
-              <a:t>Mucha más simplicidad a la hora de implementar.</a:t>
-            </a:r>
-          </a:p>
-          <a:p>
-            <a:r>
-              <a:rPr lang="es-ES" dirty="0">
-                <a:latin typeface="Times New Roman" panose="02020603050405020304" pitchFamily="18" charset="0"/>
-                <a:cs typeface="Times New Roman" panose="02020603050405020304" pitchFamily="18" charset="0"/>
-              </a:rPr>
-              <a:t>Interoperabilidad entre SQLite y Python.</a:t>
-            </a:r>
-          </a:p>
-          <a:p>
-            <a:pPr marL="0" indent="0">
-              <a:buNone/>
-            </a:pPr>
-            <a:r>
-              <a:rPr lang="es-ES" dirty="0">
-                <a:latin typeface="Times New Roman" panose="02020603050405020304" pitchFamily="18" charset="0"/>
-                <a:cs typeface="Times New Roman" panose="02020603050405020304" pitchFamily="18" charset="0"/>
-              </a:rPr>
-              <a:t>En cuanto al </a:t>
-            </a:r>
-            <a:r>
-              <a:rPr lang="es-ES" dirty="0" err="1">
-                <a:latin typeface="Times New Roman" panose="02020603050405020304" pitchFamily="18" charset="0"/>
-                <a:cs typeface="Times New Roman" panose="02020603050405020304" pitchFamily="18" charset="0"/>
-              </a:rPr>
-              <a:t>framework</a:t>
-            </a:r>
-            <a:r>
-              <a:rPr lang="es-ES" dirty="0">
-                <a:latin typeface="Times New Roman" panose="02020603050405020304" pitchFamily="18" charset="0"/>
-                <a:cs typeface="Times New Roman" panose="02020603050405020304" pitchFamily="18" charset="0"/>
-              </a:rPr>
-              <a:t> de Python a utilizar, se escogió </a:t>
-            </a:r>
-            <a:r>
-              <a:rPr lang="es-ES" dirty="0" err="1">
-                <a:latin typeface="Times New Roman" panose="02020603050405020304" pitchFamily="18" charset="0"/>
-                <a:cs typeface="Times New Roman" panose="02020603050405020304" pitchFamily="18" charset="0"/>
-              </a:rPr>
-              <a:t>Flask</a:t>
-            </a:r>
-            <a:r>
-              <a:rPr lang="es-ES" dirty="0">
-                <a:latin typeface="Times New Roman" panose="02020603050405020304" pitchFamily="18" charset="0"/>
-                <a:cs typeface="Times New Roman" panose="02020603050405020304" pitchFamily="18" charset="0"/>
-              </a:rPr>
-              <a:t> debido a que se tenía algo de experiencia previa trabajando con él.</a:t>
+              <a:t>Visión general del sistema:</a:t>
             </a:r>
           </a:p>
           <a:p>
@@ -8547,10 +8208,40 @@
           </a:p>
         </p:txBody>
       </p:sp>
+      <p:pic>
+        <p:nvPicPr>
+          <p:cNvPr id="7" name="Imagen 6">
+            <a:extLst>
+              <a:ext uri="{FF2B5EF4-FFF2-40B4-BE49-F238E27FC236}">
+                <a16:creationId xmlns:a16="http://schemas.microsoft.com/office/drawing/2014/main" id="{C4B7C66E-9BD5-4F08-8097-8819DDD6EA6F}"/>
+              </a:ext>
+            </a:extLst>
+          </p:cNvPr>
+          <p:cNvPicPr>
+            <a:picLocks noChangeAspect="1"/>
+          </p:cNvPicPr>
+          <p:nvPr/>
+        </p:nvPicPr>
+        <p:blipFill>
+          <a:blip r:embed="rId3"/>
+          <a:stretch>
+            <a:fillRect/>
+          </a:stretch>
+        </p:blipFill>
+        <p:spPr>
+          <a:xfrm>
+            <a:off x="2790524" y="2508144"/>
+            <a:ext cx="6610951" cy="3308934"/>
+          </a:xfrm>
+          <a:prstGeom prst="rect">
+            <a:avLst/>
+          </a:prstGeom>
+        </p:spPr>
+      </p:pic>
     </p:spTree>
     <p:extLst>
       <p:ext uri="{BB962C8B-B14F-4D97-AF65-F5344CB8AC3E}">
-        <p14:creationId xmlns:p14="http://schemas.microsoft.com/office/powerpoint/2010/main" val="178152621"/>
+        <p14:creationId xmlns:p14="http://schemas.microsoft.com/office/powerpoint/2010/main" val="2911590306"/>
       </p:ext>
     </p:extLst>
   </p:cSld>
@@ -8670,7 +8361,7 @@
                 <a:latin typeface="Times New Roman" panose="02020603050405020304" pitchFamily="18" charset="0"/>
                 <a:cs typeface="Times New Roman" panose="02020603050405020304" pitchFamily="18" charset="0"/>
               </a:rPr>
-              <a:t>Sistema desarrollado - Servidor HTTP (II)</a:t>
+              <a:t>Sistema desarrollado - Base de datos</a:t>
             </a:r>
           </a:p>
         </p:txBody>
@@ -8733,7 +8424,7 @@
         <p:spPr/>
         <p:txBody>
           <a:bodyPr>
-            <a:normAutofit lnSpcReduction="10000"/>
+            <a:normAutofit/>
           </a:bodyPr>
           <a:lstStyle/>
           <a:p>
@@ -8745,126 +8436,83 @@
                 <a:latin typeface="Times New Roman" panose="02020603050405020304" pitchFamily="18" charset="0"/>
                 <a:cs typeface="Times New Roman" panose="02020603050405020304" pitchFamily="18" charset="0"/>
               </a:rPr>
-              <a:t>Junto con </a:t>
-            </a:r>
-            <a:r>
-              <a:rPr lang="es-ES" dirty="0" err="1">
-                <a:latin typeface="Times New Roman" panose="02020603050405020304" pitchFamily="18" charset="0"/>
-                <a:cs typeface="Times New Roman" panose="02020603050405020304" pitchFamily="18" charset="0"/>
-              </a:rPr>
-              <a:t>Flask</a:t>
-            </a:r>
-            <a:r>
-              <a:rPr lang="es-ES" dirty="0">
-                <a:latin typeface="Times New Roman" panose="02020603050405020304" pitchFamily="18" charset="0"/>
-                <a:cs typeface="Times New Roman" panose="02020603050405020304" pitchFamily="18" charset="0"/>
-              </a:rPr>
-              <a:t>, se hizo uso de la especificación de </a:t>
-            </a:r>
-            <a:r>
-              <a:rPr lang="es-ES" dirty="0" err="1">
-                <a:latin typeface="Times New Roman" panose="02020603050405020304" pitchFamily="18" charset="0"/>
-                <a:cs typeface="Times New Roman" panose="02020603050405020304" pitchFamily="18" charset="0"/>
-              </a:rPr>
-              <a:t>OpenAPI</a:t>
-            </a:r>
-            <a:r>
-              <a:rPr lang="es-ES" dirty="0">
-                <a:latin typeface="Times New Roman" panose="02020603050405020304" pitchFamily="18" charset="0"/>
-                <a:cs typeface="Times New Roman" panose="02020603050405020304" pitchFamily="18" charset="0"/>
-              </a:rPr>
-              <a:t> 2.0, conocida como </a:t>
-            </a:r>
-            <a:r>
-              <a:rPr lang="es-ES" dirty="0" err="1">
-                <a:latin typeface="Times New Roman" panose="02020603050405020304" pitchFamily="18" charset="0"/>
-                <a:cs typeface="Times New Roman" panose="02020603050405020304" pitchFamily="18" charset="0"/>
-              </a:rPr>
-              <a:t>Swagger</a:t>
-            </a:r>
-            <a:r>
-              <a:rPr lang="es-ES" dirty="0">
-                <a:latin typeface="Times New Roman" panose="02020603050405020304" pitchFamily="18" charset="0"/>
-                <a:cs typeface="Times New Roman" panose="02020603050405020304" pitchFamily="18" charset="0"/>
-              </a:rPr>
-              <a:t>. Esto nos permite:</a:t>
-            </a:r>
-          </a:p>
-          <a:p>
-            <a:r>
-              <a:rPr lang="es-ES" dirty="0">
-                <a:latin typeface="Times New Roman" panose="02020603050405020304" pitchFamily="18" charset="0"/>
-                <a:cs typeface="Times New Roman" panose="02020603050405020304" pitchFamily="18" charset="0"/>
-              </a:rPr>
-              <a:t>Crear la interfaz de la API </a:t>
-            </a:r>
-            <a:r>
-              <a:rPr lang="es-ES" dirty="0" err="1">
-                <a:latin typeface="Times New Roman" panose="02020603050405020304" pitchFamily="18" charset="0"/>
-                <a:cs typeface="Times New Roman" panose="02020603050405020304" pitchFamily="18" charset="0"/>
-              </a:rPr>
-              <a:t>ReST</a:t>
-            </a:r>
-            <a:r>
-              <a:rPr lang="es-ES" dirty="0">
-                <a:latin typeface="Times New Roman" panose="02020603050405020304" pitchFamily="18" charset="0"/>
-                <a:cs typeface="Times New Roman" panose="02020603050405020304" pitchFamily="18" charset="0"/>
-              </a:rPr>
-              <a:t> a través de un fichero de despliegue (YAML o JSON).</a:t>
-            </a:r>
-          </a:p>
-          <a:p>
-            <a:r>
-              <a:rPr lang="es-ES" dirty="0">
-                <a:latin typeface="Times New Roman" panose="02020603050405020304" pitchFamily="18" charset="0"/>
-                <a:cs typeface="Times New Roman" panose="02020603050405020304" pitchFamily="18" charset="0"/>
-              </a:rPr>
-              <a:t>Crear documentación sobre la API directamente a través del propio fichero de despliegue.</a:t>
-            </a:r>
-          </a:p>
-          <a:p>
-            <a:r>
-              <a:rPr lang="es-ES" dirty="0" err="1">
-                <a:latin typeface="Times New Roman" panose="02020603050405020304" pitchFamily="18" charset="0"/>
-                <a:cs typeface="Times New Roman" panose="02020603050405020304" pitchFamily="18" charset="0"/>
-              </a:rPr>
-              <a:t>Swagger</a:t>
-            </a:r>
-            <a:r>
-              <a:rPr lang="es-ES" dirty="0">
-                <a:latin typeface="Times New Roman" panose="02020603050405020304" pitchFamily="18" charset="0"/>
-                <a:cs typeface="Times New Roman" panose="02020603050405020304" pitchFamily="18" charset="0"/>
-              </a:rPr>
-              <a:t> nos proporciona una interfaz gráfica para hacer pruebas sobre el servidor y la base de datos.</a:t>
-            </a:r>
-          </a:p>
-          <a:p>
-            <a:pPr marL="0" indent="0">
-              <a:buNone/>
-            </a:pPr>
-            <a:r>
-              <a:rPr lang="es-ES" dirty="0">
-                <a:latin typeface="Times New Roman" panose="02020603050405020304" pitchFamily="18" charset="0"/>
-                <a:cs typeface="Times New Roman" panose="02020603050405020304" pitchFamily="18" charset="0"/>
-              </a:rPr>
-              <a:t>Desde el fichero YAML se definen las llamadas al código Python encargado de gestionar la interacción con la base de datos.</a:t>
-            </a:r>
-          </a:p>
-          <a:p>
-            <a:pPr marL="0" indent="0">
-              <a:buNone/>
-            </a:pPr>
-            <a:endParaRPr lang="es-ES" dirty="0">
-              <a:latin typeface="Times New Roman" panose="02020603050405020304" pitchFamily="18" charset="0"/>
-              <a:cs typeface="Times New Roman" panose="02020603050405020304" pitchFamily="18" charset="0"/>
-            </a:endParaRPr>
+              <a:t>Las características más importantes de la base de datos son:</a:t>
+            </a:r>
+          </a:p>
+          <a:p>
+            <a:r>
+              <a:rPr lang="es-ES" dirty="0">
+                <a:latin typeface="Times New Roman" panose="02020603050405020304" pitchFamily="18" charset="0"/>
+                <a:cs typeface="Times New Roman" panose="02020603050405020304" pitchFamily="18" charset="0"/>
+              </a:rPr>
+              <a:t>Modelo de tres tablas.</a:t>
+            </a:r>
+          </a:p>
+          <a:p>
+            <a:pPr lvl="1"/>
+            <a:r>
+              <a:rPr lang="es-ES" dirty="0">
+                <a:latin typeface="Times New Roman" panose="02020603050405020304" pitchFamily="18" charset="0"/>
+                <a:cs typeface="Times New Roman" panose="02020603050405020304" pitchFamily="18" charset="0"/>
+              </a:rPr>
+              <a:t>Empleado.</a:t>
+            </a:r>
+          </a:p>
+          <a:p>
+            <a:pPr lvl="1"/>
+            <a:r>
+              <a:rPr lang="es-ES" dirty="0">
+                <a:latin typeface="Times New Roman" panose="02020603050405020304" pitchFamily="18" charset="0"/>
+                <a:cs typeface="Times New Roman" panose="02020603050405020304" pitchFamily="18" charset="0"/>
+              </a:rPr>
+              <a:t>Horario.</a:t>
+            </a:r>
+          </a:p>
+          <a:p>
+            <a:pPr lvl="1"/>
+            <a:r>
+              <a:rPr lang="es-ES" dirty="0">
+                <a:latin typeface="Times New Roman" panose="02020603050405020304" pitchFamily="18" charset="0"/>
+                <a:cs typeface="Times New Roman" panose="02020603050405020304" pitchFamily="18" charset="0"/>
+              </a:rPr>
+              <a:t>Asistencia.</a:t>
+            </a:r>
+          </a:p>
+          <a:p>
+            <a:r>
+              <a:rPr lang="es-ES" dirty="0">
+                <a:latin typeface="Times New Roman" panose="02020603050405020304" pitchFamily="18" charset="0"/>
+                <a:cs typeface="Times New Roman" panose="02020603050405020304" pitchFamily="18" charset="0"/>
+              </a:rPr>
+              <a:t>Existen las siguientes relaciones entre tablas:</a:t>
+            </a:r>
+          </a:p>
+          <a:p>
+            <a:pPr lvl="1"/>
+            <a:r>
+              <a:rPr lang="es-ES" dirty="0">
+                <a:latin typeface="Times New Roman" panose="02020603050405020304" pitchFamily="18" charset="0"/>
+                <a:cs typeface="Times New Roman" panose="02020603050405020304" pitchFamily="18" charset="0"/>
+              </a:rPr>
+              <a:t>Empleado-Horario: cada empleado puede tener uno o más registros horarios asociados a su email.</a:t>
+            </a:r>
+          </a:p>
+          <a:p>
+            <a:pPr lvl="1"/>
+            <a:r>
+              <a:rPr lang="es-ES" dirty="0">
+                <a:latin typeface="Times New Roman" panose="02020603050405020304" pitchFamily="18" charset="0"/>
+                <a:cs typeface="Times New Roman" panose="02020603050405020304" pitchFamily="18" charset="0"/>
+              </a:rPr>
+              <a:t>Horario-Asistencia: relación 1:1. Cada registro horario tendrá siempre un registro de asistencia asociado.</a:t>
+            </a:r>
           </a:p>
         </p:txBody>
       </p:sp>
     </p:spTree>
     <p:extLst>
       <p:ext uri="{BB962C8B-B14F-4D97-AF65-F5344CB8AC3E}">
-        <p14:creationId xmlns:p14="http://schemas.microsoft.com/office/powerpoint/2010/main" val="3674923623"/>
+        <p14:creationId xmlns:p14="http://schemas.microsoft.com/office/powerpoint/2010/main" val="4134606528"/>
       </p:ext>
     </p:extLst>
   </p:cSld>
@@ -8984,7 +8632,7 @@
                 <a:latin typeface="Times New Roman" panose="02020603050405020304" pitchFamily="18" charset="0"/>
                 <a:cs typeface="Times New Roman" panose="02020603050405020304" pitchFamily="18" charset="0"/>
               </a:rPr>
-              <a:t>Sistema desarrollado - Servidor HTTP (III)</a:t>
+              <a:t>Sistema desarrollado - Base de datos (I)</a:t>
             </a:r>
           </a:p>
         </p:txBody>
@@ -9059,7 +8707,7 @@
                 <a:latin typeface="Times New Roman" panose="02020603050405020304" pitchFamily="18" charset="0"/>
                 <a:cs typeface="Times New Roman" panose="02020603050405020304" pitchFamily="18" charset="0"/>
               </a:rPr>
-              <a:t>Visión general de la API:</a:t>
+              <a:t>Se ha creado el siguiente modelo:</a:t>
             </a:r>
           </a:p>
           <a:p>
@@ -9071,14 +8719,53 @@
               <a:cs typeface="Times New Roman" panose="02020603050405020304" pitchFamily="18" charset="0"/>
             </a:endParaRPr>
           </a:p>
+          <a:p>
+            <a:pPr marL="0" indent="0">
+              <a:buNone/>
+            </a:pPr>
+            <a:endParaRPr lang="es-ES" dirty="0">
+              <a:latin typeface="Times New Roman" panose="02020603050405020304" pitchFamily="18" charset="0"/>
+              <a:cs typeface="Times New Roman" panose="02020603050405020304" pitchFamily="18" charset="0"/>
+            </a:endParaRPr>
+          </a:p>
+          <a:p>
+            <a:pPr marL="0" indent="0">
+              <a:buNone/>
+            </a:pPr>
+            <a:endParaRPr lang="es-ES" dirty="0">
+              <a:latin typeface="Times New Roman" panose="02020603050405020304" pitchFamily="18" charset="0"/>
+              <a:cs typeface="Times New Roman" panose="02020603050405020304" pitchFamily="18" charset="0"/>
+            </a:endParaRPr>
+          </a:p>
+          <a:p>
+            <a:pPr marL="0" indent="0">
+              <a:buNone/>
+            </a:pPr>
+            <a:endParaRPr lang="es-ES" dirty="0">
+              <a:latin typeface="Times New Roman" panose="02020603050405020304" pitchFamily="18" charset="0"/>
+              <a:cs typeface="Times New Roman" panose="02020603050405020304" pitchFamily="18" charset="0"/>
+            </a:endParaRPr>
+          </a:p>
+          <a:p>
+            <a:pPr marL="0" indent="0">
+              <a:buNone/>
+            </a:pPr>
+            <a:r>
+              <a:rPr lang="es-ES" dirty="0">
+                <a:latin typeface="Times New Roman" panose="02020603050405020304" pitchFamily="18" charset="0"/>
+                <a:cs typeface="Times New Roman" panose="02020603050405020304" pitchFamily="18" charset="0"/>
+              </a:rPr>
+              <a:t>Debido a su simplicidad, se ha decidido implementar la base de datos con SQLite3.</a:t>
+            </a:r>
+          </a:p>
         </p:txBody>
       </p:sp>
       <p:pic>
         <p:nvPicPr>
-          <p:cNvPr id="6" name="Imagen 5">
-            <a:extLst>
-              <a:ext uri="{FF2B5EF4-FFF2-40B4-BE49-F238E27FC236}">
-                <a16:creationId xmlns:a16="http://schemas.microsoft.com/office/drawing/2014/main" id="{BFB719ED-FF3E-4524-8F1A-5D16AA3E0DC1}"/>
+          <p:cNvPr id="6" name="Marcador de contenido 6">
+            <a:extLst>
+              <a:ext uri="{FF2B5EF4-FFF2-40B4-BE49-F238E27FC236}">
+                <a16:creationId xmlns:a16="http://schemas.microsoft.com/office/drawing/2014/main" id="{9B9A512E-F269-4DC0-9E37-77DA08FF1343}"/>
               </a:ext>
             </a:extLst>
           </p:cNvPr>
@@ -9088,15 +8775,21 @@
           <p:nvPr/>
         </p:nvPicPr>
         <p:blipFill>
-          <a:blip r:embed="rId3"/>
+          <a:blip r:embed="rId3">
+            <a:extLst>
+              <a:ext uri="{28A0092B-C50C-407E-A947-70E740481C1C}">
+                <a14:useLocalDpi xmlns:a14="http://schemas.microsoft.com/office/drawing/2010/main" val="0"/>
+              </a:ext>
+            </a:extLst>
+          </a:blip>
           <a:stretch>
             <a:fillRect/>
           </a:stretch>
         </p:blipFill>
         <p:spPr>
           <a:xfrm>
-            <a:off x="2662325" y="2335122"/>
-            <a:ext cx="6867349" cy="4482477"/>
+            <a:off x="2757487" y="2527102"/>
+            <a:ext cx="6677025" cy="1390650"/>
           </a:xfrm>
           <a:prstGeom prst="rect">
             <a:avLst/>
@@ -9106,7 +8799,7 @@
     </p:spTree>
     <p:extLst>
       <p:ext uri="{BB962C8B-B14F-4D97-AF65-F5344CB8AC3E}">
-        <p14:creationId xmlns:p14="http://schemas.microsoft.com/office/powerpoint/2010/main" val="962777761"/>
+        <p14:creationId xmlns:p14="http://schemas.microsoft.com/office/powerpoint/2010/main" val="1754125732"/>
       </p:ext>
     </p:extLst>
   </p:cSld>
@@ -9226,7 +8919,7 @@
                 <a:latin typeface="Times New Roman" panose="02020603050405020304" pitchFamily="18" charset="0"/>
                 <a:cs typeface="Times New Roman" panose="02020603050405020304" pitchFamily="18" charset="0"/>
               </a:rPr>
-              <a:t>Sistema desarrollado - Aplicación Android</a:t>
+              <a:t>Sistema desarrollado - Servidor HTTP</a:t>
             </a:r>
           </a:p>
         </p:txBody>
@@ -9301,56 +8994,120 @@
                 <a:latin typeface="Times New Roman" panose="02020603050405020304" pitchFamily="18" charset="0"/>
                 <a:cs typeface="Times New Roman" panose="02020603050405020304" pitchFamily="18" charset="0"/>
               </a:rPr>
-              <a:t>La aplicación de Android es el eje central del proyecto. Sus componentes se pueden resumir en:</a:t>
-            </a:r>
-          </a:p>
-          <a:p>
-            <a:r>
-              <a:rPr lang="es-ES" dirty="0">
-                <a:latin typeface="Times New Roman" panose="02020603050405020304" pitchFamily="18" charset="0"/>
-                <a:cs typeface="Times New Roman" panose="02020603050405020304" pitchFamily="18" charset="0"/>
-              </a:rPr>
-              <a:t>Partes complementarias (menú de </a:t>
+              <a:t>Se ha creado un servidor HTTP por las siguientes razones:</a:t>
+            </a:r>
+          </a:p>
+          <a:p>
+            <a:r>
+              <a:rPr lang="es-ES" dirty="0">
+                <a:latin typeface="Times New Roman" panose="02020603050405020304" pitchFamily="18" charset="0"/>
+                <a:cs typeface="Times New Roman" panose="02020603050405020304" pitchFamily="18" charset="0"/>
+              </a:rPr>
+              <a:t>Limitaciones de Android.</a:t>
+            </a:r>
+          </a:p>
+          <a:p>
+            <a:r>
+              <a:rPr lang="es-ES" dirty="0">
+                <a:latin typeface="Times New Roman" panose="02020603050405020304" pitchFamily="18" charset="0"/>
+                <a:cs typeface="Times New Roman" panose="02020603050405020304" pitchFamily="18" charset="0"/>
+              </a:rPr>
+              <a:t>Necesidad de una interfaz para acceder a la base de datos.</a:t>
+            </a:r>
+          </a:p>
+          <a:p>
+            <a:r>
+              <a:rPr lang="es-ES" dirty="0">
+                <a:latin typeface="Times New Roman" panose="02020603050405020304" pitchFamily="18" charset="0"/>
+                <a:cs typeface="Times New Roman" panose="02020603050405020304" pitchFamily="18" charset="0"/>
+              </a:rPr>
+              <a:t>API </a:t>
             </a:r>
             <a:r>
               <a:rPr lang="es-ES" dirty="0" err="1">
                 <a:latin typeface="Times New Roman" panose="02020603050405020304" pitchFamily="18" charset="0"/>
                 <a:cs typeface="Times New Roman" panose="02020603050405020304" pitchFamily="18" charset="0"/>
               </a:rPr>
-              <a:t>login</a:t>
-            </a:r>
-            <a:r>
-              <a:rPr lang="es-ES" dirty="0">
-                <a:latin typeface="Times New Roman" panose="02020603050405020304" pitchFamily="18" charset="0"/>
-                <a:cs typeface="Times New Roman" panose="02020603050405020304" pitchFamily="18" charset="0"/>
-              </a:rPr>
-              <a:t>, gestión de datos de usuario, etc.)</a:t>
-            </a:r>
-          </a:p>
-          <a:p>
-            <a:r>
-              <a:rPr lang="es-ES" dirty="0">
-                <a:latin typeface="Times New Roman" panose="02020603050405020304" pitchFamily="18" charset="0"/>
-                <a:cs typeface="Times New Roman" panose="02020603050405020304" pitchFamily="18" charset="0"/>
-              </a:rPr>
-              <a:t>Actividad de lectura de etiquetas (para teléfonos en modo administrador).</a:t>
-            </a:r>
-          </a:p>
-          <a:p>
-            <a:r>
-              <a:rPr lang="es-ES" dirty="0">
-                <a:latin typeface="Times New Roman" panose="02020603050405020304" pitchFamily="18" charset="0"/>
-                <a:cs typeface="Times New Roman" panose="02020603050405020304" pitchFamily="18" charset="0"/>
-              </a:rPr>
-              <a:t>Actividad de emulación de etiquetas (para teléfonos de empleados).</a:t>
-            </a:r>
+              <a:t>ReST</a:t>
+            </a:r>
+            <a:r>
+              <a:rPr lang="es-ES" dirty="0">
+                <a:latin typeface="Times New Roman" panose="02020603050405020304" pitchFamily="18" charset="0"/>
+                <a:cs typeface="Times New Roman" panose="02020603050405020304" pitchFamily="18" charset="0"/>
+              </a:rPr>
+              <a:t> fácil de implementar y escalar.</a:t>
+            </a:r>
+          </a:p>
+          <a:p>
+            <a:pPr marL="0" indent="0">
+              <a:buNone/>
+            </a:pPr>
+            <a:r>
+              <a:rPr lang="es-ES" dirty="0">
+                <a:latin typeface="Times New Roman" panose="02020603050405020304" pitchFamily="18" charset="0"/>
+                <a:cs typeface="Times New Roman" panose="02020603050405020304" pitchFamily="18" charset="0"/>
+              </a:rPr>
+              <a:t>Dos tecnologías entre las que escoger:</a:t>
+            </a:r>
+          </a:p>
+          <a:p>
+            <a:r>
+              <a:rPr lang="es-ES" dirty="0">
+                <a:latin typeface="Times New Roman" panose="02020603050405020304" pitchFamily="18" charset="0"/>
+                <a:cs typeface="Times New Roman" panose="02020603050405020304" pitchFamily="18" charset="0"/>
+              </a:rPr>
+              <a:t>Java Enterprise </a:t>
+            </a:r>
+            <a:r>
+              <a:rPr lang="es-ES" dirty="0" err="1">
+                <a:latin typeface="Times New Roman" panose="02020603050405020304" pitchFamily="18" charset="0"/>
+                <a:cs typeface="Times New Roman" panose="02020603050405020304" pitchFamily="18" charset="0"/>
+              </a:rPr>
+              <a:t>Edition</a:t>
+            </a:r>
+            <a:r>
+              <a:rPr lang="es-ES" dirty="0">
+                <a:latin typeface="Times New Roman" panose="02020603050405020304" pitchFamily="18" charset="0"/>
+                <a:cs typeface="Times New Roman" panose="02020603050405020304" pitchFamily="18" charset="0"/>
+              </a:rPr>
+              <a:t>.</a:t>
+            </a:r>
+          </a:p>
+          <a:p>
+            <a:r>
+              <a:rPr lang="es-ES" dirty="0">
+                <a:latin typeface="Times New Roman" panose="02020603050405020304" pitchFamily="18" charset="0"/>
+                <a:cs typeface="Times New Roman" panose="02020603050405020304" pitchFamily="18" charset="0"/>
+              </a:rPr>
+              <a:t>Python + </a:t>
+            </a:r>
+            <a:r>
+              <a:rPr lang="es-ES" dirty="0" err="1">
+                <a:latin typeface="Times New Roman" panose="02020603050405020304" pitchFamily="18" charset="0"/>
+                <a:cs typeface="Times New Roman" panose="02020603050405020304" pitchFamily="18" charset="0"/>
+              </a:rPr>
+              <a:t>framework</a:t>
+            </a:r>
+            <a:r>
+              <a:rPr lang="es-ES" dirty="0">
+                <a:latin typeface="Times New Roman" panose="02020603050405020304" pitchFamily="18" charset="0"/>
+                <a:cs typeface="Times New Roman" panose="02020603050405020304" pitchFamily="18" charset="0"/>
+              </a:rPr>
+              <a:t> web.</a:t>
+            </a:r>
+          </a:p>
+          <a:p>
+            <a:endParaRPr lang="es-ES" dirty="0">
+              <a:latin typeface="Times New Roman" panose="02020603050405020304" pitchFamily="18" charset="0"/>
+              <a:cs typeface="Times New Roman" panose="02020603050405020304" pitchFamily="18" charset="0"/>
+            </a:endParaRPr>
           </a:p>
         </p:txBody>
       </p:sp>
     </p:spTree>
     <p:extLst>
       <p:ext uri="{BB962C8B-B14F-4D97-AF65-F5344CB8AC3E}">
-        <p14:creationId xmlns:p14="http://schemas.microsoft.com/office/powerpoint/2010/main" val="297272510"/>
+        <p14:creationId xmlns:p14="http://schemas.microsoft.com/office/powerpoint/2010/main" val="801736845"/>
       </p:ext>
     </p:extLst>
   </p:cSld>
@@ -9470,7 +9227,7 @@
                 <a:latin typeface="Times New Roman" panose="02020603050405020304" pitchFamily="18" charset="0"/>
                 <a:cs typeface="Times New Roman" panose="02020603050405020304" pitchFamily="18" charset="0"/>
               </a:rPr>
-              <a:t>Sistema desarrollado - Aplicación Android (I)</a:t>
+              <a:t>Sistema desarrollado - Servidor HTTP (I)</a:t>
             </a:r>
           </a:p>
         </p:txBody>
@@ -9545,107 +9302,91 @@
                 <a:latin typeface="Times New Roman" panose="02020603050405020304" pitchFamily="18" charset="0"/>
                 <a:cs typeface="Times New Roman" panose="02020603050405020304" pitchFamily="18" charset="0"/>
               </a:rPr>
-              <a:t>En cuanto a las partes complementarias:</a:t>
-            </a:r>
-          </a:p>
-          <a:p>
-            <a:r>
-              <a:rPr lang="es-ES" dirty="0">
-                <a:latin typeface="Times New Roman" panose="02020603050405020304" pitchFamily="18" charset="0"/>
-                <a:cs typeface="Times New Roman" panose="02020603050405020304" pitchFamily="18" charset="0"/>
-              </a:rPr>
-              <a:t>Al abrir la aplicación por primera vez, el usuario debe hacer </a:t>
+              <a:t>Se escogió implementar el servidor con Python por:</a:t>
+            </a:r>
+          </a:p>
+          <a:p>
+            <a:r>
+              <a:rPr lang="es-ES" dirty="0">
+                <a:latin typeface="Times New Roman" panose="02020603050405020304" pitchFamily="18" charset="0"/>
+                <a:cs typeface="Times New Roman" panose="02020603050405020304" pitchFamily="18" charset="0"/>
+              </a:rPr>
+              <a:t>La escala del servidor es pequeña.</a:t>
+            </a:r>
+          </a:p>
+          <a:p>
+            <a:r>
+              <a:rPr lang="es-ES" dirty="0">
+                <a:latin typeface="Times New Roman" panose="02020603050405020304" pitchFamily="18" charset="0"/>
+                <a:cs typeface="Times New Roman" panose="02020603050405020304" pitchFamily="18" charset="0"/>
+              </a:rPr>
+              <a:t>Mucha más simplicidad a la hora de implementar.</a:t>
+            </a:r>
+          </a:p>
+          <a:p>
+            <a:r>
+              <a:rPr lang="es-ES" dirty="0">
+                <a:latin typeface="Times New Roman" panose="02020603050405020304" pitchFamily="18" charset="0"/>
+                <a:cs typeface="Times New Roman" panose="02020603050405020304" pitchFamily="18" charset="0"/>
+              </a:rPr>
+              <a:t>Interoperabilidad entre SQLite y Python.</a:t>
+            </a:r>
+          </a:p>
+          <a:p>
+            <a:pPr marL="0" indent="0">
+              <a:buNone/>
+            </a:pPr>
+            <a:r>
+              <a:rPr lang="es-ES" dirty="0">
+                <a:latin typeface="Times New Roman" panose="02020603050405020304" pitchFamily="18" charset="0"/>
+                <a:cs typeface="Times New Roman" panose="02020603050405020304" pitchFamily="18" charset="0"/>
+              </a:rPr>
+              <a:t>En cuanto al </a:t>
             </a:r>
             <a:r>
               <a:rPr lang="es-ES" dirty="0" err="1">
                 <a:latin typeface="Times New Roman" panose="02020603050405020304" pitchFamily="18" charset="0"/>
                 <a:cs typeface="Times New Roman" panose="02020603050405020304" pitchFamily="18" charset="0"/>
               </a:rPr>
-              <a:t>login</a:t>
-            </a:r>
-            <a:r>
-              <a:rPr lang="es-ES" dirty="0">
-                <a:latin typeface="Times New Roman" panose="02020603050405020304" pitchFamily="18" charset="0"/>
-                <a:cs typeface="Times New Roman" panose="02020603050405020304" pitchFamily="18" charset="0"/>
-              </a:rPr>
-              <a:t>, identificándose.</a:t>
-            </a:r>
-          </a:p>
-          <a:p>
-            <a:r>
-              <a:rPr lang="es-ES" dirty="0">
-                <a:latin typeface="Times New Roman" panose="02020603050405020304" pitchFamily="18" charset="0"/>
-                <a:cs typeface="Times New Roman" panose="02020603050405020304" pitchFamily="18" charset="0"/>
-              </a:rPr>
-              <a:t>La información de usuario se guarda en </a:t>
-            </a:r>
-            <a:r>
-              <a:rPr lang="es-ES" i="1" dirty="0" err="1">
-                <a:latin typeface="Times New Roman" panose="02020603050405020304" pitchFamily="18" charset="0"/>
-                <a:cs typeface="Times New Roman" panose="02020603050405020304" pitchFamily="18" charset="0"/>
-              </a:rPr>
-              <a:t>SharedPreferences</a:t>
-            </a:r>
-            <a:r>
-              <a:rPr lang="es-ES" dirty="0">
-                <a:latin typeface="Times New Roman" panose="02020603050405020304" pitchFamily="18" charset="0"/>
-                <a:cs typeface="Times New Roman" panose="02020603050405020304" pitchFamily="18" charset="0"/>
-              </a:rPr>
-              <a:t> de Android.</a:t>
-            </a:r>
-          </a:p>
-          <a:p>
-            <a:r>
-              <a:rPr lang="es-ES" dirty="0">
-                <a:latin typeface="Times New Roman" panose="02020603050405020304" pitchFamily="18" charset="0"/>
-                <a:cs typeface="Times New Roman" panose="02020603050405020304" pitchFamily="18" charset="0"/>
-              </a:rPr>
-              <a:t>Al hacer </a:t>
+              <a:t>framework</a:t>
+            </a:r>
+            <a:r>
+              <a:rPr lang="es-ES" dirty="0">
+                <a:latin typeface="Times New Roman" panose="02020603050405020304" pitchFamily="18" charset="0"/>
+                <a:cs typeface="Times New Roman" panose="02020603050405020304" pitchFamily="18" charset="0"/>
+              </a:rPr>
+              <a:t> de Python a utilizar, se escogió </a:t>
             </a:r>
             <a:r>
               <a:rPr lang="es-ES" dirty="0" err="1">
                 <a:latin typeface="Times New Roman" panose="02020603050405020304" pitchFamily="18" charset="0"/>
                 <a:cs typeface="Times New Roman" panose="02020603050405020304" pitchFamily="18" charset="0"/>
               </a:rPr>
-              <a:t>login</a:t>
-            </a:r>
-            <a:r>
-              <a:rPr lang="es-ES" dirty="0">
-                <a:latin typeface="Times New Roman" panose="02020603050405020304" pitchFamily="18" charset="0"/>
-                <a:cs typeface="Times New Roman" panose="02020603050405020304" pitchFamily="18" charset="0"/>
-              </a:rPr>
-              <a:t>, se identifica si el usuario tiene permisos de administración o no.</a:t>
-            </a:r>
-          </a:p>
-          <a:p>
-            <a:r>
-              <a:rPr lang="es-ES" dirty="0">
-                <a:latin typeface="Times New Roman" panose="02020603050405020304" pitchFamily="18" charset="0"/>
-                <a:cs typeface="Times New Roman" panose="02020603050405020304" pitchFamily="18" charset="0"/>
-              </a:rPr>
-              <a:t>Esta información de usuario se guarda hasta que el usuario haga </a:t>
-            </a:r>
-            <a:r>
-              <a:rPr lang="es-ES" dirty="0" err="1">
-                <a:latin typeface="Times New Roman" panose="02020603050405020304" pitchFamily="18" charset="0"/>
-                <a:cs typeface="Times New Roman" panose="02020603050405020304" pitchFamily="18" charset="0"/>
-              </a:rPr>
-              <a:t>logout</a:t>
-            </a:r>
-            <a:r>
-              <a:rPr lang="es-ES" dirty="0">
-                <a:latin typeface="Times New Roman" panose="02020603050405020304" pitchFamily="18" charset="0"/>
-                <a:cs typeface="Times New Roman" panose="02020603050405020304" pitchFamily="18" charset="0"/>
-              </a:rPr>
-              <a:t>.</a:t>
-            </a:r>
+              <a:t>Flask</a:t>
+            </a:r>
+            <a:r>
+              <a:rPr lang="es-ES" dirty="0">
+                <a:latin typeface="Times New Roman" panose="02020603050405020304" pitchFamily="18" charset="0"/>
+                <a:cs typeface="Times New Roman" panose="02020603050405020304" pitchFamily="18" charset="0"/>
+              </a:rPr>
+              <a:t> debido a que se tenía algo de experiencia previa trabajando con él.</a:t>
+            </a:r>
+          </a:p>
+          <a:p>
+            <a:pPr marL="0" indent="0">
+              <a:buNone/>
+            </a:pPr>
+            <a:endParaRPr lang="es-ES" dirty="0">
+              <a:latin typeface="Times New Roman" panose="02020603050405020304" pitchFamily="18" charset="0"/>
+              <a:cs typeface="Times New Roman" panose="02020603050405020304" pitchFamily="18" charset="0"/>
+            </a:endParaRPr>
           </a:p>
         </p:txBody>
       </p:sp>
     </p:spTree>
     <p:extLst>
       <p:ext uri="{BB962C8B-B14F-4D97-AF65-F5344CB8AC3E}">
-        <p14:creationId xmlns:p14="http://schemas.microsoft.com/office/powerpoint/2010/main" val="2666411907"/>
+        <p14:creationId xmlns:p14="http://schemas.microsoft.com/office/powerpoint/2010/main" val="178152621"/>
       </p:ext>
     </p:extLst>
   </p:cSld>
@@ -9765,7 +9506,7 @@
                 <a:latin typeface="Times New Roman" panose="02020603050405020304" pitchFamily="18" charset="0"/>
                 <a:cs typeface="Times New Roman" panose="02020603050405020304" pitchFamily="18" charset="0"/>
               </a:rPr>
-              <a:t>Sistema desarrollado - Aplicación Android (II)</a:t>
+              <a:t>Sistema desarrollado - Servidor HTTP (II)</a:t>
             </a:r>
           </a:p>
         </p:txBody>
@@ -9783,7 +9524,7 @@
           <p:nvPr/>
         </p:nvPicPr>
         <p:blipFill>
-          <a:blip r:embed="rId3">
+          <a:blip r:embed="rId2">
             <a:extLst>
               <a:ext uri="{28A0092B-C50C-407E-A947-70E740481C1C}">
                 <a14:useLocalDpi xmlns:a14="http://schemas.microsoft.com/office/drawing/2010/main" val="0"/>
@@ -9828,7 +9569,7 @@
         <p:spPr/>
         <p:txBody>
           <a:bodyPr>
-            <a:normAutofit fontScale="92500"/>
+            <a:normAutofit lnSpcReduction="10000"/>
           </a:bodyPr>
           <a:lstStyle/>
           <a:p>
@@ -9840,39 +9581,97 @@
                 <a:latin typeface="Times New Roman" panose="02020603050405020304" pitchFamily="18" charset="0"/>
                 <a:cs typeface="Times New Roman" panose="02020603050405020304" pitchFamily="18" charset="0"/>
               </a:rPr>
-              <a:t>En cuanto a la actividad de lectura de etiquetas:</a:t>
-            </a:r>
-          </a:p>
-          <a:p>
-            <a:r>
-              <a:rPr lang="es-ES" dirty="0">
-                <a:latin typeface="Times New Roman" panose="02020603050405020304" pitchFamily="18" charset="0"/>
-                <a:cs typeface="Times New Roman" panose="02020603050405020304" pitchFamily="18" charset="0"/>
-              </a:rPr>
-              <a:t>Se ha hecho uso de la API de </a:t>
-            </a:r>
-            <a:r>
-              <a:rPr lang="es-ES" i="1" dirty="0" err="1">
-                <a:latin typeface="Times New Roman" panose="02020603050405020304" pitchFamily="18" charset="0"/>
-                <a:cs typeface="Times New Roman" panose="02020603050405020304" pitchFamily="18" charset="0"/>
-              </a:rPr>
-              <a:t>ReaderMode</a:t>
-            </a:r>
-            <a:r>
-              <a:rPr lang="es-ES" i="1" dirty="0">
-                <a:latin typeface="Times New Roman" panose="02020603050405020304" pitchFamily="18" charset="0"/>
-                <a:cs typeface="Times New Roman" panose="02020603050405020304" pitchFamily="18" charset="0"/>
-              </a:rPr>
-              <a:t>.</a:t>
-            </a:r>
-          </a:p>
-          <a:p>
-            <a:r>
-              <a:rPr lang="es-ES" dirty="0">
-                <a:latin typeface="Times New Roman" panose="02020603050405020304" pitchFamily="18" charset="0"/>
-                <a:cs typeface="Times New Roman" panose="02020603050405020304" pitchFamily="18" charset="0"/>
-              </a:rPr>
-              <a:t>Permite al teléfono tomar control del chip NFC, limitando sus acciones.</a:t>
+              <a:t>Junto con </a:t>
+            </a:r>
+            <a:r>
+              <a:rPr lang="es-ES" dirty="0" err="1">
+                <a:latin typeface="Times New Roman" panose="02020603050405020304" pitchFamily="18" charset="0"/>
+                <a:cs typeface="Times New Roman" panose="02020603050405020304" pitchFamily="18" charset="0"/>
+              </a:rPr>
+              <a:t>Flask</a:t>
+            </a:r>
+            <a:r>
+              <a:rPr lang="es-ES" dirty="0">
+                <a:latin typeface="Times New Roman" panose="02020603050405020304" pitchFamily="18" charset="0"/>
+                <a:cs typeface="Times New Roman" panose="02020603050405020304" pitchFamily="18" charset="0"/>
+              </a:rPr>
+              <a:t>, se hizo uso de la especificación de </a:t>
+            </a:r>
+            <a:r>
+              <a:rPr lang="es-ES" dirty="0" err="1">
+                <a:latin typeface="Times New Roman" panose="02020603050405020304" pitchFamily="18" charset="0"/>
+                <a:cs typeface="Times New Roman" panose="02020603050405020304" pitchFamily="18" charset="0"/>
+              </a:rPr>
+              <a:t>OpenAPI</a:t>
+            </a:r>
+            <a:r>
+              <a:rPr lang="es-ES" dirty="0">
+                <a:latin typeface="Times New Roman" panose="02020603050405020304" pitchFamily="18" charset="0"/>
+                <a:cs typeface="Times New Roman" panose="02020603050405020304" pitchFamily="18" charset="0"/>
+              </a:rPr>
+              <a:t> 2.0, conocida como </a:t>
+            </a:r>
+            <a:r>
+              <a:rPr lang="es-ES" dirty="0" err="1">
+                <a:latin typeface="Times New Roman" panose="02020603050405020304" pitchFamily="18" charset="0"/>
+                <a:cs typeface="Times New Roman" panose="02020603050405020304" pitchFamily="18" charset="0"/>
+              </a:rPr>
+              <a:t>Swagger</a:t>
+            </a:r>
+            <a:r>
+              <a:rPr lang="es-ES" dirty="0">
+                <a:latin typeface="Times New Roman" panose="02020603050405020304" pitchFamily="18" charset="0"/>
+                <a:cs typeface="Times New Roman" panose="02020603050405020304" pitchFamily="18" charset="0"/>
+              </a:rPr>
+              <a:t>. Esto nos permite:</a:t>
+            </a:r>
+          </a:p>
+          <a:p>
+            <a:r>
+              <a:rPr lang="es-ES" dirty="0">
+                <a:latin typeface="Times New Roman" panose="02020603050405020304" pitchFamily="18" charset="0"/>
+                <a:cs typeface="Times New Roman" panose="02020603050405020304" pitchFamily="18" charset="0"/>
+              </a:rPr>
+              <a:t>Crear la interfaz de la API </a:t>
+            </a:r>
+            <a:r>
+              <a:rPr lang="es-ES" dirty="0" err="1">
+                <a:latin typeface="Times New Roman" panose="02020603050405020304" pitchFamily="18" charset="0"/>
+                <a:cs typeface="Times New Roman" panose="02020603050405020304" pitchFamily="18" charset="0"/>
+              </a:rPr>
+              <a:t>ReST</a:t>
+            </a:r>
+            <a:r>
+              <a:rPr lang="es-ES" dirty="0">
+                <a:latin typeface="Times New Roman" panose="02020603050405020304" pitchFamily="18" charset="0"/>
+                <a:cs typeface="Times New Roman" panose="02020603050405020304" pitchFamily="18" charset="0"/>
+              </a:rPr>
+              <a:t> a través de un fichero de despliegue (YAML o JSON).</a:t>
+            </a:r>
+          </a:p>
+          <a:p>
+            <a:r>
+              <a:rPr lang="es-ES" dirty="0">
+                <a:latin typeface="Times New Roman" panose="02020603050405020304" pitchFamily="18" charset="0"/>
+                <a:cs typeface="Times New Roman" panose="02020603050405020304" pitchFamily="18" charset="0"/>
+              </a:rPr>
+              <a:t>Crear documentación sobre la API directamente a través del propio fichero de despliegue.</a:t>
+            </a:r>
+          </a:p>
+          <a:p>
+            <a:r>
+              <a:rPr lang="es-ES" dirty="0" err="1">
+                <a:latin typeface="Times New Roman" panose="02020603050405020304" pitchFamily="18" charset="0"/>
+                <a:cs typeface="Times New Roman" panose="02020603050405020304" pitchFamily="18" charset="0"/>
+              </a:rPr>
+              <a:t>Swagger</a:t>
+            </a:r>
+            <a:r>
+              <a:rPr lang="es-ES" dirty="0">
+                <a:latin typeface="Times New Roman" panose="02020603050405020304" pitchFamily="18" charset="0"/>
+                <a:cs typeface="Times New Roman" panose="02020603050405020304" pitchFamily="18" charset="0"/>
+              </a:rPr>
+              <a:t> nos proporciona una interfaz gráfica para hacer pruebas sobre el servidor y la base de datos.</a:t>
             </a:r>
           </a:p>
           <a:p>
@@ -9884,71 +9683,7 @@
                 <a:latin typeface="Times New Roman" panose="02020603050405020304" pitchFamily="18" charset="0"/>
                 <a:cs typeface="Times New Roman" panose="02020603050405020304" pitchFamily="18" charset="0"/>
               </a:rPr>
-              <a:t>Cuando el teléfono en modo lectura encuentra una etiqueta:</a:t>
-            </a:r>
-          </a:p>
-          <a:p>
-            <a:r>
-              <a:rPr lang="es-ES" dirty="0">
-                <a:latin typeface="Times New Roman" panose="02020603050405020304" pitchFamily="18" charset="0"/>
-                <a:cs typeface="Times New Roman" panose="02020603050405020304" pitchFamily="18" charset="0"/>
-              </a:rPr>
-              <a:t>Comprueba que la etiqueta siga el formato NDEF.</a:t>
-            </a:r>
-          </a:p>
-          <a:p>
-            <a:r>
-              <a:rPr lang="es-ES" dirty="0">
-                <a:latin typeface="Times New Roman" panose="02020603050405020304" pitchFamily="18" charset="0"/>
-                <a:cs typeface="Times New Roman" panose="02020603050405020304" pitchFamily="18" charset="0"/>
-              </a:rPr>
-              <a:t>Recupera el mensaje NDEF y lo </a:t>
-            </a:r>
-            <a:r>
-              <a:rPr lang="es-ES" dirty="0" err="1">
-                <a:latin typeface="Times New Roman" panose="02020603050405020304" pitchFamily="18" charset="0"/>
-                <a:cs typeface="Times New Roman" panose="02020603050405020304" pitchFamily="18" charset="0"/>
-              </a:rPr>
-              <a:t>parsea</a:t>
-            </a:r>
-            <a:r>
-              <a:rPr lang="es-ES" dirty="0">
-                <a:latin typeface="Times New Roman" panose="02020603050405020304" pitchFamily="18" charset="0"/>
-                <a:cs typeface="Times New Roman" panose="02020603050405020304" pitchFamily="18" charset="0"/>
-              </a:rPr>
-              <a:t> (formato, codificación, etc.).</a:t>
-            </a:r>
-          </a:p>
-          <a:p>
-            <a:r>
-              <a:rPr lang="es-ES" dirty="0">
-                <a:latin typeface="Times New Roman" panose="02020603050405020304" pitchFamily="18" charset="0"/>
-                <a:cs typeface="Times New Roman" panose="02020603050405020304" pitchFamily="18" charset="0"/>
-              </a:rPr>
-              <a:t>Recupera el </a:t>
-            </a:r>
-            <a:r>
-              <a:rPr lang="es-ES" i="1" dirty="0" err="1">
-                <a:latin typeface="Times New Roman" panose="02020603050405020304" pitchFamily="18" charset="0"/>
-                <a:cs typeface="Times New Roman" panose="02020603050405020304" pitchFamily="18" charset="0"/>
-              </a:rPr>
-              <a:t>payload</a:t>
-            </a:r>
-            <a:r>
-              <a:rPr lang="es-ES" dirty="0">
-                <a:latin typeface="Times New Roman" panose="02020603050405020304" pitchFamily="18" charset="0"/>
-                <a:cs typeface="Times New Roman" panose="02020603050405020304" pitchFamily="18" charset="0"/>
-              </a:rPr>
-              <a:t> del mensaje (email del usuario) y se lo envía al servidor HTTP para fichar en la aplicación.</a:t>
-            </a:r>
-          </a:p>
-          <a:p>
-            <a:r>
-              <a:rPr lang="es-ES" dirty="0">
-                <a:latin typeface="Times New Roman" panose="02020603050405020304" pitchFamily="18" charset="0"/>
-                <a:cs typeface="Times New Roman" panose="02020603050405020304" pitchFamily="18" charset="0"/>
-              </a:rPr>
-              <a:t>Se le notifica al usuario con el resultado del intento de fichar en el servidor.</a:t>
+              <a:t>Desde el fichero YAML se definen las llamadas al código Python encargado de gestionar la interacción con la base de datos.</a:t>
             </a:r>
           </a:p>
           <a:p>
@@ -9965,7 +9700,7 @@
     </p:spTree>
     <p:extLst>
       <p:ext uri="{BB962C8B-B14F-4D97-AF65-F5344CB8AC3E}">
-        <p14:creationId xmlns:p14="http://schemas.microsoft.com/office/powerpoint/2010/main" val="2368520772"/>
+        <p14:creationId xmlns:p14="http://schemas.microsoft.com/office/powerpoint/2010/main" val="3674923623"/>
       </p:ext>
     </p:extLst>
   </p:cSld>
@@ -10085,7 +9820,7 @@
                 <a:latin typeface="Times New Roman" panose="02020603050405020304" pitchFamily="18" charset="0"/>
                 <a:cs typeface="Times New Roman" panose="02020603050405020304" pitchFamily="18" charset="0"/>
               </a:rPr>
-              <a:t>Sistema desarrollado - Aplicación Android (III)</a:t>
+              <a:t>Sistema desarrollado - Servidor HTTP (III)</a:t>
             </a:r>
           </a:p>
         </p:txBody>
@@ -10103,7 +9838,7 @@
           <p:nvPr/>
         </p:nvPicPr>
         <p:blipFill>
-          <a:blip r:embed="rId3">
+          <a:blip r:embed="rId2">
             <a:extLst>
               <a:ext uri="{28A0092B-C50C-407E-A947-70E740481C1C}">
                 <a14:useLocalDpi xmlns:a14="http://schemas.microsoft.com/office/drawing/2010/main" val="0"/>
@@ -10160,81 +9895,54 @@
                 <a:latin typeface="Times New Roman" panose="02020603050405020304" pitchFamily="18" charset="0"/>
                 <a:cs typeface="Times New Roman" panose="02020603050405020304" pitchFamily="18" charset="0"/>
               </a:rPr>
-              <a:t>En cuanto a la actividad de emulación de etiquetas:</a:t>
-            </a:r>
-          </a:p>
-          <a:p>
-            <a:r>
-              <a:rPr lang="es-ES" dirty="0">
-                <a:latin typeface="Times New Roman" panose="02020603050405020304" pitchFamily="18" charset="0"/>
-                <a:cs typeface="Times New Roman" panose="02020603050405020304" pitchFamily="18" charset="0"/>
-              </a:rPr>
-              <a:t>La actividad prepara los datos a emular como mensaje NDEF (email del usuario) desde las </a:t>
-            </a:r>
-            <a:r>
-              <a:rPr lang="es-ES" i="1" dirty="0" err="1">
-                <a:latin typeface="Times New Roman" panose="02020603050405020304" pitchFamily="18" charset="0"/>
-                <a:cs typeface="Times New Roman" panose="02020603050405020304" pitchFamily="18" charset="0"/>
-              </a:rPr>
-              <a:t>SharedPreferences</a:t>
-            </a:r>
-            <a:r>
-              <a:rPr lang="es-ES" i="1" dirty="0">
-                <a:latin typeface="Times New Roman" panose="02020603050405020304" pitchFamily="18" charset="0"/>
-                <a:cs typeface="Times New Roman" panose="02020603050405020304" pitchFamily="18" charset="0"/>
-              </a:rPr>
-              <a:t>.</a:t>
-            </a:r>
+              <a:t>Visión general de la API:</a:t>
+            </a:r>
+          </a:p>
+          <a:p>
+            <a:pPr marL="0" indent="0">
+              <a:buNone/>
+            </a:pPr>
             <a:endParaRPr lang="es-ES" dirty="0">
               <a:latin typeface="Times New Roman" panose="02020603050405020304" pitchFamily="18" charset="0"/>
               <a:cs typeface="Times New Roman" panose="02020603050405020304" pitchFamily="18" charset="0"/>
             </a:endParaRPr>
           </a:p>
-          <a:p>
-            <a:r>
-              <a:rPr lang="es-ES" dirty="0">
-                <a:latin typeface="Times New Roman" panose="02020603050405020304" pitchFamily="18" charset="0"/>
-                <a:cs typeface="Times New Roman" panose="02020603050405020304" pitchFamily="18" charset="0"/>
-              </a:rPr>
-              <a:t>Lanza el servicio de emulación de etiquetas.</a:t>
-            </a:r>
-          </a:p>
-          <a:p>
-            <a:pPr marL="0" indent="0">
-              <a:buNone/>
-            </a:pPr>
-            <a:r>
-              <a:rPr lang="es-ES" dirty="0">
-                <a:latin typeface="Times New Roman" panose="02020603050405020304" pitchFamily="18" charset="0"/>
-                <a:cs typeface="Times New Roman" panose="02020603050405020304" pitchFamily="18" charset="0"/>
-              </a:rPr>
-              <a:t>El servicio de emulación de etiquetas:</a:t>
-            </a:r>
-          </a:p>
-          <a:p>
-            <a:r>
-              <a:rPr lang="es-ES" dirty="0">
-                <a:latin typeface="Times New Roman" panose="02020603050405020304" pitchFamily="18" charset="0"/>
-                <a:cs typeface="Times New Roman" panose="02020603050405020304" pitchFamily="18" charset="0"/>
-              </a:rPr>
-              <a:t>Prepara el mensaje NDEF. Calcula la longitud del mensaje, prepara el registro NDEF, etc.</a:t>
-            </a:r>
-          </a:p>
-          <a:p>
-            <a:r>
-              <a:rPr lang="es-ES" dirty="0">
-                <a:latin typeface="Times New Roman" panose="02020603050405020304" pitchFamily="18" charset="0"/>
-                <a:cs typeface="Times New Roman" panose="02020603050405020304" pitchFamily="18" charset="0"/>
-              </a:rPr>
-              <a:t>Se marca como disponible para atender a peticiones de lectura.</a:t>
-            </a:r>
-          </a:p>
-        </p:txBody>
-      </p:sp>
+        </p:txBody>
+      </p:sp>
+      <p:pic>
+        <p:nvPicPr>
+          <p:cNvPr id="6" name="Imagen 5">
+            <a:extLst>
+              <a:ext uri="{FF2B5EF4-FFF2-40B4-BE49-F238E27FC236}">
+                <a16:creationId xmlns:a16="http://schemas.microsoft.com/office/drawing/2014/main" id="{BFB719ED-FF3E-4524-8F1A-5D16AA3E0DC1}"/>
+              </a:ext>
+            </a:extLst>
+          </p:cNvPr>
+          <p:cNvPicPr>
+            <a:picLocks noChangeAspect="1"/>
+          </p:cNvPicPr>
+          <p:nvPr/>
+        </p:nvPicPr>
+        <p:blipFill>
+          <a:blip r:embed="rId3"/>
+          <a:stretch>
+            <a:fillRect/>
+          </a:stretch>
+        </p:blipFill>
+        <p:spPr>
+          <a:xfrm>
+            <a:off x="2662325" y="2335122"/>
+            <a:ext cx="6867349" cy="4482477"/>
+          </a:xfrm>
+          <a:prstGeom prst="rect">
+            <a:avLst/>
+          </a:prstGeom>
+        </p:spPr>
+      </p:pic>
     </p:spTree>
     <p:extLst>
       <p:ext uri="{BB962C8B-B14F-4D97-AF65-F5344CB8AC3E}">
-        <p14:creationId xmlns:p14="http://schemas.microsoft.com/office/powerpoint/2010/main" val="2192837478"/>
+        <p14:creationId xmlns:p14="http://schemas.microsoft.com/office/powerpoint/2010/main" val="962777761"/>
       </p:ext>
     </p:extLst>
   </p:cSld>
@@ -10273,81 +9981,34 @@
       </p:grpSpPr>
       <p:sp>
         <p:nvSpPr>
-          <p:cNvPr id="4" name="Rectángulo 3">
-            <a:extLst>
-              <a:ext uri="{FF2B5EF4-FFF2-40B4-BE49-F238E27FC236}">
-                <a16:creationId xmlns:a16="http://schemas.microsoft.com/office/drawing/2014/main" id="{E2B637AF-C465-4CBB-85A1-ABF8D288CB7F}"/>
-              </a:ext>
-            </a:extLst>
-          </p:cNvPr>
-          <p:cNvSpPr/>
-          <p:nvPr/>
+          <p:cNvPr id="2" name="Título 1">
+            <a:extLst>
+              <a:ext uri="{FF2B5EF4-FFF2-40B4-BE49-F238E27FC236}">
+                <a16:creationId xmlns:a16="http://schemas.microsoft.com/office/drawing/2014/main" id="{0BD4FDD0-F4A4-4733-AD52-D9822A8D785D}"/>
+              </a:ext>
+            </a:extLst>
+          </p:cNvPr>
+          <p:cNvSpPr>
+            <a:spLocks noGrp="1"/>
+          </p:cNvSpPr>
+          <p:nvPr>
+            <p:ph type="ctrTitle"/>
+          </p:nvPr>
         </p:nvSpPr>
         <p:spPr>
           <a:xfrm>
-            <a:off x="0" y="1184988"/>
-            <a:ext cx="12192000" cy="5673012"/>
-          </a:xfrm>
-          <a:prstGeom prst="rect">
-            <a:avLst/>
-          </a:prstGeom>
-          <a:solidFill>
-            <a:schemeClr val="bg1"/>
-          </a:solidFill>
-        </p:spPr>
-        <p:style>
-          <a:lnRef idx="2">
-            <a:schemeClr val="accent1">
-              <a:shade val="50000"/>
-            </a:schemeClr>
-          </a:lnRef>
-          <a:fillRef idx="1">
-            <a:schemeClr val="accent1"/>
-          </a:fillRef>
-          <a:effectRef idx="0">
-            <a:schemeClr val="accent1"/>
-          </a:effectRef>
-          <a:fontRef idx="minor">
-            <a:schemeClr val="lt1"/>
-          </a:fontRef>
-        </p:style>
-        <p:txBody>
-          <a:bodyPr rtlCol="0" anchor="ctr"/>
-          <a:lstStyle/>
-          <a:p>
-            <a:pPr algn="ctr"/>
-            <a:endParaRPr lang="en-GB"/>
-          </a:p>
-        </p:txBody>
-      </p:sp>
-      <p:sp>
-        <p:nvSpPr>
-          <p:cNvPr id="2" name="Título 1">
-            <a:extLst>
-              <a:ext uri="{FF2B5EF4-FFF2-40B4-BE49-F238E27FC236}">
-                <a16:creationId xmlns:a16="http://schemas.microsoft.com/office/drawing/2014/main" id="{7C060354-1C62-4255-AC9F-816FB2F65B70}"/>
-              </a:ext>
-            </a:extLst>
-          </p:cNvPr>
-          <p:cNvSpPr>
-            <a:spLocks noGrp="1"/>
-          </p:cNvSpPr>
-          <p:nvPr>
-            <p:ph type="title"/>
-          </p:nvPr>
-        </p:nvSpPr>
-        <p:spPr>
-          <a:xfrm>
-            <a:off x="261257" y="177282"/>
-            <a:ext cx="11681928" cy="1007707"/>
+            <a:off x="1524000" y="3025451"/>
+            <a:ext cx="9144000" cy="807097"/>
           </a:xfrm>
         </p:spPr>
         <p:txBody>
-          <a:bodyPr/>
-          <a:lstStyle/>
-          <a:p>
-            <a:r>
-              <a:rPr lang="es-ES" dirty="0">
+          <a:bodyPr>
+            <a:noAutofit/>
+          </a:bodyPr>
+          <a:lstStyle/>
+          <a:p>
+            <a:r>
+              <a:rPr lang="es-ES" sz="5400" dirty="0">
                 <a:solidFill>
                   <a:schemeClr val="bg1"/>
                 </a:solidFill>
@@ -10359,134 +10020,10 @@
           </a:p>
         </p:txBody>
       </p:sp>
-      <p:pic>
-        <p:nvPicPr>
-          <p:cNvPr id="5" name="1 Imagen">
-            <a:extLst>
-              <a:ext uri="{FF2B5EF4-FFF2-40B4-BE49-F238E27FC236}">
-                <a16:creationId xmlns:a16="http://schemas.microsoft.com/office/drawing/2014/main" id="{084F03C4-1B7D-458F-BB20-BD1ABFD64517}"/>
-              </a:ext>
-            </a:extLst>
-          </p:cNvPr>
-          <p:cNvPicPr/>
-          <p:nvPr/>
-        </p:nvPicPr>
-        <p:blipFill>
-          <a:blip r:embed="rId2">
-            <a:extLst>
-              <a:ext uri="{28A0092B-C50C-407E-A947-70E740481C1C}">
-                <a14:useLocalDpi xmlns:a14="http://schemas.microsoft.com/office/drawing/2010/main" val="0"/>
-              </a:ext>
-            </a:extLst>
-          </a:blip>
-          <a:srcRect/>
-          <a:stretch>
-            <a:fillRect/>
-          </a:stretch>
-        </p:blipFill>
-        <p:spPr bwMode="auto">
-          <a:xfrm>
-            <a:off x="4581525" y="5857479"/>
-            <a:ext cx="3028950" cy="960120"/>
-          </a:xfrm>
-          <a:prstGeom prst="rect">
-            <a:avLst/>
-          </a:prstGeom>
-          <a:noFill/>
-          <a:ln>
-            <a:noFill/>
-          </a:ln>
-        </p:spPr>
-      </p:pic>
-      <p:sp>
-        <p:nvSpPr>
-          <p:cNvPr id="3" name="Marcador de contenido 2">
-            <a:extLst>
-              <a:ext uri="{FF2B5EF4-FFF2-40B4-BE49-F238E27FC236}">
-                <a16:creationId xmlns:a16="http://schemas.microsoft.com/office/drawing/2014/main" id="{0B82F09F-B945-4235-BEF5-E7B272FC42F8}"/>
-              </a:ext>
-            </a:extLst>
-          </p:cNvPr>
-          <p:cNvSpPr>
-            <a:spLocks noGrp="1"/>
-          </p:cNvSpPr>
-          <p:nvPr>
-            <p:ph idx="1"/>
-          </p:nvPr>
-        </p:nvSpPr>
-        <p:spPr/>
-        <p:txBody>
-          <a:bodyPr/>
-          <a:lstStyle/>
-          <a:p>
-            <a:pPr marL="0" indent="0">
-              <a:buNone/>
-            </a:pPr>
-            <a:r>
-              <a:rPr lang="es-ES" dirty="0">
-                <a:latin typeface="Times New Roman" panose="02020603050405020304" pitchFamily="18" charset="0"/>
-                <a:cs typeface="Times New Roman" panose="02020603050405020304" pitchFamily="18" charset="0"/>
-              </a:rPr>
-              <a:t>Los puntos principales detrás de la creación de este sistema de gestión de asistencia y horarios de empleados para una empresa son:</a:t>
-            </a:r>
-          </a:p>
-          <a:p>
-            <a:r>
-              <a:rPr lang="es-ES" dirty="0">
-                <a:latin typeface="Times New Roman" panose="02020603050405020304" pitchFamily="18" charset="0"/>
-                <a:cs typeface="Times New Roman" panose="02020603050405020304" pitchFamily="18" charset="0"/>
-              </a:rPr>
-              <a:t>Necesidad de las empresas de controlar la asistencia de sus empleados.</a:t>
-            </a:r>
-          </a:p>
-          <a:p>
-            <a:r>
-              <a:rPr lang="es-ES" dirty="0">
-                <a:latin typeface="Times New Roman" panose="02020603050405020304" pitchFamily="18" charset="0"/>
-                <a:cs typeface="Times New Roman" panose="02020603050405020304" pitchFamily="18" charset="0"/>
-              </a:rPr>
-              <a:t>La tecnología NFC es perfecta gracias a su bajo coste de infraestructura y simplicidad en su uso.</a:t>
-            </a:r>
-          </a:p>
-          <a:p>
-            <a:r>
-              <a:rPr lang="es-ES" dirty="0">
-                <a:latin typeface="Times New Roman" panose="02020603050405020304" pitchFamily="18" charset="0"/>
-                <a:cs typeface="Times New Roman" panose="02020603050405020304" pitchFamily="18" charset="0"/>
-              </a:rPr>
-              <a:t>Nos permite asegurar la presencialidad del empleado.</a:t>
-            </a:r>
-          </a:p>
-          <a:p>
-            <a:r>
-              <a:rPr lang="es-ES" dirty="0">
-                <a:latin typeface="Times New Roman" panose="02020603050405020304" pitchFamily="18" charset="0"/>
-                <a:cs typeface="Times New Roman" panose="02020603050405020304" pitchFamily="18" charset="0"/>
-              </a:rPr>
-              <a:t>Automatización del proceso de fichaje.</a:t>
-            </a:r>
-          </a:p>
-          <a:p>
-            <a:endParaRPr lang="es-ES" dirty="0">
-              <a:latin typeface="Times New Roman" panose="02020603050405020304" pitchFamily="18" charset="0"/>
-              <a:cs typeface="Times New Roman" panose="02020603050405020304" pitchFamily="18" charset="0"/>
-            </a:endParaRPr>
-          </a:p>
-          <a:p>
-            <a:pPr marL="0" indent="0">
-              <a:buNone/>
-            </a:pPr>
-            <a:endParaRPr lang="es-ES" dirty="0">
-              <a:latin typeface="Times New Roman" panose="02020603050405020304" pitchFamily="18" charset="0"/>
-              <a:cs typeface="Times New Roman" panose="02020603050405020304" pitchFamily="18" charset="0"/>
-            </a:endParaRPr>
-          </a:p>
-        </p:txBody>
-      </p:sp>
     </p:spTree>
     <p:extLst>
       <p:ext uri="{BB962C8B-B14F-4D97-AF65-F5344CB8AC3E}">
-        <p14:creationId xmlns:p14="http://schemas.microsoft.com/office/powerpoint/2010/main" val="551382221"/>
+        <p14:creationId xmlns:p14="http://schemas.microsoft.com/office/powerpoint/2010/main" val="3287767831"/>
       </p:ext>
     </p:extLst>
   </p:cSld>
@@ -10606,7 +10143,7 @@
                 <a:latin typeface="Times New Roman" panose="02020603050405020304" pitchFamily="18" charset="0"/>
                 <a:cs typeface="Times New Roman" panose="02020603050405020304" pitchFamily="18" charset="0"/>
               </a:rPr>
-              <a:t>Sistema desarrollado - Aplicación Android (IV)</a:t>
+              <a:t>Sistema desarrollado - Aplicación Android</a:t>
             </a:r>
           </a:p>
         </p:txBody>
@@ -10624,7 +10161,7 @@
           <p:nvPr/>
         </p:nvPicPr>
         <p:blipFill>
-          <a:blip r:embed="rId3">
+          <a:blip r:embed="rId2">
             <a:extLst>
               <a:ext uri="{28A0092B-C50C-407E-A947-70E740481C1C}">
                 <a14:useLocalDpi xmlns:a14="http://schemas.microsoft.com/office/drawing/2010/main" val="0"/>
@@ -10681,79 +10218,56 @@
                 <a:latin typeface="Times New Roman" panose="02020603050405020304" pitchFamily="18" charset="0"/>
                 <a:cs typeface="Times New Roman" panose="02020603050405020304" pitchFamily="18" charset="0"/>
               </a:rPr>
-              <a:t>El servicio de emulación sigue la especificación de operaciones 2.0 [2] para etiquetas de tipo 4 del foro de NFC:</a:t>
-            </a:r>
-          </a:p>
-          <a:p>
+              <a:t>La aplicación de Android es el eje central del proyecto. Sus componentes se pueden resumir en:</a:t>
+            </a:r>
+          </a:p>
+          <a:p>
+            <a:r>
+              <a:rPr lang="es-ES" dirty="0">
+                <a:latin typeface="Times New Roman" panose="02020603050405020304" pitchFamily="18" charset="0"/>
+                <a:cs typeface="Times New Roman" panose="02020603050405020304" pitchFamily="18" charset="0"/>
+              </a:rPr>
+              <a:t>Partes complementarias (menú de </a:t>
+            </a:r>
             <a:r>
               <a:rPr lang="es-ES" dirty="0" err="1">
                 <a:latin typeface="Times New Roman" panose="02020603050405020304" pitchFamily="18" charset="0"/>
                 <a:cs typeface="Times New Roman" panose="02020603050405020304" pitchFamily="18" charset="0"/>
               </a:rPr>
-              <a:t>Parsea</a:t>
-            </a:r>
-            <a:r>
-              <a:rPr lang="es-ES" dirty="0">
-                <a:latin typeface="Times New Roman" panose="02020603050405020304" pitchFamily="18" charset="0"/>
-                <a:cs typeface="Times New Roman" panose="02020603050405020304" pitchFamily="18" charset="0"/>
-              </a:rPr>
-              <a:t> los comandos APDU (C-APDU) que envía el lector.</a:t>
-            </a:r>
-          </a:p>
-          <a:p>
-            <a:r>
-              <a:rPr lang="es-ES" dirty="0">
-                <a:latin typeface="Times New Roman" panose="02020603050405020304" pitchFamily="18" charset="0"/>
-                <a:cs typeface="Times New Roman" panose="02020603050405020304" pitchFamily="18" charset="0"/>
-              </a:rPr>
-              <a:t>Responde con respuestas APDU (R-APDU) en base a las peticiones del lector.</a:t>
-            </a:r>
-          </a:p>
-          <a:p>
-            <a:pPr marL="0" indent="0">
-              <a:buNone/>
-            </a:pPr>
-            <a:r>
-              <a:rPr lang="es-ES" dirty="0">
-                <a:latin typeface="Times New Roman" panose="02020603050405020304" pitchFamily="18" charset="0"/>
-                <a:cs typeface="Times New Roman" panose="02020603050405020304" pitchFamily="18" charset="0"/>
-              </a:rPr>
-              <a:t>Cuando la comunicación ha acabado y se ha enviado el mensaje NDEF:</a:t>
-            </a:r>
-          </a:p>
-          <a:p>
-            <a:r>
-              <a:rPr lang="es-ES" dirty="0">
-                <a:latin typeface="Times New Roman" panose="02020603050405020304" pitchFamily="18" charset="0"/>
-                <a:cs typeface="Times New Roman" panose="02020603050405020304" pitchFamily="18" charset="0"/>
-              </a:rPr>
-              <a:t>Se envía un mensaje a la actividad de que el envío ha acabado correctamente.</a:t>
-            </a:r>
-          </a:p>
-          <a:p>
-            <a:r>
-              <a:rPr lang="es-ES" dirty="0">
-                <a:latin typeface="Times New Roman" panose="02020603050405020304" pitchFamily="18" charset="0"/>
-                <a:cs typeface="Times New Roman" panose="02020603050405020304" pitchFamily="18" charset="0"/>
-              </a:rPr>
-              <a:t>La actividad se lo hace saber al usuario, actualizando la interfaz.</a:t>
-            </a:r>
-          </a:p>
-          <a:p>
-            <a:pPr marL="0" indent="0">
-              <a:buNone/>
-            </a:pPr>
-            <a:endParaRPr lang="es-ES" dirty="0">
-              <a:latin typeface="Times New Roman" panose="02020603050405020304" pitchFamily="18" charset="0"/>
-              <a:cs typeface="Times New Roman" panose="02020603050405020304" pitchFamily="18" charset="0"/>
-            </a:endParaRPr>
+              <a:t>login</a:t>
+            </a:r>
+            <a:r>
+              <a:rPr lang="es-ES" dirty="0">
+                <a:latin typeface="Times New Roman" panose="02020603050405020304" pitchFamily="18" charset="0"/>
+                <a:cs typeface="Times New Roman" panose="02020603050405020304" pitchFamily="18" charset="0"/>
+              </a:rPr>
+              <a:t>, gestión de datos de usuario, etc.)</a:t>
+            </a:r>
+          </a:p>
+          <a:p>
+            <a:r>
+              <a:rPr lang="es-ES" dirty="0">
+                <a:latin typeface="Times New Roman" panose="02020603050405020304" pitchFamily="18" charset="0"/>
+                <a:cs typeface="Times New Roman" panose="02020603050405020304" pitchFamily="18" charset="0"/>
+              </a:rPr>
+              <a:t>Actividad de lectura de etiquetas (para teléfonos en modo administrador).</a:t>
+            </a:r>
+          </a:p>
+          <a:p>
+            <a:r>
+              <a:rPr lang="es-ES" dirty="0">
+                <a:latin typeface="Times New Roman" panose="02020603050405020304" pitchFamily="18" charset="0"/>
+                <a:cs typeface="Times New Roman" panose="02020603050405020304" pitchFamily="18" charset="0"/>
+              </a:rPr>
+              <a:t>Actividad de emulación de etiquetas (para teléfonos de empleados).</a:t>
+            </a:r>
           </a:p>
         </p:txBody>
       </p:sp>
     </p:spTree>
     <p:extLst>
       <p:ext uri="{BB962C8B-B14F-4D97-AF65-F5344CB8AC3E}">
-        <p14:creationId xmlns:p14="http://schemas.microsoft.com/office/powerpoint/2010/main" val="1148517783"/>
+        <p14:creationId xmlns:p14="http://schemas.microsoft.com/office/powerpoint/2010/main" val="297272510"/>
       </p:ext>
     </p:extLst>
   </p:cSld>
@@ -10873,7 +10387,7 @@
                 <a:latin typeface="Times New Roman" panose="02020603050405020304" pitchFamily="18" charset="0"/>
                 <a:cs typeface="Times New Roman" panose="02020603050405020304" pitchFamily="18" charset="0"/>
               </a:rPr>
-              <a:t>Sistema desarrollado - Panel de Administración</a:t>
+              <a:t>Sistema desarrollado - Aplicación Android (I)</a:t>
             </a:r>
           </a:p>
         </p:txBody>
@@ -10891,7 +10405,7 @@
           <p:nvPr/>
         </p:nvPicPr>
         <p:blipFill>
-          <a:blip r:embed="rId3">
+          <a:blip r:embed="rId2">
             <a:extLst>
               <a:ext uri="{28A0092B-C50C-407E-A947-70E740481C1C}">
                 <a14:useLocalDpi xmlns:a14="http://schemas.microsoft.com/office/drawing/2010/main" val="0"/>
@@ -10948,43 +10462,99 @@
                 <a:latin typeface="Times New Roman" panose="02020603050405020304" pitchFamily="18" charset="0"/>
                 <a:cs typeface="Times New Roman" panose="02020603050405020304" pitchFamily="18" charset="0"/>
               </a:rPr>
-              <a:t>Aplicación de escritorio simple para gestionar los datos de la aplicación. Sus características principales son:</a:t>
-            </a:r>
-          </a:p>
-          <a:p>
-            <a:r>
-              <a:rPr lang="es-ES" dirty="0">
-                <a:latin typeface="Times New Roman" panose="02020603050405020304" pitchFamily="18" charset="0"/>
-                <a:cs typeface="Times New Roman" panose="02020603050405020304" pitchFamily="18" charset="0"/>
-              </a:rPr>
-              <a:t>Creada con Java y la librería gráfica Swing.</a:t>
-            </a:r>
-          </a:p>
-          <a:p>
-            <a:r>
-              <a:rPr lang="es-ES" dirty="0">
-                <a:latin typeface="Times New Roman" panose="02020603050405020304" pitchFamily="18" charset="0"/>
-                <a:cs typeface="Times New Roman" panose="02020603050405020304" pitchFamily="18" charset="0"/>
-              </a:rPr>
-              <a:t>Mapea todas las llamadas de gestión a la API a través de interfaces con botones y campos de texto.</a:t>
-            </a:r>
-          </a:p>
-          <a:p>
-            <a:r>
-              <a:rPr lang="es-ES" dirty="0">
-                <a:latin typeface="Times New Roman" panose="02020603050405020304" pitchFamily="18" charset="0"/>
-                <a:cs typeface="Times New Roman" panose="02020603050405020304" pitchFamily="18" charset="0"/>
-              </a:rPr>
-              <a:t>Diseño sencillo de utilizar.</a:t>
-            </a:r>
-          </a:p>
-          <a:p>
-            <a:r>
-              <a:rPr lang="es-ES" dirty="0">
-                <a:latin typeface="Times New Roman" panose="02020603050405020304" pitchFamily="18" charset="0"/>
-                <a:cs typeface="Times New Roman" panose="02020603050405020304" pitchFamily="18" charset="0"/>
-              </a:rPr>
-              <a:t>Su objetivo es crear una capa de abstracción entre los administradores y la base de datos.</a:t>
+              <a:t>En cuanto a las partes complementarias:</a:t>
+            </a:r>
+          </a:p>
+          <a:p>
+            <a:r>
+              <a:rPr lang="es-ES" dirty="0">
+                <a:latin typeface="Times New Roman" panose="02020603050405020304" pitchFamily="18" charset="0"/>
+                <a:cs typeface="Times New Roman" panose="02020603050405020304" pitchFamily="18" charset="0"/>
+              </a:rPr>
+              <a:t>Al abrir la aplicación por primera vez, el usuario debe hacer </a:t>
+            </a:r>
+            <a:r>
+              <a:rPr lang="es-ES" dirty="0" err="1">
+                <a:latin typeface="Times New Roman" panose="02020603050405020304" pitchFamily="18" charset="0"/>
+                <a:cs typeface="Times New Roman" panose="02020603050405020304" pitchFamily="18" charset="0"/>
+              </a:rPr>
+              <a:t>login</a:t>
+            </a:r>
+            <a:r>
+              <a:rPr lang="es-ES" dirty="0">
+                <a:latin typeface="Times New Roman" panose="02020603050405020304" pitchFamily="18" charset="0"/>
+                <a:cs typeface="Times New Roman" panose="02020603050405020304" pitchFamily="18" charset="0"/>
+              </a:rPr>
+              <a:t>, identificándose.</a:t>
+            </a:r>
+          </a:p>
+          <a:p>
+            <a:r>
+              <a:rPr lang="es-ES" dirty="0">
+                <a:latin typeface="Times New Roman" panose="02020603050405020304" pitchFamily="18" charset="0"/>
+                <a:cs typeface="Times New Roman" panose="02020603050405020304" pitchFamily="18" charset="0"/>
+              </a:rPr>
+              <a:t>La información de usuario se guarda en </a:t>
+            </a:r>
+            <a:r>
+              <a:rPr lang="es-ES" i="1" dirty="0" err="1">
+                <a:latin typeface="Times New Roman" panose="02020603050405020304" pitchFamily="18" charset="0"/>
+                <a:cs typeface="Times New Roman" panose="02020603050405020304" pitchFamily="18" charset="0"/>
+              </a:rPr>
+              <a:t>SharedPreferences</a:t>
+            </a:r>
+            <a:r>
+              <a:rPr lang="es-ES" dirty="0">
+                <a:latin typeface="Times New Roman" panose="02020603050405020304" pitchFamily="18" charset="0"/>
+                <a:cs typeface="Times New Roman" panose="02020603050405020304" pitchFamily="18" charset="0"/>
+              </a:rPr>
+              <a:t> de Android.</a:t>
+            </a:r>
+          </a:p>
+          <a:p>
+            <a:r>
+              <a:rPr lang="es-ES" dirty="0">
+                <a:latin typeface="Times New Roman" panose="02020603050405020304" pitchFamily="18" charset="0"/>
+                <a:cs typeface="Times New Roman" panose="02020603050405020304" pitchFamily="18" charset="0"/>
+              </a:rPr>
+              <a:t>Al hacer </a:t>
+            </a:r>
+            <a:r>
+              <a:rPr lang="es-ES" dirty="0" err="1">
+                <a:latin typeface="Times New Roman" panose="02020603050405020304" pitchFamily="18" charset="0"/>
+                <a:cs typeface="Times New Roman" panose="02020603050405020304" pitchFamily="18" charset="0"/>
+              </a:rPr>
+              <a:t>login</a:t>
+            </a:r>
+            <a:r>
+              <a:rPr lang="es-ES" dirty="0">
+                <a:latin typeface="Times New Roman" panose="02020603050405020304" pitchFamily="18" charset="0"/>
+                <a:cs typeface="Times New Roman" panose="02020603050405020304" pitchFamily="18" charset="0"/>
+              </a:rPr>
+              <a:t>, se identifica si el usuario tiene permisos de administración o no.</a:t>
+            </a:r>
+          </a:p>
+          <a:p>
+            <a:r>
+              <a:rPr lang="es-ES" dirty="0">
+                <a:latin typeface="Times New Roman" panose="02020603050405020304" pitchFamily="18" charset="0"/>
+                <a:cs typeface="Times New Roman" panose="02020603050405020304" pitchFamily="18" charset="0"/>
+              </a:rPr>
+              <a:t>Esta información de usuario se guarda hasta que el usuario haga </a:t>
+            </a:r>
+            <a:r>
+              <a:rPr lang="es-ES" dirty="0" err="1">
+                <a:latin typeface="Times New Roman" panose="02020603050405020304" pitchFamily="18" charset="0"/>
+                <a:cs typeface="Times New Roman" panose="02020603050405020304" pitchFamily="18" charset="0"/>
+              </a:rPr>
+              <a:t>logout</a:t>
+            </a:r>
+            <a:r>
+              <a:rPr lang="es-ES" dirty="0">
+                <a:latin typeface="Times New Roman" panose="02020603050405020304" pitchFamily="18" charset="0"/>
+                <a:cs typeface="Times New Roman" panose="02020603050405020304" pitchFamily="18" charset="0"/>
+              </a:rPr>
+              <a:t>.</a:t>
             </a:r>
           </a:p>
         </p:txBody>
@@ -10992,7 +10562,7 @@
     </p:spTree>
     <p:extLst>
       <p:ext uri="{BB962C8B-B14F-4D97-AF65-F5344CB8AC3E}">
-        <p14:creationId xmlns:p14="http://schemas.microsoft.com/office/powerpoint/2010/main" val="1193242908"/>
+        <p14:creationId xmlns:p14="http://schemas.microsoft.com/office/powerpoint/2010/main" val="2666411907"/>
       </p:ext>
     </p:extLst>
   </p:cSld>
@@ -11112,7 +10682,7 @@
                 <a:latin typeface="Times New Roman" panose="02020603050405020304" pitchFamily="18" charset="0"/>
                 <a:cs typeface="Times New Roman" panose="02020603050405020304" pitchFamily="18" charset="0"/>
               </a:rPr>
-              <a:t>Sistema desarrollado - Panel de Administración (I)</a:t>
+              <a:t>Sistema desarrollado - Aplicación Android (II)</a:t>
             </a:r>
           </a:p>
         </p:txBody>
@@ -11175,7 +10745,7 @@
         <p:spPr/>
         <p:txBody>
           <a:bodyPr>
-            <a:normAutofit/>
+            <a:normAutofit fontScale="92500"/>
           </a:bodyPr>
           <a:lstStyle/>
           <a:p>
@@ -11187,74 +10757,132 @@
                 <a:latin typeface="Times New Roman" panose="02020603050405020304" pitchFamily="18" charset="0"/>
                 <a:cs typeface="Times New Roman" panose="02020603050405020304" pitchFamily="18" charset="0"/>
               </a:rPr>
-              <a:t>El funcionamiento del sistema sigue el siguiente patrón:</a:t>
-            </a:r>
-          </a:p>
-          <a:p>
-            <a:r>
-              <a:rPr lang="es-ES" dirty="0">
-                <a:latin typeface="Times New Roman" panose="02020603050405020304" pitchFamily="18" charset="0"/>
-                <a:cs typeface="Times New Roman" panose="02020603050405020304" pitchFamily="18" charset="0"/>
-              </a:rPr>
-              <a:t>El administrador hace </a:t>
+              <a:t>En cuanto a la actividad de lectura de etiquetas:</a:t>
+            </a:r>
+          </a:p>
+          <a:p>
+            <a:r>
+              <a:rPr lang="es-ES" dirty="0">
+                <a:latin typeface="Times New Roman" panose="02020603050405020304" pitchFamily="18" charset="0"/>
+                <a:cs typeface="Times New Roman" panose="02020603050405020304" pitchFamily="18" charset="0"/>
+              </a:rPr>
+              <a:t>Se ha hecho uso de la API de </a:t>
+            </a:r>
+            <a:r>
+              <a:rPr lang="es-ES" i="1" dirty="0" err="1">
+                <a:latin typeface="Times New Roman" panose="02020603050405020304" pitchFamily="18" charset="0"/>
+                <a:cs typeface="Times New Roman" panose="02020603050405020304" pitchFamily="18" charset="0"/>
+              </a:rPr>
+              <a:t>ReaderMode</a:t>
+            </a:r>
+            <a:r>
+              <a:rPr lang="es-ES" i="1" dirty="0">
+                <a:latin typeface="Times New Roman" panose="02020603050405020304" pitchFamily="18" charset="0"/>
+                <a:cs typeface="Times New Roman" panose="02020603050405020304" pitchFamily="18" charset="0"/>
+              </a:rPr>
+              <a:t>.</a:t>
+            </a:r>
+          </a:p>
+          <a:p>
+            <a:r>
+              <a:rPr lang="es-ES" dirty="0">
+                <a:latin typeface="Times New Roman" panose="02020603050405020304" pitchFamily="18" charset="0"/>
+                <a:cs typeface="Times New Roman" panose="02020603050405020304" pitchFamily="18" charset="0"/>
+              </a:rPr>
+              <a:t>Permite al teléfono tomar control del chip NFC, limitando sus acciones.</a:t>
+            </a:r>
+          </a:p>
+          <a:p>
+            <a:pPr marL="0" indent="0">
+              <a:buNone/>
+            </a:pPr>
+            <a:r>
+              <a:rPr lang="es-ES" dirty="0">
+                <a:latin typeface="Times New Roman" panose="02020603050405020304" pitchFamily="18" charset="0"/>
+                <a:cs typeface="Times New Roman" panose="02020603050405020304" pitchFamily="18" charset="0"/>
+              </a:rPr>
+              <a:t>Cuando el teléfono en modo lectura encuentra una etiqueta:</a:t>
+            </a:r>
+          </a:p>
+          <a:p>
+            <a:r>
+              <a:rPr lang="es-ES" dirty="0">
+                <a:latin typeface="Times New Roman" panose="02020603050405020304" pitchFamily="18" charset="0"/>
+                <a:cs typeface="Times New Roman" panose="02020603050405020304" pitchFamily="18" charset="0"/>
+              </a:rPr>
+              <a:t>Comprueba que la etiqueta siga el formato NDEF.</a:t>
+            </a:r>
+          </a:p>
+          <a:p>
+            <a:r>
+              <a:rPr lang="es-ES" dirty="0">
+                <a:latin typeface="Times New Roman" panose="02020603050405020304" pitchFamily="18" charset="0"/>
+                <a:cs typeface="Times New Roman" panose="02020603050405020304" pitchFamily="18" charset="0"/>
+              </a:rPr>
+              <a:t>Recupera el mensaje NDEF y lo </a:t>
             </a:r>
             <a:r>
               <a:rPr lang="es-ES" dirty="0" err="1">
                 <a:latin typeface="Times New Roman" panose="02020603050405020304" pitchFamily="18" charset="0"/>
                 <a:cs typeface="Times New Roman" panose="02020603050405020304" pitchFamily="18" charset="0"/>
               </a:rPr>
-              <a:t>login</a:t>
-            </a:r>
-            <a:r>
-              <a:rPr lang="es-ES" dirty="0">
-                <a:latin typeface="Times New Roman" panose="02020603050405020304" pitchFamily="18" charset="0"/>
-                <a:cs typeface="Times New Roman" panose="02020603050405020304" pitchFamily="18" charset="0"/>
-              </a:rPr>
-              <a:t> en la aplicación (sólo se permite entrar a usuarios con permisos de administración).</a:t>
-            </a:r>
-          </a:p>
-          <a:p>
-            <a:r>
-              <a:rPr lang="es-ES" dirty="0">
-                <a:latin typeface="Times New Roman" panose="02020603050405020304" pitchFamily="18" charset="0"/>
-                <a:cs typeface="Times New Roman" panose="02020603050405020304" pitchFamily="18" charset="0"/>
-              </a:rPr>
-              <a:t>Se escoge una acción a realizar (crear, eliminar, consultar) sobre un tipo de datos (empleados, horarios, registros de asistencia).</a:t>
-            </a:r>
-          </a:p>
-          <a:p>
-            <a:r>
-              <a:rPr lang="es-ES" dirty="0">
-                <a:latin typeface="Times New Roman" panose="02020603050405020304" pitchFamily="18" charset="0"/>
-                <a:cs typeface="Times New Roman" panose="02020603050405020304" pitchFamily="18" charset="0"/>
-              </a:rPr>
-              <a:t>El administrador rellena un formulario.</a:t>
-            </a:r>
-          </a:p>
-          <a:p>
-            <a:r>
-              <a:rPr lang="es-ES" dirty="0">
-                <a:latin typeface="Times New Roman" panose="02020603050405020304" pitchFamily="18" charset="0"/>
-                <a:cs typeface="Times New Roman" panose="02020603050405020304" pitchFamily="18" charset="0"/>
-              </a:rPr>
-              <a:t>La aplicación envía los datos al servidor HTTP.</a:t>
-            </a:r>
-          </a:p>
-          <a:p>
-            <a:r>
-              <a:rPr lang="es-ES" dirty="0">
-                <a:latin typeface="Times New Roman" panose="02020603050405020304" pitchFamily="18" charset="0"/>
-                <a:cs typeface="Times New Roman" panose="02020603050405020304" pitchFamily="18" charset="0"/>
-              </a:rPr>
-              <a:t>Se le muestra al usuario la respuesta del servidor para notificarle del resultado de la acción.</a:t>
-            </a:r>
+              <a:t>parsea</a:t>
+            </a:r>
+            <a:r>
+              <a:rPr lang="es-ES" dirty="0">
+                <a:latin typeface="Times New Roman" panose="02020603050405020304" pitchFamily="18" charset="0"/>
+                <a:cs typeface="Times New Roman" panose="02020603050405020304" pitchFamily="18" charset="0"/>
+              </a:rPr>
+              <a:t> (formato, codificación, etc.).</a:t>
+            </a:r>
+          </a:p>
+          <a:p>
+            <a:r>
+              <a:rPr lang="es-ES" dirty="0">
+                <a:latin typeface="Times New Roman" panose="02020603050405020304" pitchFamily="18" charset="0"/>
+                <a:cs typeface="Times New Roman" panose="02020603050405020304" pitchFamily="18" charset="0"/>
+              </a:rPr>
+              <a:t>Recupera el </a:t>
+            </a:r>
+            <a:r>
+              <a:rPr lang="es-ES" i="1" dirty="0" err="1">
+                <a:latin typeface="Times New Roman" panose="02020603050405020304" pitchFamily="18" charset="0"/>
+                <a:cs typeface="Times New Roman" panose="02020603050405020304" pitchFamily="18" charset="0"/>
+              </a:rPr>
+              <a:t>payload</a:t>
+            </a:r>
+            <a:r>
+              <a:rPr lang="es-ES" dirty="0">
+                <a:latin typeface="Times New Roman" panose="02020603050405020304" pitchFamily="18" charset="0"/>
+                <a:cs typeface="Times New Roman" panose="02020603050405020304" pitchFamily="18" charset="0"/>
+              </a:rPr>
+              <a:t> del mensaje (email del usuario) y se lo envía al servidor HTTP para fichar en la aplicación.</a:t>
+            </a:r>
+          </a:p>
+          <a:p>
+            <a:r>
+              <a:rPr lang="es-ES" dirty="0">
+                <a:latin typeface="Times New Roman" panose="02020603050405020304" pitchFamily="18" charset="0"/>
+                <a:cs typeface="Times New Roman" panose="02020603050405020304" pitchFamily="18" charset="0"/>
+              </a:rPr>
+              <a:t>Se le notifica al usuario con el resultado del intento de fichar en el servidor.</a:t>
+            </a:r>
+          </a:p>
+          <a:p>
+            <a:pPr marL="0" indent="0">
+              <a:buNone/>
+            </a:pPr>
+            <a:endParaRPr lang="es-ES" dirty="0">
+              <a:latin typeface="Times New Roman" panose="02020603050405020304" pitchFamily="18" charset="0"/>
+              <a:cs typeface="Times New Roman" panose="02020603050405020304" pitchFamily="18" charset="0"/>
+            </a:endParaRPr>
           </a:p>
         </p:txBody>
       </p:sp>
     </p:spTree>
     <p:extLst>
       <p:ext uri="{BB962C8B-B14F-4D97-AF65-F5344CB8AC3E}">
-        <p14:creationId xmlns:p14="http://schemas.microsoft.com/office/powerpoint/2010/main" val="3346725158"/>
+        <p14:creationId xmlns:p14="http://schemas.microsoft.com/office/powerpoint/2010/main" val="2368520772"/>
       </p:ext>
     </p:extLst>
   </p:cSld>
@@ -11374,7 +11002,2207 @@
                 <a:latin typeface="Times New Roman" panose="02020603050405020304" pitchFamily="18" charset="0"/>
                 <a:cs typeface="Times New Roman" panose="02020603050405020304" pitchFamily="18" charset="0"/>
               </a:rPr>
-              <a:t>Sistema desarrollado - Demostración</a:t>
+              <a:t>Sistema desarrollado - Aplicación Android (III)</a:t>
+            </a:r>
+          </a:p>
+        </p:txBody>
+      </p:sp>
+      <p:pic>
+        <p:nvPicPr>
+          <p:cNvPr id="5" name="1 Imagen">
+            <a:extLst>
+              <a:ext uri="{FF2B5EF4-FFF2-40B4-BE49-F238E27FC236}">
+                <a16:creationId xmlns:a16="http://schemas.microsoft.com/office/drawing/2014/main" id="{084F03C4-1B7D-458F-BB20-BD1ABFD64517}"/>
+              </a:ext>
+            </a:extLst>
+          </p:cNvPr>
+          <p:cNvPicPr/>
+          <p:nvPr/>
+        </p:nvPicPr>
+        <p:blipFill>
+          <a:blip r:embed="rId3">
+            <a:extLst>
+              <a:ext uri="{28A0092B-C50C-407E-A947-70E740481C1C}">
+                <a14:useLocalDpi xmlns:a14="http://schemas.microsoft.com/office/drawing/2010/main" val="0"/>
+              </a:ext>
+            </a:extLst>
+          </a:blip>
+          <a:srcRect/>
+          <a:stretch>
+            <a:fillRect/>
+          </a:stretch>
+        </p:blipFill>
+        <p:spPr bwMode="auto">
+          <a:xfrm>
+            <a:off x="4581525" y="5857479"/>
+            <a:ext cx="3028950" cy="960120"/>
+          </a:xfrm>
+          <a:prstGeom prst="rect">
+            <a:avLst/>
+          </a:prstGeom>
+          <a:noFill/>
+          <a:ln>
+            <a:noFill/>
+          </a:ln>
+        </p:spPr>
+      </p:pic>
+      <p:sp>
+        <p:nvSpPr>
+          <p:cNvPr id="3" name="Marcador de contenido 2">
+            <a:extLst>
+              <a:ext uri="{FF2B5EF4-FFF2-40B4-BE49-F238E27FC236}">
+                <a16:creationId xmlns:a16="http://schemas.microsoft.com/office/drawing/2014/main" id="{0B82F09F-B945-4235-BEF5-E7B272FC42F8}"/>
+              </a:ext>
+            </a:extLst>
+          </p:cNvPr>
+          <p:cNvSpPr>
+            <a:spLocks noGrp="1"/>
+          </p:cNvSpPr>
+          <p:nvPr>
+            <p:ph idx="1"/>
+          </p:nvPr>
+        </p:nvSpPr>
+        <p:spPr/>
+        <p:txBody>
+          <a:bodyPr>
+            <a:normAutofit/>
+          </a:bodyPr>
+          <a:lstStyle/>
+          <a:p>
+            <a:pPr marL="0" indent="0">
+              <a:buNone/>
+            </a:pPr>
+            <a:r>
+              <a:rPr lang="es-ES" dirty="0">
+                <a:latin typeface="Times New Roman" panose="02020603050405020304" pitchFamily="18" charset="0"/>
+                <a:cs typeface="Times New Roman" panose="02020603050405020304" pitchFamily="18" charset="0"/>
+              </a:rPr>
+              <a:t>En cuanto a la actividad de emulación de etiquetas:</a:t>
+            </a:r>
+          </a:p>
+          <a:p>
+            <a:r>
+              <a:rPr lang="es-ES" dirty="0">
+                <a:latin typeface="Times New Roman" panose="02020603050405020304" pitchFamily="18" charset="0"/>
+                <a:cs typeface="Times New Roman" panose="02020603050405020304" pitchFamily="18" charset="0"/>
+              </a:rPr>
+              <a:t>La actividad prepara los datos a emular como mensaje NDEF (email del usuario) desde las </a:t>
+            </a:r>
+            <a:r>
+              <a:rPr lang="es-ES" i="1" dirty="0" err="1">
+                <a:latin typeface="Times New Roman" panose="02020603050405020304" pitchFamily="18" charset="0"/>
+                <a:cs typeface="Times New Roman" panose="02020603050405020304" pitchFamily="18" charset="0"/>
+              </a:rPr>
+              <a:t>SharedPreferences</a:t>
+            </a:r>
+            <a:r>
+              <a:rPr lang="es-ES" i="1" dirty="0">
+                <a:latin typeface="Times New Roman" panose="02020603050405020304" pitchFamily="18" charset="0"/>
+                <a:cs typeface="Times New Roman" panose="02020603050405020304" pitchFamily="18" charset="0"/>
+              </a:rPr>
+              <a:t>.</a:t>
+            </a:r>
+            <a:endParaRPr lang="es-ES" dirty="0">
+              <a:latin typeface="Times New Roman" panose="02020603050405020304" pitchFamily="18" charset="0"/>
+              <a:cs typeface="Times New Roman" panose="02020603050405020304" pitchFamily="18" charset="0"/>
+            </a:endParaRPr>
+          </a:p>
+          <a:p>
+            <a:r>
+              <a:rPr lang="es-ES" dirty="0">
+                <a:latin typeface="Times New Roman" panose="02020603050405020304" pitchFamily="18" charset="0"/>
+                <a:cs typeface="Times New Roman" panose="02020603050405020304" pitchFamily="18" charset="0"/>
+              </a:rPr>
+              <a:t>Lanza el servicio de emulación de etiquetas.</a:t>
+            </a:r>
+          </a:p>
+          <a:p>
+            <a:pPr marL="0" indent="0">
+              <a:buNone/>
+            </a:pPr>
+            <a:r>
+              <a:rPr lang="es-ES" dirty="0">
+                <a:latin typeface="Times New Roman" panose="02020603050405020304" pitchFamily="18" charset="0"/>
+                <a:cs typeface="Times New Roman" panose="02020603050405020304" pitchFamily="18" charset="0"/>
+              </a:rPr>
+              <a:t>El servicio de emulación de etiquetas:</a:t>
+            </a:r>
+          </a:p>
+          <a:p>
+            <a:r>
+              <a:rPr lang="es-ES" dirty="0">
+                <a:latin typeface="Times New Roman" panose="02020603050405020304" pitchFamily="18" charset="0"/>
+                <a:cs typeface="Times New Roman" panose="02020603050405020304" pitchFamily="18" charset="0"/>
+              </a:rPr>
+              <a:t>Prepara el mensaje NDEF. Calcula la longitud del mensaje, prepara el registro NDEF, etc.</a:t>
+            </a:r>
+          </a:p>
+          <a:p>
+            <a:r>
+              <a:rPr lang="es-ES" dirty="0">
+                <a:latin typeface="Times New Roman" panose="02020603050405020304" pitchFamily="18" charset="0"/>
+                <a:cs typeface="Times New Roman" panose="02020603050405020304" pitchFamily="18" charset="0"/>
+              </a:rPr>
+              <a:t>Se marca como disponible para atender a peticiones de lectura.</a:t>
+            </a:r>
+          </a:p>
+        </p:txBody>
+      </p:sp>
+    </p:spTree>
+    <p:extLst>
+      <p:ext uri="{BB962C8B-B14F-4D97-AF65-F5344CB8AC3E}">
+        <p14:creationId xmlns:p14="http://schemas.microsoft.com/office/powerpoint/2010/main" val="2192837478"/>
+      </p:ext>
+    </p:extLst>
+  </p:cSld>
+  <p:clrMapOvr>
+    <a:masterClrMapping/>
+  </p:clrMapOvr>
+</p:sld>
+</file>
+
+<file path=ppt/slides/slide34.xml><?xml version="1.0" encoding="utf-8"?>
+<p:sld xmlns:a="http://schemas.openxmlformats.org/drawingml/2006/main" xmlns:r="http://schemas.openxmlformats.org/officeDocument/2006/relationships" xmlns:p="http://schemas.openxmlformats.org/presentationml/2006/main">
+  <p:cSld>
+    <p:bg>
+      <p:bgPr>
+        <a:solidFill>
+          <a:schemeClr val="accent1">
+            <a:lumMod val="75000"/>
+          </a:schemeClr>
+        </a:solidFill>
+        <a:effectLst/>
+      </p:bgPr>
+    </p:bg>
+    <p:spTree>
+      <p:nvGrpSpPr>
+        <p:cNvPr id="1" name=""/>
+        <p:cNvGrpSpPr/>
+        <p:nvPr/>
+      </p:nvGrpSpPr>
+      <p:grpSpPr>
+        <a:xfrm>
+          <a:off x="0" y="0"/>
+          <a:ext cx="0" cy="0"/>
+          <a:chOff x="0" y="0"/>
+          <a:chExt cx="0" cy="0"/>
+        </a:xfrm>
+      </p:grpSpPr>
+      <p:sp>
+        <p:nvSpPr>
+          <p:cNvPr id="4" name="Rectángulo 3">
+            <a:extLst>
+              <a:ext uri="{FF2B5EF4-FFF2-40B4-BE49-F238E27FC236}">
+                <a16:creationId xmlns:a16="http://schemas.microsoft.com/office/drawing/2014/main" id="{E2B637AF-C465-4CBB-85A1-ABF8D288CB7F}"/>
+              </a:ext>
+            </a:extLst>
+          </p:cNvPr>
+          <p:cNvSpPr/>
+          <p:nvPr/>
+        </p:nvSpPr>
+        <p:spPr>
+          <a:xfrm>
+            <a:off x="0" y="1184988"/>
+            <a:ext cx="12192000" cy="5673012"/>
+          </a:xfrm>
+          <a:prstGeom prst="rect">
+            <a:avLst/>
+          </a:prstGeom>
+          <a:solidFill>
+            <a:schemeClr val="bg1"/>
+          </a:solidFill>
+        </p:spPr>
+        <p:style>
+          <a:lnRef idx="2">
+            <a:schemeClr val="accent1">
+              <a:shade val="50000"/>
+            </a:schemeClr>
+          </a:lnRef>
+          <a:fillRef idx="1">
+            <a:schemeClr val="accent1"/>
+          </a:fillRef>
+          <a:effectRef idx="0">
+            <a:schemeClr val="accent1"/>
+          </a:effectRef>
+          <a:fontRef idx="minor">
+            <a:schemeClr val="lt1"/>
+          </a:fontRef>
+        </p:style>
+        <p:txBody>
+          <a:bodyPr rtlCol="0" anchor="ctr"/>
+          <a:lstStyle/>
+          <a:p>
+            <a:pPr algn="ctr"/>
+            <a:endParaRPr lang="en-GB" dirty="0"/>
+          </a:p>
+        </p:txBody>
+      </p:sp>
+      <p:sp>
+        <p:nvSpPr>
+          <p:cNvPr id="2" name="Título 1">
+            <a:extLst>
+              <a:ext uri="{FF2B5EF4-FFF2-40B4-BE49-F238E27FC236}">
+                <a16:creationId xmlns:a16="http://schemas.microsoft.com/office/drawing/2014/main" id="{7C060354-1C62-4255-AC9F-816FB2F65B70}"/>
+              </a:ext>
+            </a:extLst>
+          </p:cNvPr>
+          <p:cNvSpPr>
+            <a:spLocks noGrp="1"/>
+          </p:cNvSpPr>
+          <p:nvPr>
+            <p:ph type="title"/>
+          </p:nvPr>
+        </p:nvSpPr>
+        <p:spPr>
+          <a:xfrm>
+            <a:off x="261257" y="177282"/>
+            <a:ext cx="11681928" cy="1007707"/>
+          </a:xfrm>
+        </p:spPr>
+        <p:txBody>
+          <a:bodyPr/>
+          <a:lstStyle/>
+          <a:p>
+            <a:r>
+              <a:rPr lang="es-ES" dirty="0">
+                <a:solidFill>
+                  <a:schemeClr val="bg1"/>
+                </a:solidFill>
+                <a:latin typeface="Times New Roman" panose="02020603050405020304" pitchFamily="18" charset="0"/>
+                <a:cs typeface="Times New Roman" panose="02020603050405020304" pitchFamily="18" charset="0"/>
+              </a:rPr>
+              <a:t>Sistema desarrollado - Aplicación Android (IV)</a:t>
+            </a:r>
+          </a:p>
+        </p:txBody>
+      </p:sp>
+      <p:pic>
+        <p:nvPicPr>
+          <p:cNvPr id="5" name="1 Imagen">
+            <a:extLst>
+              <a:ext uri="{FF2B5EF4-FFF2-40B4-BE49-F238E27FC236}">
+                <a16:creationId xmlns:a16="http://schemas.microsoft.com/office/drawing/2014/main" id="{084F03C4-1B7D-458F-BB20-BD1ABFD64517}"/>
+              </a:ext>
+            </a:extLst>
+          </p:cNvPr>
+          <p:cNvPicPr/>
+          <p:nvPr/>
+        </p:nvPicPr>
+        <p:blipFill>
+          <a:blip r:embed="rId3">
+            <a:extLst>
+              <a:ext uri="{28A0092B-C50C-407E-A947-70E740481C1C}">
+                <a14:useLocalDpi xmlns:a14="http://schemas.microsoft.com/office/drawing/2010/main" val="0"/>
+              </a:ext>
+            </a:extLst>
+          </a:blip>
+          <a:srcRect/>
+          <a:stretch>
+            <a:fillRect/>
+          </a:stretch>
+        </p:blipFill>
+        <p:spPr bwMode="auto">
+          <a:xfrm>
+            <a:off x="4581525" y="5857479"/>
+            <a:ext cx="3028950" cy="960120"/>
+          </a:xfrm>
+          <a:prstGeom prst="rect">
+            <a:avLst/>
+          </a:prstGeom>
+          <a:noFill/>
+          <a:ln>
+            <a:noFill/>
+          </a:ln>
+        </p:spPr>
+      </p:pic>
+      <p:sp>
+        <p:nvSpPr>
+          <p:cNvPr id="3" name="Marcador de contenido 2">
+            <a:extLst>
+              <a:ext uri="{FF2B5EF4-FFF2-40B4-BE49-F238E27FC236}">
+                <a16:creationId xmlns:a16="http://schemas.microsoft.com/office/drawing/2014/main" id="{0B82F09F-B945-4235-BEF5-E7B272FC42F8}"/>
+              </a:ext>
+            </a:extLst>
+          </p:cNvPr>
+          <p:cNvSpPr>
+            <a:spLocks noGrp="1"/>
+          </p:cNvSpPr>
+          <p:nvPr>
+            <p:ph idx="1"/>
+          </p:nvPr>
+        </p:nvSpPr>
+        <p:spPr/>
+        <p:txBody>
+          <a:bodyPr>
+            <a:normAutofit/>
+          </a:bodyPr>
+          <a:lstStyle/>
+          <a:p>
+            <a:pPr marL="0" indent="0">
+              <a:buNone/>
+            </a:pPr>
+            <a:r>
+              <a:rPr lang="es-ES" dirty="0">
+                <a:latin typeface="Times New Roman" panose="02020603050405020304" pitchFamily="18" charset="0"/>
+                <a:cs typeface="Times New Roman" panose="02020603050405020304" pitchFamily="18" charset="0"/>
+              </a:rPr>
+              <a:t>El servicio de emulación sigue la especificación de operaciones 2.0 [2] para etiquetas de tipo 4 del foro de NFC:</a:t>
+            </a:r>
+          </a:p>
+          <a:p>
+            <a:r>
+              <a:rPr lang="es-ES" dirty="0" err="1">
+                <a:latin typeface="Times New Roman" panose="02020603050405020304" pitchFamily="18" charset="0"/>
+                <a:cs typeface="Times New Roman" panose="02020603050405020304" pitchFamily="18" charset="0"/>
+              </a:rPr>
+              <a:t>Parsea</a:t>
+            </a:r>
+            <a:r>
+              <a:rPr lang="es-ES" dirty="0">
+                <a:latin typeface="Times New Roman" panose="02020603050405020304" pitchFamily="18" charset="0"/>
+                <a:cs typeface="Times New Roman" panose="02020603050405020304" pitchFamily="18" charset="0"/>
+              </a:rPr>
+              <a:t> los comandos APDU (C-APDU) que envía el lector.</a:t>
+            </a:r>
+          </a:p>
+          <a:p>
+            <a:r>
+              <a:rPr lang="es-ES" dirty="0">
+                <a:latin typeface="Times New Roman" panose="02020603050405020304" pitchFamily="18" charset="0"/>
+                <a:cs typeface="Times New Roman" panose="02020603050405020304" pitchFamily="18" charset="0"/>
+              </a:rPr>
+              <a:t>Responde con respuestas APDU (R-APDU) en base a las peticiones del lector.</a:t>
+            </a:r>
+          </a:p>
+          <a:p>
+            <a:pPr marL="0" indent="0">
+              <a:buNone/>
+            </a:pPr>
+            <a:r>
+              <a:rPr lang="es-ES" dirty="0">
+                <a:latin typeface="Times New Roman" panose="02020603050405020304" pitchFamily="18" charset="0"/>
+                <a:cs typeface="Times New Roman" panose="02020603050405020304" pitchFamily="18" charset="0"/>
+              </a:rPr>
+              <a:t>Cuando la comunicación ha acabado y se ha enviado el mensaje NDEF:</a:t>
+            </a:r>
+          </a:p>
+          <a:p>
+            <a:r>
+              <a:rPr lang="es-ES" dirty="0">
+                <a:latin typeface="Times New Roman" panose="02020603050405020304" pitchFamily="18" charset="0"/>
+                <a:cs typeface="Times New Roman" panose="02020603050405020304" pitchFamily="18" charset="0"/>
+              </a:rPr>
+              <a:t>Se envía un mensaje a la actividad de que el envío ha acabado correctamente.</a:t>
+            </a:r>
+          </a:p>
+          <a:p>
+            <a:r>
+              <a:rPr lang="es-ES" dirty="0">
+                <a:latin typeface="Times New Roman" panose="02020603050405020304" pitchFamily="18" charset="0"/>
+                <a:cs typeface="Times New Roman" panose="02020603050405020304" pitchFamily="18" charset="0"/>
+              </a:rPr>
+              <a:t>La actividad se lo hace saber al usuario, actualizando la interfaz.</a:t>
+            </a:r>
+          </a:p>
+          <a:p>
+            <a:pPr marL="0" indent="0">
+              <a:buNone/>
+            </a:pPr>
+            <a:endParaRPr lang="es-ES" dirty="0">
+              <a:latin typeface="Times New Roman" panose="02020603050405020304" pitchFamily="18" charset="0"/>
+              <a:cs typeface="Times New Roman" panose="02020603050405020304" pitchFamily="18" charset="0"/>
+            </a:endParaRPr>
+          </a:p>
+        </p:txBody>
+      </p:sp>
+    </p:spTree>
+    <p:extLst>
+      <p:ext uri="{BB962C8B-B14F-4D97-AF65-F5344CB8AC3E}">
+        <p14:creationId xmlns:p14="http://schemas.microsoft.com/office/powerpoint/2010/main" val="1148517783"/>
+      </p:ext>
+    </p:extLst>
+  </p:cSld>
+  <p:clrMapOvr>
+    <a:masterClrMapping/>
+  </p:clrMapOvr>
+</p:sld>
+</file>
+
+<file path=ppt/slides/slide35.xml><?xml version="1.0" encoding="utf-8"?>
+<p:sld xmlns:a="http://schemas.openxmlformats.org/drawingml/2006/main" xmlns:r="http://schemas.openxmlformats.org/officeDocument/2006/relationships" xmlns:p="http://schemas.openxmlformats.org/presentationml/2006/main">
+  <p:cSld>
+    <p:bg>
+      <p:bgPr>
+        <a:solidFill>
+          <a:schemeClr val="accent1">
+            <a:lumMod val="75000"/>
+          </a:schemeClr>
+        </a:solidFill>
+        <a:effectLst/>
+      </p:bgPr>
+    </p:bg>
+    <p:spTree>
+      <p:nvGrpSpPr>
+        <p:cNvPr id="1" name=""/>
+        <p:cNvGrpSpPr/>
+        <p:nvPr/>
+      </p:nvGrpSpPr>
+      <p:grpSpPr>
+        <a:xfrm>
+          <a:off x="0" y="0"/>
+          <a:ext cx="0" cy="0"/>
+          <a:chOff x="0" y="0"/>
+          <a:chExt cx="0" cy="0"/>
+        </a:xfrm>
+      </p:grpSpPr>
+      <p:sp>
+        <p:nvSpPr>
+          <p:cNvPr id="4" name="Rectángulo 3">
+            <a:extLst>
+              <a:ext uri="{FF2B5EF4-FFF2-40B4-BE49-F238E27FC236}">
+                <a16:creationId xmlns:a16="http://schemas.microsoft.com/office/drawing/2014/main" id="{E2B637AF-C465-4CBB-85A1-ABF8D288CB7F}"/>
+              </a:ext>
+            </a:extLst>
+          </p:cNvPr>
+          <p:cNvSpPr/>
+          <p:nvPr/>
+        </p:nvSpPr>
+        <p:spPr>
+          <a:xfrm>
+            <a:off x="0" y="1184988"/>
+            <a:ext cx="12192000" cy="5673012"/>
+          </a:xfrm>
+          <a:prstGeom prst="rect">
+            <a:avLst/>
+          </a:prstGeom>
+          <a:solidFill>
+            <a:schemeClr val="bg1"/>
+          </a:solidFill>
+        </p:spPr>
+        <p:style>
+          <a:lnRef idx="2">
+            <a:schemeClr val="accent1">
+              <a:shade val="50000"/>
+            </a:schemeClr>
+          </a:lnRef>
+          <a:fillRef idx="1">
+            <a:schemeClr val="accent1"/>
+          </a:fillRef>
+          <a:effectRef idx="0">
+            <a:schemeClr val="accent1"/>
+          </a:effectRef>
+          <a:fontRef idx="minor">
+            <a:schemeClr val="lt1"/>
+          </a:fontRef>
+        </p:style>
+        <p:txBody>
+          <a:bodyPr rtlCol="0" anchor="ctr"/>
+          <a:lstStyle/>
+          <a:p>
+            <a:pPr algn="ctr"/>
+            <a:endParaRPr lang="en-GB" dirty="0"/>
+          </a:p>
+        </p:txBody>
+      </p:sp>
+      <p:sp>
+        <p:nvSpPr>
+          <p:cNvPr id="2" name="Título 1">
+            <a:extLst>
+              <a:ext uri="{FF2B5EF4-FFF2-40B4-BE49-F238E27FC236}">
+                <a16:creationId xmlns:a16="http://schemas.microsoft.com/office/drawing/2014/main" id="{7C060354-1C62-4255-AC9F-816FB2F65B70}"/>
+              </a:ext>
+            </a:extLst>
+          </p:cNvPr>
+          <p:cNvSpPr>
+            <a:spLocks noGrp="1"/>
+          </p:cNvSpPr>
+          <p:nvPr>
+            <p:ph type="title"/>
+          </p:nvPr>
+        </p:nvSpPr>
+        <p:spPr>
+          <a:xfrm>
+            <a:off x="261257" y="177282"/>
+            <a:ext cx="11681928" cy="1007707"/>
+          </a:xfrm>
+        </p:spPr>
+        <p:txBody>
+          <a:bodyPr/>
+          <a:lstStyle/>
+          <a:p>
+            <a:r>
+              <a:rPr lang="es-ES" dirty="0">
+                <a:solidFill>
+                  <a:schemeClr val="bg1"/>
+                </a:solidFill>
+                <a:latin typeface="Times New Roman" panose="02020603050405020304" pitchFamily="18" charset="0"/>
+                <a:cs typeface="Times New Roman" panose="02020603050405020304" pitchFamily="18" charset="0"/>
+              </a:rPr>
+              <a:t>Sistema desarrollado - Panel de Administración</a:t>
+            </a:r>
+          </a:p>
+        </p:txBody>
+      </p:sp>
+      <p:pic>
+        <p:nvPicPr>
+          <p:cNvPr id="5" name="1 Imagen">
+            <a:extLst>
+              <a:ext uri="{FF2B5EF4-FFF2-40B4-BE49-F238E27FC236}">
+                <a16:creationId xmlns:a16="http://schemas.microsoft.com/office/drawing/2014/main" id="{084F03C4-1B7D-458F-BB20-BD1ABFD64517}"/>
+              </a:ext>
+            </a:extLst>
+          </p:cNvPr>
+          <p:cNvPicPr/>
+          <p:nvPr/>
+        </p:nvPicPr>
+        <p:blipFill>
+          <a:blip r:embed="rId3">
+            <a:extLst>
+              <a:ext uri="{28A0092B-C50C-407E-A947-70E740481C1C}">
+                <a14:useLocalDpi xmlns:a14="http://schemas.microsoft.com/office/drawing/2010/main" val="0"/>
+              </a:ext>
+            </a:extLst>
+          </a:blip>
+          <a:srcRect/>
+          <a:stretch>
+            <a:fillRect/>
+          </a:stretch>
+        </p:blipFill>
+        <p:spPr bwMode="auto">
+          <a:xfrm>
+            <a:off x="4581525" y="5857479"/>
+            <a:ext cx="3028950" cy="960120"/>
+          </a:xfrm>
+          <a:prstGeom prst="rect">
+            <a:avLst/>
+          </a:prstGeom>
+          <a:noFill/>
+          <a:ln>
+            <a:noFill/>
+          </a:ln>
+        </p:spPr>
+      </p:pic>
+      <p:sp>
+        <p:nvSpPr>
+          <p:cNvPr id="3" name="Marcador de contenido 2">
+            <a:extLst>
+              <a:ext uri="{FF2B5EF4-FFF2-40B4-BE49-F238E27FC236}">
+                <a16:creationId xmlns:a16="http://schemas.microsoft.com/office/drawing/2014/main" id="{0B82F09F-B945-4235-BEF5-E7B272FC42F8}"/>
+              </a:ext>
+            </a:extLst>
+          </p:cNvPr>
+          <p:cNvSpPr>
+            <a:spLocks noGrp="1"/>
+          </p:cNvSpPr>
+          <p:nvPr>
+            <p:ph idx="1"/>
+          </p:nvPr>
+        </p:nvSpPr>
+        <p:spPr/>
+        <p:txBody>
+          <a:bodyPr>
+            <a:normAutofit/>
+          </a:bodyPr>
+          <a:lstStyle/>
+          <a:p>
+            <a:pPr marL="0" indent="0">
+              <a:buNone/>
+            </a:pPr>
+            <a:r>
+              <a:rPr lang="es-ES" dirty="0">
+                <a:latin typeface="Times New Roman" panose="02020603050405020304" pitchFamily="18" charset="0"/>
+                <a:cs typeface="Times New Roman" panose="02020603050405020304" pitchFamily="18" charset="0"/>
+              </a:rPr>
+              <a:t>Aplicación de escritorio simple para gestionar los datos de la aplicación. Sus características principales son:</a:t>
+            </a:r>
+          </a:p>
+          <a:p>
+            <a:r>
+              <a:rPr lang="es-ES" dirty="0">
+                <a:latin typeface="Times New Roman" panose="02020603050405020304" pitchFamily="18" charset="0"/>
+                <a:cs typeface="Times New Roman" panose="02020603050405020304" pitchFamily="18" charset="0"/>
+              </a:rPr>
+              <a:t>Creada con Java y la librería gráfica Swing.</a:t>
+            </a:r>
+          </a:p>
+          <a:p>
+            <a:r>
+              <a:rPr lang="es-ES" dirty="0">
+                <a:latin typeface="Times New Roman" panose="02020603050405020304" pitchFamily="18" charset="0"/>
+                <a:cs typeface="Times New Roman" panose="02020603050405020304" pitchFamily="18" charset="0"/>
+              </a:rPr>
+              <a:t>Mapea todas las llamadas de gestión a la API a través de interfaces con botones y campos de texto.</a:t>
+            </a:r>
+          </a:p>
+          <a:p>
+            <a:r>
+              <a:rPr lang="es-ES" dirty="0">
+                <a:latin typeface="Times New Roman" panose="02020603050405020304" pitchFamily="18" charset="0"/>
+                <a:cs typeface="Times New Roman" panose="02020603050405020304" pitchFamily="18" charset="0"/>
+              </a:rPr>
+              <a:t>Diseño sencillo de utilizar.</a:t>
+            </a:r>
+          </a:p>
+          <a:p>
+            <a:r>
+              <a:rPr lang="es-ES" dirty="0">
+                <a:latin typeface="Times New Roman" panose="02020603050405020304" pitchFamily="18" charset="0"/>
+                <a:cs typeface="Times New Roman" panose="02020603050405020304" pitchFamily="18" charset="0"/>
+              </a:rPr>
+              <a:t>Su objetivo es crear una capa de abstracción entre los administradores y la base de datos.</a:t>
+            </a:r>
+          </a:p>
+        </p:txBody>
+      </p:sp>
+    </p:spTree>
+    <p:extLst>
+      <p:ext uri="{BB962C8B-B14F-4D97-AF65-F5344CB8AC3E}">
+        <p14:creationId xmlns:p14="http://schemas.microsoft.com/office/powerpoint/2010/main" val="1193242908"/>
+      </p:ext>
+    </p:extLst>
+  </p:cSld>
+  <p:clrMapOvr>
+    <a:masterClrMapping/>
+  </p:clrMapOvr>
+</p:sld>
+</file>
+
+<file path=ppt/slides/slide36.xml><?xml version="1.0" encoding="utf-8"?>
+<p:sld xmlns:a="http://schemas.openxmlformats.org/drawingml/2006/main" xmlns:r="http://schemas.openxmlformats.org/officeDocument/2006/relationships" xmlns:p="http://schemas.openxmlformats.org/presentationml/2006/main">
+  <p:cSld>
+    <p:bg>
+      <p:bgPr>
+        <a:solidFill>
+          <a:schemeClr val="accent1">
+            <a:lumMod val="75000"/>
+          </a:schemeClr>
+        </a:solidFill>
+        <a:effectLst/>
+      </p:bgPr>
+    </p:bg>
+    <p:spTree>
+      <p:nvGrpSpPr>
+        <p:cNvPr id="1" name=""/>
+        <p:cNvGrpSpPr/>
+        <p:nvPr/>
+      </p:nvGrpSpPr>
+      <p:grpSpPr>
+        <a:xfrm>
+          <a:off x="0" y="0"/>
+          <a:ext cx="0" cy="0"/>
+          <a:chOff x="0" y="0"/>
+          <a:chExt cx="0" cy="0"/>
+        </a:xfrm>
+      </p:grpSpPr>
+      <p:sp>
+        <p:nvSpPr>
+          <p:cNvPr id="4" name="Rectángulo 3">
+            <a:extLst>
+              <a:ext uri="{FF2B5EF4-FFF2-40B4-BE49-F238E27FC236}">
+                <a16:creationId xmlns:a16="http://schemas.microsoft.com/office/drawing/2014/main" id="{E2B637AF-C465-4CBB-85A1-ABF8D288CB7F}"/>
+              </a:ext>
+            </a:extLst>
+          </p:cNvPr>
+          <p:cNvSpPr/>
+          <p:nvPr/>
+        </p:nvSpPr>
+        <p:spPr>
+          <a:xfrm>
+            <a:off x="0" y="1184988"/>
+            <a:ext cx="12192000" cy="5673012"/>
+          </a:xfrm>
+          <a:prstGeom prst="rect">
+            <a:avLst/>
+          </a:prstGeom>
+          <a:solidFill>
+            <a:schemeClr val="bg1"/>
+          </a:solidFill>
+        </p:spPr>
+        <p:style>
+          <a:lnRef idx="2">
+            <a:schemeClr val="accent1">
+              <a:shade val="50000"/>
+            </a:schemeClr>
+          </a:lnRef>
+          <a:fillRef idx="1">
+            <a:schemeClr val="accent1"/>
+          </a:fillRef>
+          <a:effectRef idx="0">
+            <a:schemeClr val="accent1"/>
+          </a:effectRef>
+          <a:fontRef idx="minor">
+            <a:schemeClr val="lt1"/>
+          </a:fontRef>
+        </p:style>
+        <p:txBody>
+          <a:bodyPr rtlCol="0" anchor="ctr"/>
+          <a:lstStyle/>
+          <a:p>
+            <a:pPr algn="ctr"/>
+            <a:endParaRPr lang="en-GB" dirty="0"/>
+          </a:p>
+        </p:txBody>
+      </p:sp>
+      <p:sp>
+        <p:nvSpPr>
+          <p:cNvPr id="2" name="Título 1">
+            <a:extLst>
+              <a:ext uri="{FF2B5EF4-FFF2-40B4-BE49-F238E27FC236}">
+                <a16:creationId xmlns:a16="http://schemas.microsoft.com/office/drawing/2014/main" id="{7C060354-1C62-4255-AC9F-816FB2F65B70}"/>
+              </a:ext>
+            </a:extLst>
+          </p:cNvPr>
+          <p:cNvSpPr>
+            <a:spLocks noGrp="1"/>
+          </p:cNvSpPr>
+          <p:nvPr>
+            <p:ph type="title"/>
+          </p:nvPr>
+        </p:nvSpPr>
+        <p:spPr>
+          <a:xfrm>
+            <a:off x="261257" y="177282"/>
+            <a:ext cx="11681928" cy="1007707"/>
+          </a:xfrm>
+        </p:spPr>
+        <p:txBody>
+          <a:bodyPr/>
+          <a:lstStyle/>
+          <a:p>
+            <a:r>
+              <a:rPr lang="es-ES" dirty="0">
+                <a:solidFill>
+                  <a:schemeClr val="bg1"/>
+                </a:solidFill>
+                <a:latin typeface="Times New Roman" panose="02020603050405020304" pitchFamily="18" charset="0"/>
+                <a:cs typeface="Times New Roman" panose="02020603050405020304" pitchFamily="18" charset="0"/>
+              </a:rPr>
+              <a:t>Sistema desarrollado - Panel de Administración (I)</a:t>
+            </a:r>
+          </a:p>
+        </p:txBody>
+      </p:sp>
+      <p:pic>
+        <p:nvPicPr>
+          <p:cNvPr id="5" name="1 Imagen">
+            <a:extLst>
+              <a:ext uri="{FF2B5EF4-FFF2-40B4-BE49-F238E27FC236}">
+                <a16:creationId xmlns:a16="http://schemas.microsoft.com/office/drawing/2014/main" id="{084F03C4-1B7D-458F-BB20-BD1ABFD64517}"/>
+              </a:ext>
+            </a:extLst>
+          </p:cNvPr>
+          <p:cNvPicPr/>
+          <p:nvPr/>
+        </p:nvPicPr>
+        <p:blipFill>
+          <a:blip r:embed="rId3">
+            <a:extLst>
+              <a:ext uri="{28A0092B-C50C-407E-A947-70E740481C1C}">
+                <a14:useLocalDpi xmlns:a14="http://schemas.microsoft.com/office/drawing/2010/main" val="0"/>
+              </a:ext>
+            </a:extLst>
+          </a:blip>
+          <a:srcRect/>
+          <a:stretch>
+            <a:fillRect/>
+          </a:stretch>
+        </p:blipFill>
+        <p:spPr bwMode="auto">
+          <a:xfrm>
+            <a:off x="4581525" y="5857479"/>
+            <a:ext cx="3028950" cy="960120"/>
+          </a:xfrm>
+          <a:prstGeom prst="rect">
+            <a:avLst/>
+          </a:prstGeom>
+          <a:noFill/>
+          <a:ln>
+            <a:noFill/>
+          </a:ln>
+        </p:spPr>
+      </p:pic>
+      <p:sp>
+        <p:nvSpPr>
+          <p:cNvPr id="3" name="Marcador de contenido 2">
+            <a:extLst>
+              <a:ext uri="{FF2B5EF4-FFF2-40B4-BE49-F238E27FC236}">
+                <a16:creationId xmlns:a16="http://schemas.microsoft.com/office/drawing/2014/main" id="{0B82F09F-B945-4235-BEF5-E7B272FC42F8}"/>
+              </a:ext>
+            </a:extLst>
+          </p:cNvPr>
+          <p:cNvSpPr>
+            <a:spLocks noGrp="1"/>
+          </p:cNvSpPr>
+          <p:nvPr>
+            <p:ph idx="1"/>
+          </p:nvPr>
+        </p:nvSpPr>
+        <p:spPr/>
+        <p:txBody>
+          <a:bodyPr>
+            <a:normAutofit/>
+          </a:bodyPr>
+          <a:lstStyle/>
+          <a:p>
+            <a:pPr marL="0" indent="0">
+              <a:buNone/>
+            </a:pPr>
+            <a:r>
+              <a:rPr lang="es-ES" dirty="0">
+                <a:latin typeface="Times New Roman" panose="02020603050405020304" pitchFamily="18" charset="0"/>
+                <a:cs typeface="Times New Roman" panose="02020603050405020304" pitchFamily="18" charset="0"/>
+              </a:rPr>
+              <a:t>El funcionamiento del sistema sigue el siguiente patrón:</a:t>
+            </a:r>
+          </a:p>
+          <a:p>
+            <a:r>
+              <a:rPr lang="es-ES" dirty="0">
+                <a:latin typeface="Times New Roman" panose="02020603050405020304" pitchFamily="18" charset="0"/>
+                <a:cs typeface="Times New Roman" panose="02020603050405020304" pitchFamily="18" charset="0"/>
+              </a:rPr>
+              <a:t>El administrador hace </a:t>
+            </a:r>
+            <a:r>
+              <a:rPr lang="es-ES" dirty="0" err="1">
+                <a:latin typeface="Times New Roman" panose="02020603050405020304" pitchFamily="18" charset="0"/>
+                <a:cs typeface="Times New Roman" panose="02020603050405020304" pitchFamily="18" charset="0"/>
+              </a:rPr>
+              <a:t>login</a:t>
+            </a:r>
+            <a:r>
+              <a:rPr lang="es-ES" dirty="0">
+                <a:latin typeface="Times New Roman" panose="02020603050405020304" pitchFamily="18" charset="0"/>
+                <a:cs typeface="Times New Roman" panose="02020603050405020304" pitchFamily="18" charset="0"/>
+              </a:rPr>
+              <a:t> en la aplicación (sólo se permite entrar a usuarios con permisos de administración).</a:t>
+            </a:r>
+          </a:p>
+          <a:p>
+            <a:r>
+              <a:rPr lang="es-ES" dirty="0">
+                <a:latin typeface="Times New Roman" panose="02020603050405020304" pitchFamily="18" charset="0"/>
+                <a:cs typeface="Times New Roman" panose="02020603050405020304" pitchFamily="18" charset="0"/>
+              </a:rPr>
+              <a:t>Se escoge una acción a realizar (crear, eliminar, consultar) sobre un tipo de datos (empleados, horarios, registros de asistencia).</a:t>
+            </a:r>
+          </a:p>
+          <a:p>
+            <a:r>
+              <a:rPr lang="es-ES" dirty="0">
+                <a:latin typeface="Times New Roman" panose="02020603050405020304" pitchFamily="18" charset="0"/>
+                <a:cs typeface="Times New Roman" panose="02020603050405020304" pitchFamily="18" charset="0"/>
+              </a:rPr>
+              <a:t>El administrador rellena un formulario.</a:t>
+            </a:r>
+          </a:p>
+          <a:p>
+            <a:r>
+              <a:rPr lang="es-ES" dirty="0">
+                <a:latin typeface="Times New Roman" panose="02020603050405020304" pitchFamily="18" charset="0"/>
+                <a:cs typeface="Times New Roman" panose="02020603050405020304" pitchFamily="18" charset="0"/>
+              </a:rPr>
+              <a:t>La aplicación envía los datos al servidor HTTP.</a:t>
+            </a:r>
+          </a:p>
+          <a:p>
+            <a:r>
+              <a:rPr lang="es-ES" dirty="0">
+                <a:latin typeface="Times New Roman" panose="02020603050405020304" pitchFamily="18" charset="0"/>
+                <a:cs typeface="Times New Roman" panose="02020603050405020304" pitchFamily="18" charset="0"/>
+              </a:rPr>
+              <a:t>Se le muestra al usuario la respuesta del servidor para notificarle del resultado de la acción.</a:t>
+            </a:r>
+          </a:p>
+        </p:txBody>
+      </p:sp>
+    </p:spTree>
+    <p:extLst>
+      <p:ext uri="{BB962C8B-B14F-4D97-AF65-F5344CB8AC3E}">
+        <p14:creationId xmlns:p14="http://schemas.microsoft.com/office/powerpoint/2010/main" val="3346725158"/>
+      </p:ext>
+    </p:extLst>
+  </p:cSld>
+  <p:clrMapOvr>
+    <a:masterClrMapping/>
+  </p:clrMapOvr>
+</p:sld>
+</file>
+
+<file path=ppt/slides/slide37.xml><?xml version="1.0" encoding="utf-8"?>
+<p:sld xmlns:a="http://schemas.openxmlformats.org/drawingml/2006/main" xmlns:r="http://schemas.openxmlformats.org/officeDocument/2006/relationships" xmlns:p="http://schemas.openxmlformats.org/presentationml/2006/main">
+  <p:cSld>
+    <p:bg>
+      <p:bgPr>
+        <a:solidFill>
+          <a:schemeClr val="accent1">
+            <a:lumMod val="75000"/>
+          </a:schemeClr>
+        </a:solidFill>
+        <a:effectLst/>
+      </p:bgPr>
+    </p:bg>
+    <p:spTree>
+      <p:nvGrpSpPr>
+        <p:cNvPr id="1" name=""/>
+        <p:cNvGrpSpPr/>
+        <p:nvPr/>
+      </p:nvGrpSpPr>
+      <p:grpSpPr>
+        <a:xfrm>
+          <a:off x="0" y="0"/>
+          <a:ext cx="0" cy="0"/>
+          <a:chOff x="0" y="0"/>
+          <a:chExt cx="0" cy="0"/>
+        </a:xfrm>
+      </p:grpSpPr>
+      <p:sp>
+        <p:nvSpPr>
+          <p:cNvPr id="2" name="Título 1">
+            <a:extLst>
+              <a:ext uri="{FF2B5EF4-FFF2-40B4-BE49-F238E27FC236}">
+                <a16:creationId xmlns:a16="http://schemas.microsoft.com/office/drawing/2014/main" id="{0BD4FDD0-F4A4-4733-AD52-D9822A8D785D}"/>
+              </a:ext>
+            </a:extLst>
+          </p:cNvPr>
+          <p:cNvSpPr>
+            <a:spLocks noGrp="1"/>
+          </p:cNvSpPr>
+          <p:nvPr>
+            <p:ph type="ctrTitle"/>
+          </p:nvPr>
+        </p:nvSpPr>
+        <p:spPr>
+          <a:xfrm>
+            <a:off x="1524000" y="3025451"/>
+            <a:ext cx="9144000" cy="807097"/>
+          </a:xfrm>
+        </p:spPr>
+        <p:txBody>
+          <a:bodyPr>
+            <a:noAutofit/>
+          </a:bodyPr>
+          <a:lstStyle/>
+          <a:p>
+            <a:r>
+              <a:rPr lang="es-ES" sz="5400" dirty="0">
+                <a:solidFill>
+                  <a:schemeClr val="bg1"/>
+                </a:solidFill>
+                <a:latin typeface="Times New Roman" panose="02020603050405020304" pitchFamily="18" charset="0"/>
+                <a:cs typeface="Times New Roman" panose="02020603050405020304" pitchFamily="18" charset="0"/>
+              </a:rPr>
+              <a:t>Conclusiones y trabajo futuro</a:t>
+            </a:r>
+          </a:p>
+        </p:txBody>
+      </p:sp>
+    </p:spTree>
+    <p:extLst>
+      <p:ext uri="{BB962C8B-B14F-4D97-AF65-F5344CB8AC3E}">
+        <p14:creationId xmlns:p14="http://schemas.microsoft.com/office/powerpoint/2010/main" val="2634875582"/>
+      </p:ext>
+    </p:extLst>
+  </p:cSld>
+  <p:clrMapOvr>
+    <a:masterClrMapping/>
+  </p:clrMapOvr>
+</p:sld>
+</file>
+
+<file path=ppt/slides/slide38.xml><?xml version="1.0" encoding="utf-8"?>
+<p:sld xmlns:a="http://schemas.openxmlformats.org/drawingml/2006/main" xmlns:r="http://schemas.openxmlformats.org/officeDocument/2006/relationships" xmlns:p="http://schemas.openxmlformats.org/presentationml/2006/main">
+  <p:cSld>
+    <p:bg>
+      <p:bgPr>
+        <a:solidFill>
+          <a:schemeClr val="accent1">
+            <a:lumMod val="75000"/>
+          </a:schemeClr>
+        </a:solidFill>
+        <a:effectLst/>
+      </p:bgPr>
+    </p:bg>
+    <p:spTree>
+      <p:nvGrpSpPr>
+        <p:cNvPr id="1" name=""/>
+        <p:cNvGrpSpPr/>
+        <p:nvPr/>
+      </p:nvGrpSpPr>
+      <p:grpSpPr>
+        <a:xfrm>
+          <a:off x="0" y="0"/>
+          <a:ext cx="0" cy="0"/>
+          <a:chOff x="0" y="0"/>
+          <a:chExt cx="0" cy="0"/>
+        </a:xfrm>
+      </p:grpSpPr>
+      <p:sp>
+        <p:nvSpPr>
+          <p:cNvPr id="4" name="Rectángulo 3">
+            <a:extLst>
+              <a:ext uri="{FF2B5EF4-FFF2-40B4-BE49-F238E27FC236}">
+                <a16:creationId xmlns:a16="http://schemas.microsoft.com/office/drawing/2014/main" id="{E2B637AF-C465-4CBB-85A1-ABF8D288CB7F}"/>
+              </a:ext>
+            </a:extLst>
+          </p:cNvPr>
+          <p:cNvSpPr/>
+          <p:nvPr/>
+        </p:nvSpPr>
+        <p:spPr>
+          <a:xfrm>
+            <a:off x="0" y="1184988"/>
+            <a:ext cx="12192000" cy="5673012"/>
+          </a:xfrm>
+          <a:prstGeom prst="rect">
+            <a:avLst/>
+          </a:prstGeom>
+          <a:solidFill>
+            <a:schemeClr val="bg1"/>
+          </a:solidFill>
+        </p:spPr>
+        <p:style>
+          <a:lnRef idx="2">
+            <a:schemeClr val="accent1">
+              <a:shade val="50000"/>
+            </a:schemeClr>
+          </a:lnRef>
+          <a:fillRef idx="1">
+            <a:schemeClr val="accent1"/>
+          </a:fillRef>
+          <a:effectRef idx="0">
+            <a:schemeClr val="accent1"/>
+          </a:effectRef>
+          <a:fontRef idx="minor">
+            <a:schemeClr val="lt1"/>
+          </a:fontRef>
+        </p:style>
+        <p:txBody>
+          <a:bodyPr rtlCol="0" anchor="ctr"/>
+          <a:lstStyle/>
+          <a:p>
+            <a:pPr algn="ctr"/>
+            <a:endParaRPr lang="en-GB" dirty="0"/>
+          </a:p>
+        </p:txBody>
+      </p:sp>
+      <p:sp>
+        <p:nvSpPr>
+          <p:cNvPr id="2" name="Título 1">
+            <a:extLst>
+              <a:ext uri="{FF2B5EF4-FFF2-40B4-BE49-F238E27FC236}">
+                <a16:creationId xmlns:a16="http://schemas.microsoft.com/office/drawing/2014/main" id="{7C060354-1C62-4255-AC9F-816FB2F65B70}"/>
+              </a:ext>
+            </a:extLst>
+          </p:cNvPr>
+          <p:cNvSpPr>
+            <a:spLocks noGrp="1"/>
+          </p:cNvSpPr>
+          <p:nvPr>
+            <p:ph type="title"/>
+          </p:nvPr>
+        </p:nvSpPr>
+        <p:spPr>
+          <a:xfrm>
+            <a:off x="261257" y="177282"/>
+            <a:ext cx="11681928" cy="1007707"/>
+          </a:xfrm>
+        </p:spPr>
+        <p:txBody>
+          <a:bodyPr/>
+          <a:lstStyle/>
+          <a:p>
+            <a:r>
+              <a:rPr lang="es-ES" dirty="0">
+                <a:solidFill>
+                  <a:schemeClr val="bg1"/>
+                </a:solidFill>
+                <a:latin typeface="Times New Roman" panose="02020603050405020304" pitchFamily="18" charset="0"/>
+                <a:cs typeface="Times New Roman" panose="02020603050405020304" pitchFamily="18" charset="0"/>
+              </a:rPr>
+              <a:t>Conclusiones</a:t>
+            </a:r>
+          </a:p>
+        </p:txBody>
+      </p:sp>
+      <p:pic>
+        <p:nvPicPr>
+          <p:cNvPr id="5" name="1 Imagen">
+            <a:extLst>
+              <a:ext uri="{FF2B5EF4-FFF2-40B4-BE49-F238E27FC236}">
+                <a16:creationId xmlns:a16="http://schemas.microsoft.com/office/drawing/2014/main" id="{084F03C4-1B7D-458F-BB20-BD1ABFD64517}"/>
+              </a:ext>
+            </a:extLst>
+          </p:cNvPr>
+          <p:cNvPicPr/>
+          <p:nvPr/>
+        </p:nvPicPr>
+        <p:blipFill>
+          <a:blip r:embed="rId3">
+            <a:extLst>
+              <a:ext uri="{28A0092B-C50C-407E-A947-70E740481C1C}">
+                <a14:useLocalDpi xmlns:a14="http://schemas.microsoft.com/office/drawing/2010/main" val="0"/>
+              </a:ext>
+            </a:extLst>
+          </a:blip>
+          <a:srcRect/>
+          <a:stretch>
+            <a:fillRect/>
+          </a:stretch>
+        </p:blipFill>
+        <p:spPr bwMode="auto">
+          <a:xfrm>
+            <a:off x="4581525" y="5857479"/>
+            <a:ext cx="3028950" cy="960120"/>
+          </a:xfrm>
+          <a:prstGeom prst="rect">
+            <a:avLst/>
+          </a:prstGeom>
+          <a:noFill/>
+          <a:ln>
+            <a:noFill/>
+          </a:ln>
+        </p:spPr>
+      </p:pic>
+      <p:sp>
+        <p:nvSpPr>
+          <p:cNvPr id="3" name="Marcador de contenido 2">
+            <a:extLst>
+              <a:ext uri="{FF2B5EF4-FFF2-40B4-BE49-F238E27FC236}">
+                <a16:creationId xmlns:a16="http://schemas.microsoft.com/office/drawing/2014/main" id="{0B82F09F-B945-4235-BEF5-E7B272FC42F8}"/>
+              </a:ext>
+            </a:extLst>
+          </p:cNvPr>
+          <p:cNvSpPr>
+            <a:spLocks noGrp="1"/>
+          </p:cNvSpPr>
+          <p:nvPr>
+            <p:ph idx="1"/>
+          </p:nvPr>
+        </p:nvSpPr>
+        <p:spPr/>
+        <p:txBody>
+          <a:bodyPr>
+            <a:normAutofit/>
+          </a:bodyPr>
+          <a:lstStyle/>
+          <a:p>
+            <a:pPr marL="0" indent="0">
+              <a:buNone/>
+            </a:pPr>
+            <a:r>
+              <a:rPr lang="es-ES" dirty="0">
+                <a:latin typeface="Times New Roman" panose="02020603050405020304" pitchFamily="18" charset="0"/>
+                <a:cs typeface="Times New Roman" panose="02020603050405020304" pitchFamily="18" charset="0"/>
+              </a:rPr>
+              <a:t>Como conclusiones finales del proyecto:</a:t>
+            </a:r>
+          </a:p>
+          <a:p>
+            <a:r>
+              <a:rPr lang="es-ES" dirty="0">
+                <a:latin typeface="Times New Roman" panose="02020603050405020304" pitchFamily="18" charset="0"/>
+                <a:cs typeface="Times New Roman" panose="02020603050405020304" pitchFamily="18" charset="0"/>
+              </a:rPr>
+              <a:t>La combinación de NFC y Android permite la creación de sistemas robustos y sin costes adicionales de NFC (lectores, etiquetas…).</a:t>
+            </a:r>
+          </a:p>
+          <a:p>
+            <a:r>
+              <a:rPr lang="es-ES" dirty="0">
+                <a:latin typeface="Times New Roman" panose="02020603050405020304" pitchFamily="18" charset="0"/>
+                <a:cs typeface="Times New Roman" panose="02020603050405020304" pitchFamily="18" charset="0"/>
+              </a:rPr>
+              <a:t>La implementación de un emulador de etiquetas nos permite obviar el uso de etiquetas físicas, aunque deja la puerta abierta a su uso.</a:t>
+            </a:r>
+          </a:p>
+          <a:p>
+            <a:r>
+              <a:rPr lang="es-ES" dirty="0">
+                <a:latin typeface="Times New Roman" panose="02020603050405020304" pitchFamily="18" charset="0"/>
+                <a:cs typeface="Times New Roman" panose="02020603050405020304" pitchFamily="18" charset="0"/>
+              </a:rPr>
+              <a:t>Cumplidos los objetivos iniciales para el proyecto.</a:t>
+            </a:r>
+          </a:p>
+          <a:p>
+            <a:r>
+              <a:rPr lang="es-ES" dirty="0">
+                <a:latin typeface="Times New Roman" panose="02020603050405020304" pitchFamily="18" charset="0"/>
+                <a:cs typeface="Times New Roman" panose="02020603050405020304" pitchFamily="18" charset="0"/>
+              </a:rPr>
+              <a:t>Gran modularidad del sistema permite una futura expansión.</a:t>
+            </a:r>
+          </a:p>
+        </p:txBody>
+      </p:sp>
+    </p:spTree>
+    <p:extLst>
+      <p:ext uri="{BB962C8B-B14F-4D97-AF65-F5344CB8AC3E}">
+        <p14:creationId xmlns:p14="http://schemas.microsoft.com/office/powerpoint/2010/main" val="2962350624"/>
+      </p:ext>
+    </p:extLst>
+  </p:cSld>
+  <p:clrMapOvr>
+    <a:masterClrMapping/>
+  </p:clrMapOvr>
+</p:sld>
+</file>
+
+<file path=ppt/slides/slide39.xml><?xml version="1.0" encoding="utf-8"?>
+<p:sld xmlns:a="http://schemas.openxmlformats.org/drawingml/2006/main" xmlns:r="http://schemas.openxmlformats.org/officeDocument/2006/relationships" xmlns:p="http://schemas.openxmlformats.org/presentationml/2006/main">
+  <p:cSld>
+    <p:bg>
+      <p:bgPr>
+        <a:solidFill>
+          <a:schemeClr val="accent1">
+            <a:lumMod val="75000"/>
+          </a:schemeClr>
+        </a:solidFill>
+        <a:effectLst/>
+      </p:bgPr>
+    </p:bg>
+    <p:spTree>
+      <p:nvGrpSpPr>
+        <p:cNvPr id="1" name=""/>
+        <p:cNvGrpSpPr/>
+        <p:nvPr/>
+      </p:nvGrpSpPr>
+      <p:grpSpPr>
+        <a:xfrm>
+          <a:off x="0" y="0"/>
+          <a:ext cx="0" cy="0"/>
+          <a:chOff x="0" y="0"/>
+          <a:chExt cx="0" cy="0"/>
+        </a:xfrm>
+      </p:grpSpPr>
+      <p:sp>
+        <p:nvSpPr>
+          <p:cNvPr id="4" name="Rectángulo 3">
+            <a:extLst>
+              <a:ext uri="{FF2B5EF4-FFF2-40B4-BE49-F238E27FC236}">
+                <a16:creationId xmlns:a16="http://schemas.microsoft.com/office/drawing/2014/main" id="{E2B637AF-C465-4CBB-85A1-ABF8D288CB7F}"/>
+              </a:ext>
+            </a:extLst>
+          </p:cNvPr>
+          <p:cNvSpPr/>
+          <p:nvPr/>
+        </p:nvSpPr>
+        <p:spPr>
+          <a:xfrm>
+            <a:off x="0" y="1184988"/>
+            <a:ext cx="12192000" cy="5673012"/>
+          </a:xfrm>
+          <a:prstGeom prst="rect">
+            <a:avLst/>
+          </a:prstGeom>
+          <a:solidFill>
+            <a:schemeClr val="bg1"/>
+          </a:solidFill>
+        </p:spPr>
+        <p:style>
+          <a:lnRef idx="2">
+            <a:schemeClr val="accent1">
+              <a:shade val="50000"/>
+            </a:schemeClr>
+          </a:lnRef>
+          <a:fillRef idx="1">
+            <a:schemeClr val="accent1"/>
+          </a:fillRef>
+          <a:effectRef idx="0">
+            <a:schemeClr val="accent1"/>
+          </a:effectRef>
+          <a:fontRef idx="minor">
+            <a:schemeClr val="lt1"/>
+          </a:fontRef>
+        </p:style>
+        <p:txBody>
+          <a:bodyPr rtlCol="0" anchor="ctr"/>
+          <a:lstStyle/>
+          <a:p>
+            <a:pPr algn="ctr"/>
+            <a:endParaRPr lang="en-GB" dirty="0"/>
+          </a:p>
+        </p:txBody>
+      </p:sp>
+      <p:sp>
+        <p:nvSpPr>
+          <p:cNvPr id="2" name="Título 1">
+            <a:extLst>
+              <a:ext uri="{FF2B5EF4-FFF2-40B4-BE49-F238E27FC236}">
+                <a16:creationId xmlns:a16="http://schemas.microsoft.com/office/drawing/2014/main" id="{7C060354-1C62-4255-AC9F-816FB2F65B70}"/>
+              </a:ext>
+            </a:extLst>
+          </p:cNvPr>
+          <p:cNvSpPr>
+            <a:spLocks noGrp="1"/>
+          </p:cNvSpPr>
+          <p:nvPr>
+            <p:ph type="title"/>
+          </p:nvPr>
+        </p:nvSpPr>
+        <p:spPr>
+          <a:xfrm>
+            <a:off x="261257" y="177282"/>
+            <a:ext cx="11681928" cy="1007707"/>
+          </a:xfrm>
+        </p:spPr>
+        <p:txBody>
+          <a:bodyPr/>
+          <a:lstStyle/>
+          <a:p>
+            <a:r>
+              <a:rPr lang="es-ES" dirty="0">
+                <a:solidFill>
+                  <a:schemeClr val="bg1"/>
+                </a:solidFill>
+                <a:latin typeface="Times New Roman" panose="02020603050405020304" pitchFamily="18" charset="0"/>
+                <a:cs typeface="Times New Roman" panose="02020603050405020304" pitchFamily="18" charset="0"/>
+              </a:rPr>
+              <a:t>Trabajo futuro</a:t>
+            </a:r>
+          </a:p>
+        </p:txBody>
+      </p:sp>
+      <p:pic>
+        <p:nvPicPr>
+          <p:cNvPr id="5" name="1 Imagen">
+            <a:extLst>
+              <a:ext uri="{FF2B5EF4-FFF2-40B4-BE49-F238E27FC236}">
+                <a16:creationId xmlns:a16="http://schemas.microsoft.com/office/drawing/2014/main" id="{084F03C4-1B7D-458F-BB20-BD1ABFD64517}"/>
+              </a:ext>
+            </a:extLst>
+          </p:cNvPr>
+          <p:cNvPicPr/>
+          <p:nvPr/>
+        </p:nvPicPr>
+        <p:blipFill>
+          <a:blip r:embed="rId3">
+            <a:extLst>
+              <a:ext uri="{28A0092B-C50C-407E-A947-70E740481C1C}">
+                <a14:useLocalDpi xmlns:a14="http://schemas.microsoft.com/office/drawing/2010/main" val="0"/>
+              </a:ext>
+            </a:extLst>
+          </a:blip>
+          <a:srcRect/>
+          <a:stretch>
+            <a:fillRect/>
+          </a:stretch>
+        </p:blipFill>
+        <p:spPr bwMode="auto">
+          <a:xfrm>
+            <a:off x="4581525" y="5857479"/>
+            <a:ext cx="3028950" cy="960120"/>
+          </a:xfrm>
+          <a:prstGeom prst="rect">
+            <a:avLst/>
+          </a:prstGeom>
+          <a:noFill/>
+          <a:ln>
+            <a:noFill/>
+          </a:ln>
+        </p:spPr>
+      </p:pic>
+      <p:sp>
+        <p:nvSpPr>
+          <p:cNvPr id="3" name="Marcador de contenido 2">
+            <a:extLst>
+              <a:ext uri="{FF2B5EF4-FFF2-40B4-BE49-F238E27FC236}">
+                <a16:creationId xmlns:a16="http://schemas.microsoft.com/office/drawing/2014/main" id="{0B82F09F-B945-4235-BEF5-E7B272FC42F8}"/>
+              </a:ext>
+            </a:extLst>
+          </p:cNvPr>
+          <p:cNvSpPr>
+            <a:spLocks noGrp="1"/>
+          </p:cNvSpPr>
+          <p:nvPr>
+            <p:ph idx="1"/>
+          </p:nvPr>
+        </p:nvSpPr>
+        <p:spPr/>
+        <p:txBody>
+          <a:bodyPr>
+            <a:normAutofit/>
+          </a:bodyPr>
+          <a:lstStyle/>
+          <a:p>
+            <a:pPr marL="0" indent="0">
+              <a:buNone/>
+            </a:pPr>
+            <a:r>
+              <a:rPr lang="es-ES" dirty="0">
+                <a:latin typeface="Times New Roman" panose="02020603050405020304" pitchFamily="18" charset="0"/>
+                <a:cs typeface="Times New Roman" panose="02020603050405020304" pitchFamily="18" charset="0"/>
+              </a:rPr>
+              <a:t>De cara al futuro, se podrían considerar los siguientes puntos:</a:t>
+            </a:r>
+          </a:p>
+          <a:p>
+            <a:r>
+              <a:rPr lang="es-ES" dirty="0">
+                <a:latin typeface="Times New Roman" panose="02020603050405020304" pitchFamily="18" charset="0"/>
+                <a:cs typeface="Times New Roman" panose="02020603050405020304" pitchFamily="18" charset="0"/>
+              </a:rPr>
+              <a:t>Implementación de protocolos de seguridad a varios niveles:</a:t>
+            </a:r>
+          </a:p>
+          <a:p>
+            <a:pPr lvl="1"/>
+            <a:r>
+              <a:rPr lang="es-ES" dirty="0">
+                <a:latin typeface="Times New Roman" panose="02020603050405020304" pitchFamily="18" charset="0"/>
+                <a:cs typeface="Times New Roman" panose="02020603050405020304" pitchFamily="18" charset="0"/>
+              </a:rPr>
+              <a:t>Uso del protocolo HTTPS para comunicaciones.</a:t>
+            </a:r>
+          </a:p>
+          <a:p>
+            <a:pPr lvl="1"/>
+            <a:r>
+              <a:rPr lang="es-ES" dirty="0">
+                <a:latin typeface="Times New Roman" panose="02020603050405020304" pitchFamily="18" charset="0"/>
+                <a:cs typeface="Times New Roman" panose="02020603050405020304" pitchFamily="18" charset="0"/>
+              </a:rPr>
+              <a:t>Encriptación de la base de datos.</a:t>
+            </a:r>
+          </a:p>
+          <a:p>
+            <a:pPr lvl="1"/>
+            <a:r>
+              <a:rPr lang="es-ES" dirty="0">
+                <a:latin typeface="Times New Roman" panose="02020603050405020304" pitchFamily="18" charset="0"/>
+                <a:cs typeface="Times New Roman" panose="02020603050405020304" pitchFamily="18" charset="0"/>
+              </a:rPr>
+              <a:t>Crear una aplicación de gestión de tokens de autenticación para las peticiones de la API </a:t>
+            </a:r>
+            <a:r>
+              <a:rPr lang="es-ES" dirty="0" err="1">
+                <a:latin typeface="Times New Roman" panose="02020603050405020304" pitchFamily="18" charset="0"/>
+                <a:cs typeface="Times New Roman" panose="02020603050405020304" pitchFamily="18" charset="0"/>
+              </a:rPr>
+              <a:t>ReST</a:t>
+            </a:r>
+            <a:r>
+              <a:rPr lang="es-ES" dirty="0">
+                <a:latin typeface="Times New Roman" panose="02020603050405020304" pitchFamily="18" charset="0"/>
+                <a:cs typeface="Times New Roman" panose="02020603050405020304" pitchFamily="18" charset="0"/>
+              </a:rPr>
+              <a:t>.</a:t>
+            </a:r>
+          </a:p>
+          <a:p>
+            <a:r>
+              <a:rPr lang="es-ES" dirty="0">
+                <a:latin typeface="Times New Roman" panose="02020603050405020304" pitchFamily="18" charset="0"/>
+                <a:cs typeface="Times New Roman" panose="02020603050405020304" pitchFamily="18" charset="0"/>
+              </a:rPr>
+              <a:t>Uso de otro servidor HTTP más robusto que el que viene por defecto con </a:t>
+            </a:r>
+            <a:r>
+              <a:rPr lang="es-ES" dirty="0" err="1">
+                <a:latin typeface="Times New Roman" panose="02020603050405020304" pitchFamily="18" charset="0"/>
+                <a:cs typeface="Times New Roman" panose="02020603050405020304" pitchFamily="18" charset="0"/>
+              </a:rPr>
+              <a:t>Flask</a:t>
+            </a:r>
+            <a:r>
+              <a:rPr lang="es-ES" dirty="0">
+                <a:latin typeface="Times New Roman" panose="02020603050405020304" pitchFamily="18" charset="0"/>
+                <a:cs typeface="Times New Roman" panose="02020603050405020304" pitchFamily="18" charset="0"/>
+              </a:rPr>
+              <a:t>.</a:t>
+            </a:r>
+          </a:p>
+          <a:p>
+            <a:r>
+              <a:rPr lang="es-ES" dirty="0">
+                <a:latin typeface="Times New Roman" panose="02020603050405020304" pitchFamily="18" charset="0"/>
+                <a:cs typeface="Times New Roman" panose="02020603050405020304" pitchFamily="18" charset="0"/>
+              </a:rPr>
+              <a:t>Implementación de otras funcionalidades en función de las necesidades del cliente.</a:t>
+            </a:r>
+          </a:p>
+        </p:txBody>
+      </p:sp>
+    </p:spTree>
+    <p:extLst>
+      <p:ext uri="{BB962C8B-B14F-4D97-AF65-F5344CB8AC3E}">
+        <p14:creationId xmlns:p14="http://schemas.microsoft.com/office/powerpoint/2010/main" val="1029547695"/>
+      </p:ext>
+    </p:extLst>
+  </p:cSld>
+  <p:clrMapOvr>
+    <a:masterClrMapping/>
+  </p:clrMapOvr>
+</p:sld>
+</file>
+
+<file path=ppt/slides/slide4.xml><?xml version="1.0" encoding="utf-8"?>
+<p:sld xmlns:a="http://schemas.openxmlformats.org/drawingml/2006/main" xmlns:r="http://schemas.openxmlformats.org/officeDocument/2006/relationships" xmlns:p="http://schemas.openxmlformats.org/presentationml/2006/main">
+  <p:cSld>
+    <p:bg>
+      <p:bgPr>
+        <a:solidFill>
+          <a:schemeClr val="accent1">
+            <a:lumMod val="75000"/>
+          </a:schemeClr>
+        </a:solidFill>
+        <a:effectLst/>
+      </p:bgPr>
+    </p:bg>
+    <p:spTree>
+      <p:nvGrpSpPr>
+        <p:cNvPr id="1" name=""/>
+        <p:cNvGrpSpPr/>
+        <p:nvPr/>
+      </p:nvGrpSpPr>
+      <p:grpSpPr>
+        <a:xfrm>
+          <a:off x="0" y="0"/>
+          <a:ext cx="0" cy="0"/>
+          <a:chOff x="0" y="0"/>
+          <a:chExt cx="0" cy="0"/>
+        </a:xfrm>
+      </p:grpSpPr>
+      <p:sp>
+        <p:nvSpPr>
+          <p:cNvPr id="4" name="Rectángulo 3">
+            <a:extLst>
+              <a:ext uri="{FF2B5EF4-FFF2-40B4-BE49-F238E27FC236}">
+                <a16:creationId xmlns:a16="http://schemas.microsoft.com/office/drawing/2014/main" id="{E2B637AF-C465-4CBB-85A1-ABF8D288CB7F}"/>
+              </a:ext>
+            </a:extLst>
+          </p:cNvPr>
+          <p:cNvSpPr/>
+          <p:nvPr/>
+        </p:nvSpPr>
+        <p:spPr>
+          <a:xfrm>
+            <a:off x="0" y="1184988"/>
+            <a:ext cx="12192000" cy="5673012"/>
+          </a:xfrm>
+          <a:prstGeom prst="rect">
+            <a:avLst/>
+          </a:prstGeom>
+          <a:solidFill>
+            <a:schemeClr val="bg1"/>
+          </a:solidFill>
+        </p:spPr>
+        <p:style>
+          <a:lnRef idx="2">
+            <a:schemeClr val="accent1">
+              <a:shade val="50000"/>
+            </a:schemeClr>
+          </a:lnRef>
+          <a:fillRef idx="1">
+            <a:schemeClr val="accent1"/>
+          </a:fillRef>
+          <a:effectRef idx="0">
+            <a:schemeClr val="accent1"/>
+          </a:effectRef>
+          <a:fontRef idx="minor">
+            <a:schemeClr val="lt1"/>
+          </a:fontRef>
+        </p:style>
+        <p:txBody>
+          <a:bodyPr rtlCol="0" anchor="ctr"/>
+          <a:lstStyle/>
+          <a:p>
+            <a:pPr algn="ctr"/>
+            <a:endParaRPr lang="en-GB"/>
+          </a:p>
+        </p:txBody>
+      </p:sp>
+      <p:sp>
+        <p:nvSpPr>
+          <p:cNvPr id="2" name="Título 1">
+            <a:extLst>
+              <a:ext uri="{FF2B5EF4-FFF2-40B4-BE49-F238E27FC236}">
+                <a16:creationId xmlns:a16="http://schemas.microsoft.com/office/drawing/2014/main" id="{7C060354-1C62-4255-AC9F-816FB2F65B70}"/>
+              </a:ext>
+            </a:extLst>
+          </p:cNvPr>
+          <p:cNvSpPr>
+            <a:spLocks noGrp="1"/>
+          </p:cNvSpPr>
+          <p:nvPr>
+            <p:ph type="title"/>
+          </p:nvPr>
+        </p:nvSpPr>
+        <p:spPr>
+          <a:xfrm>
+            <a:off x="261257" y="177282"/>
+            <a:ext cx="11681928" cy="1007707"/>
+          </a:xfrm>
+        </p:spPr>
+        <p:txBody>
+          <a:bodyPr/>
+          <a:lstStyle/>
+          <a:p>
+            <a:r>
+              <a:rPr lang="es-ES" dirty="0">
+                <a:solidFill>
+                  <a:schemeClr val="bg1"/>
+                </a:solidFill>
+                <a:latin typeface="Times New Roman" panose="02020603050405020304" pitchFamily="18" charset="0"/>
+                <a:cs typeface="Times New Roman" panose="02020603050405020304" pitchFamily="18" charset="0"/>
+              </a:rPr>
+              <a:t>Introducción</a:t>
+            </a:r>
+          </a:p>
+        </p:txBody>
+      </p:sp>
+      <p:pic>
+        <p:nvPicPr>
+          <p:cNvPr id="5" name="1 Imagen">
+            <a:extLst>
+              <a:ext uri="{FF2B5EF4-FFF2-40B4-BE49-F238E27FC236}">
+                <a16:creationId xmlns:a16="http://schemas.microsoft.com/office/drawing/2014/main" id="{084F03C4-1B7D-458F-BB20-BD1ABFD64517}"/>
+              </a:ext>
+            </a:extLst>
+          </p:cNvPr>
+          <p:cNvPicPr/>
+          <p:nvPr/>
+        </p:nvPicPr>
+        <p:blipFill>
+          <a:blip r:embed="rId2">
+            <a:extLst>
+              <a:ext uri="{28A0092B-C50C-407E-A947-70E740481C1C}">
+                <a14:useLocalDpi xmlns:a14="http://schemas.microsoft.com/office/drawing/2010/main" val="0"/>
+              </a:ext>
+            </a:extLst>
+          </a:blip>
+          <a:srcRect/>
+          <a:stretch>
+            <a:fillRect/>
+          </a:stretch>
+        </p:blipFill>
+        <p:spPr bwMode="auto">
+          <a:xfrm>
+            <a:off x="4581525" y="5857479"/>
+            <a:ext cx="3028950" cy="960120"/>
+          </a:xfrm>
+          <a:prstGeom prst="rect">
+            <a:avLst/>
+          </a:prstGeom>
+          <a:noFill/>
+          <a:ln>
+            <a:noFill/>
+          </a:ln>
+        </p:spPr>
+      </p:pic>
+      <p:sp>
+        <p:nvSpPr>
+          <p:cNvPr id="3" name="Marcador de contenido 2">
+            <a:extLst>
+              <a:ext uri="{FF2B5EF4-FFF2-40B4-BE49-F238E27FC236}">
+                <a16:creationId xmlns:a16="http://schemas.microsoft.com/office/drawing/2014/main" id="{0B82F09F-B945-4235-BEF5-E7B272FC42F8}"/>
+              </a:ext>
+            </a:extLst>
+          </p:cNvPr>
+          <p:cNvSpPr>
+            <a:spLocks noGrp="1"/>
+          </p:cNvSpPr>
+          <p:nvPr>
+            <p:ph idx="1"/>
+          </p:nvPr>
+        </p:nvSpPr>
+        <p:spPr/>
+        <p:txBody>
+          <a:bodyPr/>
+          <a:lstStyle/>
+          <a:p>
+            <a:pPr marL="0" indent="0">
+              <a:buNone/>
+            </a:pPr>
+            <a:r>
+              <a:rPr lang="es-ES" dirty="0">
+                <a:latin typeface="Times New Roman" panose="02020603050405020304" pitchFamily="18" charset="0"/>
+                <a:cs typeface="Times New Roman" panose="02020603050405020304" pitchFamily="18" charset="0"/>
+              </a:rPr>
+              <a:t>La creación de este sistema de gestión de asistencia y horarios de empleados para una empresa se debe a:</a:t>
+            </a:r>
+          </a:p>
+          <a:p>
+            <a:r>
+              <a:rPr lang="es-ES" dirty="0">
+                <a:latin typeface="Times New Roman" panose="02020603050405020304" pitchFamily="18" charset="0"/>
+                <a:cs typeface="Times New Roman" panose="02020603050405020304" pitchFamily="18" charset="0"/>
+              </a:rPr>
+              <a:t>Necesidad de las empresas de controlar la asistencia de sus empleados.</a:t>
+            </a:r>
+          </a:p>
+          <a:p>
+            <a:r>
+              <a:rPr lang="es-ES" dirty="0">
+                <a:latin typeface="Times New Roman" panose="02020603050405020304" pitchFamily="18" charset="0"/>
+                <a:cs typeface="Times New Roman" panose="02020603050405020304" pitchFamily="18" charset="0"/>
+              </a:rPr>
+              <a:t>La tecnología NFC es perfecta gracias a su bajo coste de infraestructura y simplicidad en su uso.</a:t>
+            </a:r>
+          </a:p>
+          <a:p>
+            <a:r>
+              <a:rPr lang="es-ES" dirty="0">
+                <a:latin typeface="Times New Roman" panose="02020603050405020304" pitchFamily="18" charset="0"/>
+                <a:cs typeface="Times New Roman" panose="02020603050405020304" pitchFamily="18" charset="0"/>
+              </a:rPr>
+              <a:t>Nos permite asegurar la presencialidad del empleado.</a:t>
+            </a:r>
+          </a:p>
+          <a:p>
+            <a:r>
+              <a:rPr lang="es-ES" dirty="0">
+                <a:latin typeface="Times New Roman" panose="02020603050405020304" pitchFamily="18" charset="0"/>
+                <a:cs typeface="Times New Roman" panose="02020603050405020304" pitchFamily="18" charset="0"/>
+              </a:rPr>
+              <a:t>Automatización del proceso de fichaje.</a:t>
+            </a:r>
+          </a:p>
+          <a:p>
+            <a:endParaRPr lang="es-ES" dirty="0">
+              <a:latin typeface="Times New Roman" panose="02020603050405020304" pitchFamily="18" charset="0"/>
+              <a:cs typeface="Times New Roman" panose="02020603050405020304" pitchFamily="18" charset="0"/>
+            </a:endParaRPr>
+          </a:p>
+          <a:p>
+            <a:pPr marL="0" indent="0">
+              <a:buNone/>
+            </a:pPr>
+            <a:endParaRPr lang="es-ES" dirty="0">
+              <a:latin typeface="Times New Roman" panose="02020603050405020304" pitchFamily="18" charset="0"/>
+              <a:cs typeface="Times New Roman" panose="02020603050405020304" pitchFamily="18" charset="0"/>
+            </a:endParaRPr>
+          </a:p>
+        </p:txBody>
+      </p:sp>
+    </p:spTree>
+    <p:extLst>
+      <p:ext uri="{BB962C8B-B14F-4D97-AF65-F5344CB8AC3E}">
+        <p14:creationId xmlns:p14="http://schemas.microsoft.com/office/powerpoint/2010/main" val="551382221"/>
+      </p:ext>
+    </p:extLst>
+  </p:cSld>
+  <p:clrMapOvr>
+    <a:masterClrMapping/>
+  </p:clrMapOvr>
+</p:sld>
+</file>
+
+<file path=ppt/slides/slide40.xml><?xml version="1.0" encoding="utf-8"?>
+<p:sld xmlns:a="http://schemas.openxmlformats.org/drawingml/2006/main" xmlns:r="http://schemas.openxmlformats.org/officeDocument/2006/relationships" xmlns:p="http://schemas.openxmlformats.org/presentationml/2006/main">
+  <p:cSld>
+    <p:bg>
+      <p:bgPr>
+        <a:solidFill>
+          <a:schemeClr val="accent1">
+            <a:lumMod val="75000"/>
+          </a:schemeClr>
+        </a:solidFill>
+        <a:effectLst/>
+      </p:bgPr>
+    </p:bg>
+    <p:spTree>
+      <p:nvGrpSpPr>
+        <p:cNvPr id="1" name=""/>
+        <p:cNvGrpSpPr/>
+        <p:nvPr/>
+      </p:nvGrpSpPr>
+      <p:grpSpPr>
+        <a:xfrm>
+          <a:off x="0" y="0"/>
+          <a:ext cx="0" cy="0"/>
+          <a:chOff x="0" y="0"/>
+          <a:chExt cx="0" cy="0"/>
+        </a:xfrm>
+      </p:grpSpPr>
+      <p:sp>
+        <p:nvSpPr>
+          <p:cNvPr id="4" name="Rectángulo 3">
+            <a:extLst>
+              <a:ext uri="{FF2B5EF4-FFF2-40B4-BE49-F238E27FC236}">
+                <a16:creationId xmlns:a16="http://schemas.microsoft.com/office/drawing/2014/main" id="{E2B637AF-C465-4CBB-85A1-ABF8D288CB7F}"/>
+              </a:ext>
+            </a:extLst>
+          </p:cNvPr>
+          <p:cNvSpPr/>
+          <p:nvPr/>
+        </p:nvSpPr>
+        <p:spPr>
+          <a:xfrm>
+            <a:off x="0" y="1184988"/>
+            <a:ext cx="12192000" cy="5673012"/>
+          </a:xfrm>
+          <a:prstGeom prst="rect">
+            <a:avLst/>
+          </a:prstGeom>
+          <a:solidFill>
+            <a:schemeClr val="bg1"/>
+          </a:solidFill>
+        </p:spPr>
+        <p:style>
+          <a:lnRef idx="2">
+            <a:schemeClr val="accent1">
+              <a:shade val="50000"/>
+            </a:schemeClr>
+          </a:lnRef>
+          <a:fillRef idx="1">
+            <a:schemeClr val="accent1"/>
+          </a:fillRef>
+          <a:effectRef idx="0">
+            <a:schemeClr val="accent1"/>
+          </a:effectRef>
+          <a:fontRef idx="minor">
+            <a:schemeClr val="lt1"/>
+          </a:fontRef>
+        </p:style>
+        <p:txBody>
+          <a:bodyPr rtlCol="0" anchor="ctr"/>
+          <a:lstStyle/>
+          <a:p>
+            <a:pPr algn="ctr"/>
+            <a:endParaRPr lang="en-GB"/>
+          </a:p>
+        </p:txBody>
+      </p:sp>
+      <p:sp>
+        <p:nvSpPr>
+          <p:cNvPr id="2" name="Título 1">
+            <a:extLst>
+              <a:ext uri="{FF2B5EF4-FFF2-40B4-BE49-F238E27FC236}">
+                <a16:creationId xmlns:a16="http://schemas.microsoft.com/office/drawing/2014/main" id="{7C060354-1C62-4255-AC9F-816FB2F65B70}"/>
+              </a:ext>
+            </a:extLst>
+          </p:cNvPr>
+          <p:cNvSpPr>
+            <a:spLocks noGrp="1"/>
+          </p:cNvSpPr>
+          <p:nvPr>
+            <p:ph type="title"/>
+          </p:nvPr>
+        </p:nvSpPr>
+        <p:spPr>
+          <a:xfrm>
+            <a:off x="261257" y="177282"/>
+            <a:ext cx="11681928" cy="1007707"/>
+          </a:xfrm>
+        </p:spPr>
+        <p:txBody>
+          <a:bodyPr/>
+          <a:lstStyle/>
+          <a:p>
+            <a:r>
+              <a:rPr lang="es-ES" dirty="0">
+                <a:solidFill>
+                  <a:schemeClr val="bg1"/>
+                </a:solidFill>
+                <a:latin typeface="Times New Roman" panose="02020603050405020304" pitchFamily="18" charset="0"/>
+                <a:cs typeface="Times New Roman" panose="02020603050405020304" pitchFamily="18" charset="0"/>
+              </a:rPr>
+              <a:t>Bibliografía</a:t>
+            </a:r>
+          </a:p>
+        </p:txBody>
+      </p:sp>
+      <p:pic>
+        <p:nvPicPr>
+          <p:cNvPr id="5" name="1 Imagen">
+            <a:extLst>
+              <a:ext uri="{FF2B5EF4-FFF2-40B4-BE49-F238E27FC236}">
+                <a16:creationId xmlns:a16="http://schemas.microsoft.com/office/drawing/2014/main" id="{084F03C4-1B7D-458F-BB20-BD1ABFD64517}"/>
+              </a:ext>
+            </a:extLst>
+          </p:cNvPr>
+          <p:cNvPicPr/>
+          <p:nvPr/>
+        </p:nvPicPr>
+        <p:blipFill>
+          <a:blip r:embed="rId2">
+            <a:extLst>
+              <a:ext uri="{28A0092B-C50C-407E-A947-70E740481C1C}">
+                <a14:useLocalDpi xmlns:a14="http://schemas.microsoft.com/office/drawing/2010/main" val="0"/>
+              </a:ext>
+            </a:extLst>
+          </a:blip>
+          <a:srcRect/>
+          <a:stretch>
+            <a:fillRect/>
+          </a:stretch>
+        </p:blipFill>
+        <p:spPr bwMode="auto">
+          <a:xfrm>
+            <a:off x="4581525" y="5857479"/>
+            <a:ext cx="3028950" cy="960120"/>
+          </a:xfrm>
+          <a:prstGeom prst="rect">
+            <a:avLst/>
+          </a:prstGeom>
+          <a:noFill/>
+          <a:ln>
+            <a:noFill/>
+          </a:ln>
+        </p:spPr>
+      </p:pic>
+      <p:sp>
+        <p:nvSpPr>
+          <p:cNvPr id="3" name="Marcador de contenido 2">
+            <a:extLst>
+              <a:ext uri="{FF2B5EF4-FFF2-40B4-BE49-F238E27FC236}">
+                <a16:creationId xmlns:a16="http://schemas.microsoft.com/office/drawing/2014/main" id="{0B82F09F-B945-4235-BEF5-E7B272FC42F8}"/>
+              </a:ext>
+            </a:extLst>
+          </p:cNvPr>
+          <p:cNvSpPr>
+            <a:spLocks noGrp="1"/>
+          </p:cNvSpPr>
+          <p:nvPr>
+            <p:ph idx="1"/>
+          </p:nvPr>
+        </p:nvSpPr>
+        <p:spPr/>
+        <p:txBody>
+          <a:bodyPr>
+            <a:normAutofit/>
+          </a:bodyPr>
+          <a:lstStyle/>
+          <a:p>
+            <a:r>
+              <a:rPr lang="es-ES" sz="2400" dirty="0">
+                <a:latin typeface="Times New Roman" panose="02020603050405020304" pitchFamily="18" charset="0"/>
+                <a:cs typeface="Times New Roman" panose="02020603050405020304" pitchFamily="18" charset="0"/>
+              </a:rPr>
+              <a:t>[1] </a:t>
+            </a:r>
+            <a:r>
+              <a:rPr lang="es-ES" sz="2400" dirty="0" err="1">
+                <a:latin typeface="Times New Roman" panose="02020603050405020304" pitchFamily="18" charset="0"/>
+                <a:cs typeface="Times New Roman" panose="02020603050405020304" pitchFamily="18" charset="0"/>
+              </a:rPr>
+              <a:t>Ditrendia</a:t>
+            </a:r>
+            <a:r>
+              <a:rPr lang="es-ES" sz="2400" dirty="0">
+                <a:latin typeface="Times New Roman" panose="02020603050405020304" pitchFamily="18" charset="0"/>
+                <a:cs typeface="Times New Roman" panose="02020603050405020304" pitchFamily="18" charset="0"/>
+              </a:rPr>
+              <a:t>: </a:t>
+            </a:r>
+            <a:r>
+              <a:rPr lang="es-ES" sz="2400" dirty="0">
+                <a:latin typeface="Times New Roman" panose="02020603050405020304" pitchFamily="18" charset="0"/>
+                <a:cs typeface="Times New Roman" panose="02020603050405020304" pitchFamily="18" charset="0"/>
+                <a:hlinkClick r:id="rId3"/>
+              </a:rPr>
+              <a:t>https://mktefa.ditrendia.es/blog/todas-las-estad%C3%ADsticas-sobre-m%C3%B3viles-que-deber%C3%ADas-conocer-mwc19</a:t>
+            </a:r>
+            <a:endParaRPr lang="es-ES" sz="2400" dirty="0">
+              <a:latin typeface="Times New Roman" panose="02020603050405020304" pitchFamily="18" charset="0"/>
+              <a:cs typeface="Times New Roman" panose="02020603050405020304" pitchFamily="18" charset="0"/>
+            </a:endParaRPr>
+          </a:p>
+          <a:p>
+            <a:r>
+              <a:rPr lang="es-ES" sz="2400" dirty="0">
+                <a:latin typeface="Times New Roman" panose="02020603050405020304" pitchFamily="18" charset="0"/>
+                <a:cs typeface="Times New Roman" panose="02020603050405020304" pitchFamily="18" charset="0"/>
+              </a:rPr>
+              <a:t>[2] NFC </a:t>
+            </a:r>
+            <a:r>
+              <a:rPr lang="es-ES" sz="2400" dirty="0" err="1">
+                <a:latin typeface="Times New Roman" panose="02020603050405020304" pitchFamily="18" charset="0"/>
+                <a:cs typeface="Times New Roman" panose="02020603050405020304" pitchFamily="18" charset="0"/>
+              </a:rPr>
+              <a:t>Forum</a:t>
+            </a:r>
+            <a:r>
+              <a:rPr lang="es-ES" sz="2400" dirty="0">
+                <a:latin typeface="Times New Roman" panose="02020603050405020304" pitchFamily="18" charset="0"/>
+                <a:cs typeface="Times New Roman" panose="02020603050405020304" pitchFamily="18" charset="0"/>
+              </a:rPr>
+              <a:t> </a:t>
+            </a:r>
+            <a:r>
+              <a:rPr lang="es-ES" sz="2400" dirty="0" err="1">
+                <a:latin typeface="Times New Roman" panose="02020603050405020304" pitchFamily="18" charset="0"/>
+                <a:cs typeface="Times New Roman" panose="02020603050405020304" pitchFamily="18" charset="0"/>
+              </a:rPr>
+              <a:t>Type</a:t>
+            </a:r>
+            <a:r>
+              <a:rPr lang="es-ES" sz="2400" dirty="0">
+                <a:latin typeface="Times New Roman" panose="02020603050405020304" pitchFamily="18" charset="0"/>
+                <a:cs typeface="Times New Roman" panose="02020603050405020304" pitchFamily="18" charset="0"/>
+              </a:rPr>
+              <a:t> 4 Tag </a:t>
+            </a:r>
+            <a:r>
+              <a:rPr lang="es-ES" sz="2400" dirty="0" err="1">
+                <a:latin typeface="Times New Roman" panose="02020603050405020304" pitchFamily="18" charset="0"/>
+                <a:cs typeface="Times New Roman" panose="02020603050405020304" pitchFamily="18" charset="0"/>
+              </a:rPr>
+              <a:t>Operation</a:t>
+            </a:r>
+            <a:r>
+              <a:rPr lang="es-ES" sz="2400" dirty="0">
+                <a:latin typeface="Times New Roman" panose="02020603050405020304" pitchFamily="18" charset="0"/>
+                <a:cs typeface="Times New Roman" panose="02020603050405020304" pitchFamily="18" charset="0"/>
+              </a:rPr>
+              <a:t> </a:t>
+            </a:r>
+            <a:r>
+              <a:rPr lang="es-ES" sz="2400" dirty="0" err="1">
+                <a:latin typeface="Times New Roman" panose="02020603050405020304" pitchFamily="18" charset="0"/>
+                <a:cs typeface="Times New Roman" panose="02020603050405020304" pitchFamily="18" charset="0"/>
+              </a:rPr>
+              <a:t>Specification</a:t>
+            </a:r>
+            <a:r>
+              <a:rPr lang="es-ES" sz="2400" dirty="0">
+                <a:latin typeface="Times New Roman" panose="02020603050405020304" pitchFamily="18" charset="0"/>
+                <a:cs typeface="Times New Roman" panose="02020603050405020304" pitchFamily="18" charset="0"/>
+              </a:rPr>
+              <a:t> 2.0: </a:t>
+            </a:r>
+            <a:r>
+              <a:rPr lang="es-ES" sz="2400" dirty="0">
+                <a:latin typeface="Times New Roman" panose="02020603050405020304" pitchFamily="18" charset="0"/>
+                <a:cs typeface="Times New Roman" panose="02020603050405020304" pitchFamily="18" charset="0"/>
+                <a:hlinkClick r:id="rId4"/>
+              </a:rPr>
+              <a:t>http://apps4android.org/nfc-specifications/NFCForum-TS-Type-4-Tag_2.0.pdf</a:t>
+            </a:r>
+            <a:endParaRPr lang="es-ES" sz="2400" dirty="0">
+              <a:latin typeface="Times New Roman" panose="02020603050405020304" pitchFamily="18" charset="0"/>
+              <a:cs typeface="Times New Roman" panose="02020603050405020304" pitchFamily="18" charset="0"/>
+            </a:endParaRPr>
+          </a:p>
+        </p:txBody>
+      </p:sp>
+    </p:spTree>
+    <p:extLst>
+      <p:ext uri="{BB962C8B-B14F-4D97-AF65-F5344CB8AC3E}">
+        <p14:creationId xmlns:p14="http://schemas.microsoft.com/office/powerpoint/2010/main" val="1018852063"/>
+      </p:ext>
+    </p:extLst>
+  </p:cSld>
+  <p:clrMapOvr>
+    <a:masterClrMapping/>
+  </p:clrMapOvr>
+</p:sld>
+</file>
+
+<file path=ppt/slides/slide41.xml><?xml version="1.0" encoding="utf-8"?>
+<p:sld xmlns:a="http://schemas.openxmlformats.org/drawingml/2006/main" xmlns:r="http://schemas.openxmlformats.org/officeDocument/2006/relationships" xmlns:p="http://schemas.openxmlformats.org/presentationml/2006/main">
+  <p:cSld>
+    <p:bg>
+      <p:bgPr>
+        <a:solidFill>
+          <a:schemeClr val="accent1">
+            <a:lumMod val="75000"/>
+          </a:schemeClr>
+        </a:solidFill>
+        <a:effectLst/>
+      </p:bgPr>
+    </p:bg>
+    <p:spTree>
+      <p:nvGrpSpPr>
+        <p:cNvPr id="1" name=""/>
+        <p:cNvGrpSpPr/>
+        <p:nvPr/>
+      </p:nvGrpSpPr>
+      <p:grpSpPr>
+        <a:xfrm>
+          <a:off x="0" y="0"/>
+          <a:ext cx="0" cy="0"/>
+          <a:chOff x="0" y="0"/>
+          <a:chExt cx="0" cy="0"/>
+        </a:xfrm>
+      </p:grpSpPr>
+      <p:sp>
+        <p:nvSpPr>
+          <p:cNvPr id="4" name="Rectángulo 3">
+            <a:extLst>
+              <a:ext uri="{FF2B5EF4-FFF2-40B4-BE49-F238E27FC236}">
+                <a16:creationId xmlns:a16="http://schemas.microsoft.com/office/drawing/2014/main" id="{E2B637AF-C465-4CBB-85A1-ABF8D288CB7F}"/>
+              </a:ext>
+            </a:extLst>
+          </p:cNvPr>
+          <p:cNvSpPr/>
+          <p:nvPr/>
+        </p:nvSpPr>
+        <p:spPr>
+          <a:xfrm>
+            <a:off x="0" y="1184988"/>
+            <a:ext cx="12192000" cy="5673012"/>
+          </a:xfrm>
+          <a:prstGeom prst="rect">
+            <a:avLst/>
+          </a:prstGeom>
+          <a:solidFill>
+            <a:schemeClr val="bg1"/>
+          </a:solidFill>
+        </p:spPr>
+        <p:style>
+          <a:lnRef idx="2">
+            <a:schemeClr val="accent1">
+              <a:shade val="50000"/>
+            </a:schemeClr>
+          </a:lnRef>
+          <a:fillRef idx="1">
+            <a:schemeClr val="accent1"/>
+          </a:fillRef>
+          <a:effectRef idx="0">
+            <a:schemeClr val="accent1"/>
+          </a:effectRef>
+          <a:fontRef idx="minor">
+            <a:schemeClr val="lt1"/>
+          </a:fontRef>
+        </p:style>
+        <p:txBody>
+          <a:bodyPr rtlCol="0" anchor="ctr"/>
+          <a:lstStyle/>
+          <a:p>
+            <a:pPr algn="ctr"/>
+            <a:endParaRPr lang="en-GB" dirty="0"/>
+          </a:p>
+        </p:txBody>
+      </p:sp>
+      <p:sp>
+        <p:nvSpPr>
+          <p:cNvPr id="2" name="Título 1">
+            <a:extLst>
+              <a:ext uri="{FF2B5EF4-FFF2-40B4-BE49-F238E27FC236}">
+                <a16:creationId xmlns:a16="http://schemas.microsoft.com/office/drawing/2014/main" id="{7C060354-1C62-4255-AC9F-816FB2F65B70}"/>
+              </a:ext>
+            </a:extLst>
+          </p:cNvPr>
+          <p:cNvSpPr>
+            <a:spLocks noGrp="1"/>
+          </p:cNvSpPr>
+          <p:nvPr>
+            <p:ph type="title"/>
+          </p:nvPr>
+        </p:nvSpPr>
+        <p:spPr>
+          <a:xfrm>
+            <a:off x="261257" y="177282"/>
+            <a:ext cx="11681928" cy="1007707"/>
+          </a:xfrm>
+        </p:spPr>
+        <p:txBody>
+          <a:bodyPr/>
+          <a:lstStyle/>
+          <a:p>
+            <a:r>
+              <a:rPr lang="es-ES" dirty="0">
+                <a:solidFill>
+                  <a:schemeClr val="bg1"/>
+                </a:solidFill>
+                <a:latin typeface="Times New Roman" panose="02020603050405020304" pitchFamily="18" charset="0"/>
+                <a:cs typeface="Times New Roman" panose="02020603050405020304" pitchFamily="18" charset="0"/>
+              </a:rPr>
+              <a:t>Demostración del sistema</a:t>
             </a:r>
           </a:p>
         </p:txBody>
@@ -11600,7 +13428,7 @@
 </p:sld>
 </file>
 
-<file path=ppt/slides/slide34.xml><?xml version="1.0" encoding="utf-8"?>
+<file path=ppt/slides/slide5.xml><?xml version="1.0" encoding="utf-8"?>
 <p:sld xmlns:a="http://schemas.openxmlformats.org/drawingml/2006/main" xmlns:r="http://schemas.openxmlformats.org/officeDocument/2006/relationships" xmlns:p="http://schemas.openxmlformats.org/presentationml/2006/main">
   <p:cSld>
     <p:bg>
@@ -11672,7 +13500,7 @@
           <a:lstStyle/>
           <a:p>
             <a:pPr algn="ctr"/>
-            <a:endParaRPr lang="en-GB" dirty="0"/>
+            <a:endParaRPr lang="en-GB"/>
           </a:p>
         </p:txBody>
       </p:sp>
@@ -11710,7 +13538,7 @@
                 <a:latin typeface="Times New Roman" panose="02020603050405020304" pitchFamily="18" charset="0"/>
                 <a:cs typeface="Times New Roman" panose="02020603050405020304" pitchFamily="18" charset="0"/>
               </a:rPr>
-              <a:t>Conclusiones</a:t>
+              <a:t>Introducción (I)</a:t>
             </a:r>
           </a:p>
         </p:txBody>
@@ -11728,7 +13556,7 @@
           <p:nvPr/>
         </p:nvPicPr>
         <p:blipFill>
-          <a:blip r:embed="rId3">
+          <a:blip r:embed="rId2">
             <a:extLst>
               <a:ext uri="{28A0092B-C50C-407E-A947-70E740481C1C}">
                 <a14:useLocalDpi xmlns:a14="http://schemas.microsoft.com/office/drawing/2010/main" val="0"/>
@@ -11772,836 +13600,6 @@
         </p:nvSpPr>
         <p:spPr/>
         <p:txBody>
-          <a:bodyPr>
-            <a:normAutofit/>
-          </a:bodyPr>
-          <a:lstStyle/>
-          <a:p>
-            <a:pPr marL="0" indent="0">
-              <a:buNone/>
-            </a:pPr>
-            <a:r>
-              <a:rPr lang="es-ES" dirty="0">
-                <a:latin typeface="Times New Roman" panose="02020603050405020304" pitchFamily="18" charset="0"/>
-                <a:cs typeface="Times New Roman" panose="02020603050405020304" pitchFamily="18" charset="0"/>
-              </a:rPr>
-              <a:t>Como conclusiones finales del proyecto:</a:t>
-            </a:r>
-          </a:p>
-          <a:p>
-            <a:r>
-              <a:rPr lang="es-ES" dirty="0">
-                <a:latin typeface="Times New Roman" panose="02020603050405020304" pitchFamily="18" charset="0"/>
-                <a:cs typeface="Times New Roman" panose="02020603050405020304" pitchFamily="18" charset="0"/>
-              </a:rPr>
-              <a:t>La combinación de NFC y Android permite la creación de sistemas robustos y sin costes adicionales de NFC (lectores, etiquetas…).</a:t>
-            </a:r>
-          </a:p>
-          <a:p>
-            <a:r>
-              <a:rPr lang="es-ES" dirty="0">
-                <a:latin typeface="Times New Roman" panose="02020603050405020304" pitchFamily="18" charset="0"/>
-                <a:cs typeface="Times New Roman" panose="02020603050405020304" pitchFamily="18" charset="0"/>
-              </a:rPr>
-              <a:t>La implementación de un emulador de etiquetas nos permite obviar el uso de etiquetas físicas, aunque deja la puerta abierta a su uso.</a:t>
-            </a:r>
-          </a:p>
-          <a:p>
-            <a:r>
-              <a:rPr lang="es-ES" dirty="0">
-                <a:latin typeface="Times New Roman" panose="02020603050405020304" pitchFamily="18" charset="0"/>
-                <a:cs typeface="Times New Roman" panose="02020603050405020304" pitchFamily="18" charset="0"/>
-              </a:rPr>
-              <a:t>Cumplidos los objetivos iniciales para el proyecto.</a:t>
-            </a:r>
-          </a:p>
-          <a:p>
-            <a:r>
-              <a:rPr lang="es-ES" dirty="0">
-                <a:latin typeface="Times New Roman" panose="02020603050405020304" pitchFamily="18" charset="0"/>
-                <a:cs typeface="Times New Roman" panose="02020603050405020304" pitchFamily="18" charset="0"/>
-              </a:rPr>
-              <a:t>Gran modularidad del sistema permite una futura expansión.</a:t>
-            </a:r>
-          </a:p>
-        </p:txBody>
-      </p:sp>
-    </p:spTree>
-    <p:extLst>
-      <p:ext uri="{BB962C8B-B14F-4D97-AF65-F5344CB8AC3E}">
-        <p14:creationId xmlns:p14="http://schemas.microsoft.com/office/powerpoint/2010/main" val="2962350624"/>
-      </p:ext>
-    </p:extLst>
-  </p:cSld>
-  <p:clrMapOvr>
-    <a:masterClrMapping/>
-  </p:clrMapOvr>
-</p:sld>
-</file>
-
-<file path=ppt/slides/slide35.xml><?xml version="1.0" encoding="utf-8"?>
-<p:sld xmlns:a="http://schemas.openxmlformats.org/drawingml/2006/main" xmlns:r="http://schemas.openxmlformats.org/officeDocument/2006/relationships" xmlns:p="http://schemas.openxmlformats.org/presentationml/2006/main">
-  <p:cSld>
-    <p:bg>
-      <p:bgPr>
-        <a:solidFill>
-          <a:schemeClr val="accent1">
-            <a:lumMod val="75000"/>
-          </a:schemeClr>
-        </a:solidFill>
-        <a:effectLst/>
-      </p:bgPr>
-    </p:bg>
-    <p:spTree>
-      <p:nvGrpSpPr>
-        <p:cNvPr id="1" name=""/>
-        <p:cNvGrpSpPr/>
-        <p:nvPr/>
-      </p:nvGrpSpPr>
-      <p:grpSpPr>
-        <a:xfrm>
-          <a:off x="0" y="0"/>
-          <a:ext cx="0" cy="0"/>
-          <a:chOff x="0" y="0"/>
-          <a:chExt cx="0" cy="0"/>
-        </a:xfrm>
-      </p:grpSpPr>
-      <p:sp>
-        <p:nvSpPr>
-          <p:cNvPr id="4" name="Rectángulo 3">
-            <a:extLst>
-              <a:ext uri="{FF2B5EF4-FFF2-40B4-BE49-F238E27FC236}">
-                <a16:creationId xmlns:a16="http://schemas.microsoft.com/office/drawing/2014/main" id="{E2B637AF-C465-4CBB-85A1-ABF8D288CB7F}"/>
-              </a:ext>
-            </a:extLst>
-          </p:cNvPr>
-          <p:cNvSpPr/>
-          <p:nvPr/>
-        </p:nvSpPr>
-        <p:spPr>
-          <a:xfrm>
-            <a:off x="0" y="1184988"/>
-            <a:ext cx="12192000" cy="5673012"/>
-          </a:xfrm>
-          <a:prstGeom prst="rect">
-            <a:avLst/>
-          </a:prstGeom>
-          <a:solidFill>
-            <a:schemeClr val="bg1"/>
-          </a:solidFill>
-        </p:spPr>
-        <p:style>
-          <a:lnRef idx="2">
-            <a:schemeClr val="accent1">
-              <a:shade val="50000"/>
-            </a:schemeClr>
-          </a:lnRef>
-          <a:fillRef idx="1">
-            <a:schemeClr val="accent1"/>
-          </a:fillRef>
-          <a:effectRef idx="0">
-            <a:schemeClr val="accent1"/>
-          </a:effectRef>
-          <a:fontRef idx="minor">
-            <a:schemeClr val="lt1"/>
-          </a:fontRef>
-        </p:style>
-        <p:txBody>
-          <a:bodyPr rtlCol="0" anchor="ctr"/>
-          <a:lstStyle/>
-          <a:p>
-            <a:pPr algn="ctr"/>
-            <a:endParaRPr lang="en-GB" dirty="0"/>
-          </a:p>
-        </p:txBody>
-      </p:sp>
-      <p:sp>
-        <p:nvSpPr>
-          <p:cNvPr id="2" name="Título 1">
-            <a:extLst>
-              <a:ext uri="{FF2B5EF4-FFF2-40B4-BE49-F238E27FC236}">
-                <a16:creationId xmlns:a16="http://schemas.microsoft.com/office/drawing/2014/main" id="{7C060354-1C62-4255-AC9F-816FB2F65B70}"/>
-              </a:ext>
-            </a:extLst>
-          </p:cNvPr>
-          <p:cNvSpPr>
-            <a:spLocks noGrp="1"/>
-          </p:cNvSpPr>
-          <p:nvPr>
-            <p:ph type="title"/>
-          </p:nvPr>
-        </p:nvSpPr>
-        <p:spPr>
-          <a:xfrm>
-            <a:off x="261257" y="177282"/>
-            <a:ext cx="11681928" cy="1007707"/>
-          </a:xfrm>
-        </p:spPr>
-        <p:txBody>
-          <a:bodyPr/>
-          <a:lstStyle/>
-          <a:p>
-            <a:r>
-              <a:rPr lang="es-ES" dirty="0">
-                <a:solidFill>
-                  <a:schemeClr val="bg1"/>
-                </a:solidFill>
-                <a:latin typeface="Times New Roman" panose="02020603050405020304" pitchFamily="18" charset="0"/>
-                <a:cs typeface="Times New Roman" panose="02020603050405020304" pitchFamily="18" charset="0"/>
-              </a:rPr>
-              <a:t>Trabajo futuro</a:t>
-            </a:r>
-          </a:p>
-        </p:txBody>
-      </p:sp>
-      <p:pic>
-        <p:nvPicPr>
-          <p:cNvPr id="5" name="1 Imagen">
-            <a:extLst>
-              <a:ext uri="{FF2B5EF4-FFF2-40B4-BE49-F238E27FC236}">
-                <a16:creationId xmlns:a16="http://schemas.microsoft.com/office/drawing/2014/main" id="{084F03C4-1B7D-458F-BB20-BD1ABFD64517}"/>
-              </a:ext>
-            </a:extLst>
-          </p:cNvPr>
-          <p:cNvPicPr/>
-          <p:nvPr/>
-        </p:nvPicPr>
-        <p:blipFill>
-          <a:blip r:embed="rId3">
-            <a:extLst>
-              <a:ext uri="{28A0092B-C50C-407E-A947-70E740481C1C}">
-                <a14:useLocalDpi xmlns:a14="http://schemas.microsoft.com/office/drawing/2010/main" val="0"/>
-              </a:ext>
-            </a:extLst>
-          </a:blip>
-          <a:srcRect/>
-          <a:stretch>
-            <a:fillRect/>
-          </a:stretch>
-        </p:blipFill>
-        <p:spPr bwMode="auto">
-          <a:xfrm>
-            <a:off x="4581525" y="5857479"/>
-            <a:ext cx="3028950" cy="960120"/>
-          </a:xfrm>
-          <a:prstGeom prst="rect">
-            <a:avLst/>
-          </a:prstGeom>
-          <a:noFill/>
-          <a:ln>
-            <a:noFill/>
-          </a:ln>
-        </p:spPr>
-      </p:pic>
-      <p:sp>
-        <p:nvSpPr>
-          <p:cNvPr id="3" name="Marcador de contenido 2">
-            <a:extLst>
-              <a:ext uri="{FF2B5EF4-FFF2-40B4-BE49-F238E27FC236}">
-                <a16:creationId xmlns:a16="http://schemas.microsoft.com/office/drawing/2014/main" id="{0B82F09F-B945-4235-BEF5-E7B272FC42F8}"/>
-              </a:ext>
-            </a:extLst>
-          </p:cNvPr>
-          <p:cNvSpPr>
-            <a:spLocks noGrp="1"/>
-          </p:cNvSpPr>
-          <p:nvPr>
-            <p:ph idx="1"/>
-          </p:nvPr>
-        </p:nvSpPr>
-        <p:spPr/>
-        <p:txBody>
-          <a:bodyPr>
-            <a:normAutofit/>
-          </a:bodyPr>
-          <a:lstStyle/>
-          <a:p>
-            <a:pPr marL="0" indent="0">
-              <a:buNone/>
-            </a:pPr>
-            <a:r>
-              <a:rPr lang="es-ES" dirty="0">
-                <a:latin typeface="Times New Roman" panose="02020603050405020304" pitchFamily="18" charset="0"/>
-                <a:cs typeface="Times New Roman" panose="02020603050405020304" pitchFamily="18" charset="0"/>
-              </a:rPr>
-              <a:t>De cara al futuro, se podrían considerar los siguientes puntos:</a:t>
-            </a:r>
-          </a:p>
-          <a:p>
-            <a:r>
-              <a:rPr lang="es-ES" dirty="0">
-                <a:latin typeface="Times New Roman" panose="02020603050405020304" pitchFamily="18" charset="0"/>
-                <a:cs typeface="Times New Roman" panose="02020603050405020304" pitchFamily="18" charset="0"/>
-              </a:rPr>
-              <a:t>Implementación de protocolos de seguridad a varios niveles:</a:t>
-            </a:r>
-          </a:p>
-          <a:p>
-            <a:pPr lvl="1"/>
-            <a:r>
-              <a:rPr lang="es-ES" dirty="0">
-                <a:latin typeface="Times New Roman" panose="02020603050405020304" pitchFamily="18" charset="0"/>
-                <a:cs typeface="Times New Roman" panose="02020603050405020304" pitchFamily="18" charset="0"/>
-              </a:rPr>
-              <a:t>Uso del protocolo HTTPS para comunicaciones.</a:t>
-            </a:r>
-          </a:p>
-          <a:p>
-            <a:pPr lvl="1"/>
-            <a:r>
-              <a:rPr lang="es-ES" dirty="0">
-                <a:latin typeface="Times New Roman" panose="02020603050405020304" pitchFamily="18" charset="0"/>
-                <a:cs typeface="Times New Roman" panose="02020603050405020304" pitchFamily="18" charset="0"/>
-              </a:rPr>
-              <a:t>Encriptación de la base de datos.</a:t>
-            </a:r>
-          </a:p>
-          <a:p>
-            <a:pPr lvl="1"/>
-            <a:r>
-              <a:rPr lang="es-ES" dirty="0">
-                <a:latin typeface="Times New Roman" panose="02020603050405020304" pitchFamily="18" charset="0"/>
-                <a:cs typeface="Times New Roman" panose="02020603050405020304" pitchFamily="18" charset="0"/>
-              </a:rPr>
-              <a:t>Crear una aplicación de gestión de tokens de autenticación para las peticiones de la API </a:t>
-            </a:r>
-            <a:r>
-              <a:rPr lang="es-ES" dirty="0" err="1">
-                <a:latin typeface="Times New Roman" panose="02020603050405020304" pitchFamily="18" charset="0"/>
-                <a:cs typeface="Times New Roman" panose="02020603050405020304" pitchFamily="18" charset="0"/>
-              </a:rPr>
-              <a:t>ReST</a:t>
-            </a:r>
-            <a:r>
-              <a:rPr lang="es-ES" dirty="0">
-                <a:latin typeface="Times New Roman" panose="02020603050405020304" pitchFamily="18" charset="0"/>
-                <a:cs typeface="Times New Roman" panose="02020603050405020304" pitchFamily="18" charset="0"/>
-              </a:rPr>
-              <a:t>.</a:t>
-            </a:r>
-          </a:p>
-          <a:p>
-            <a:r>
-              <a:rPr lang="es-ES" dirty="0">
-                <a:latin typeface="Times New Roman" panose="02020603050405020304" pitchFamily="18" charset="0"/>
-                <a:cs typeface="Times New Roman" panose="02020603050405020304" pitchFamily="18" charset="0"/>
-              </a:rPr>
-              <a:t>Uso de otro servidor HTTP más robusto que el que viene por defecto con </a:t>
-            </a:r>
-            <a:r>
-              <a:rPr lang="es-ES" dirty="0" err="1">
-                <a:latin typeface="Times New Roman" panose="02020603050405020304" pitchFamily="18" charset="0"/>
-                <a:cs typeface="Times New Roman" panose="02020603050405020304" pitchFamily="18" charset="0"/>
-              </a:rPr>
-              <a:t>Flask</a:t>
-            </a:r>
-            <a:r>
-              <a:rPr lang="es-ES" dirty="0">
-                <a:latin typeface="Times New Roman" panose="02020603050405020304" pitchFamily="18" charset="0"/>
-                <a:cs typeface="Times New Roman" panose="02020603050405020304" pitchFamily="18" charset="0"/>
-              </a:rPr>
-              <a:t>.</a:t>
-            </a:r>
-          </a:p>
-          <a:p>
-            <a:r>
-              <a:rPr lang="es-ES" dirty="0">
-                <a:latin typeface="Times New Roman" panose="02020603050405020304" pitchFamily="18" charset="0"/>
-                <a:cs typeface="Times New Roman" panose="02020603050405020304" pitchFamily="18" charset="0"/>
-              </a:rPr>
-              <a:t>Implementación de otras funcionalidades en función de las necesidades del cliente.</a:t>
-            </a:r>
-          </a:p>
-        </p:txBody>
-      </p:sp>
-    </p:spTree>
-    <p:extLst>
-      <p:ext uri="{BB962C8B-B14F-4D97-AF65-F5344CB8AC3E}">
-        <p14:creationId xmlns:p14="http://schemas.microsoft.com/office/powerpoint/2010/main" val="1029547695"/>
-      </p:ext>
-    </p:extLst>
-  </p:cSld>
-  <p:clrMapOvr>
-    <a:masterClrMapping/>
-  </p:clrMapOvr>
-</p:sld>
-</file>
-
-<file path=ppt/slides/slide36.xml><?xml version="1.0" encoding="utf-8"?>
-<p:sld xmlns:a="http://schemas.openxmlformats.org/drawingml/2006/main" xmlns:r="http://schemas.openxmlformats.org/officeDocument/2006/relationships" xmlns:p="http://schemas.openxmlformats.org/presentationml/2006/main">
-  <p:cSld>
-    <p:bg>
-      <p:bgPr>
-        <a:solidFill>
-          <a:schemeClr val="accent1">
-            <a:lumMod val="75000"/>
-          </a:schemeClr>
-        </a:solidFill>
-        <a:effectLst/>
-      </p:bgPr>
-    </p:bg>
-    <p:spTree>
-      <p:nvGrpSpPr>
-        <p:cNvPr id="1" name=""/>
-        <p:cNvGrpSpPr/>
-        <p:nvPr/>
-      </p:nvGrpSpPr>
-      <p:grpSpPr>
-        <a:xfrm>
-          <a:off x="0" y="0"/>
-          <a:ext cx="0" cy="0"/>
-          <a:chOff x="0" y="0"/>
-          <a:chExt cx="0" cy="0"/>
-        </a:xfrm>
-      </p:grpSpPr>
-      <p:sp>
-        <p:nvSpPr>
-          <p:cNvPr id="4" name="Rectángulo 3">
-            <a:extLst>
-              <a:ext uri="{FF2B5EF4-FFF2-40B4-BE49-F238E27FC236}">
-                <a16:creationId xmlns:a16="http://schemas.microsoft.com/office/drawing/2014/main" id="{E2B637AF-C465-4CBB-85A1-ABF8D288CB7F}"/>
-              </a:ext>
-            </a:extLst>
-          </p:cNvPr>
-          <p:cNvSpPr/>
-          <p:nvPr/>
-        </p:nvSpPr>
-        <p:spPr>
-          <a:xfrm>
-            <a:off x="0" y="1184988"/>
-            <a:ext cx="12192000" cy="5673012"/>
-          </a:xfrm>
-          <a:prstGeom prst="rect">
-            <a:avLst/>
-          </a:prstGeom>
-          <a:solidFill>
-            <a:schemeClr val="bg1"/>
-          </a:solidFill>
-        </p:spPr>
-        <p:style>
-          <a:lnRef idx="2">
-            <a:schemeClr val="accent1">
-              <a:shade val="50000"/>
-            </a:schemeClr>
-          </a:lnRef>
-          <a:fillRef idx="1">
-            <a:schemeClr val="accent1"/>
-          </a:fillRef>
-          <a:effectRef idx="0">
-            <a:schemeClr val="accent1"/>
-          </a:effectRef>
-          <a:fontRef idx="minor">
-            <a:schemeClr val="lt1"/>
-          </a:fontRef>
-        </p:style>
-        <p:txBody>
-          <a:bodyPr rtlCol="0" anchor="ctr"/>
-          <a:lstStyle/>
-          <a:p>
-            <a:pPr algn="ctr"/>
-            <a:endParaRPr lang="en-GB"/>
-          </a:p>
-        </p:txBody>
-      </p:sp>
-      <p:sp>
-        <p:nvSpPr>
-          <p:cNvPr id="2" name="Título 1">
-            <a:extLst>
-              <a:ext uri="{FF2B5EF4-FFF2-40B4-BE49-F238E27FC236}">
-                <a16:creationId xmlns:a16="http://schemas.microsoft.com/office/drawing/2014/main" id="{7C060354-1C62-4255-AC9F-816FB2F65B70}"/>
-              </a:ext>
-            </a:extLst>
-          </p:cNvPr>
-          <p:cNvSpPr>
-            <a:spLocks noGrp="1"/>
-          </p:cNvSpPr>
-          <p:nvPr>
-            <p:ph type="title"/>
-          </p:nvPr>
-        </p:nvSpPr>
-        <p:spPr>
-          <a:xfrm>
-            <a:off x="261257" y="177282"/>
-            <a:ext cx="11681928" cy="1007707"/>
-          </a:xfrm>
-        </p:spPr>
-        <p:txBody>
-          <a:bodyPr/>
-          <a:lstStyle/>
-          <a:p>
-            <a:r>
-              <a:rPr lang="es-ES" dirty="0">
-                <a:solidFill>
-                  <a:schemeClr val="bg1"/>
-                </a:solidFill>
-                <a:latin typeface="Times New Roman" panose="02020603050405020304" pitchFamily="18" charset="0"/>
-                <a:cs typeface="Times New Roman" panose="02020603050405020304" pitchFamily="18" charset="0"/>
-              </a:rPr>
-              <a:t>Bibliografía</a:t>
-            </a:r>
-          </a:p>
-        </p:txBody>
-      </p:sp>
-      <p:pic>
-        <p:nvPicPr>
-          <p:cNvPr id="5" name="1 Imagen">
-            <a:extLst>
-              <a:ext uri="{FF2B5EF4-FFF2-40B4-BE49-F238E27FC236}">
-                <a16:creationId xmlns:a16="http://schemas.microsoft.com/office/drawing/2014/main" id="{084F03C4-1B7D-458F-BB20-BD1ABFD64517}"/>
-              </a:ext>
-            </a:extLst>
-          </p:cNvPr>
-          <p:cNvPicPr/>
-          <p:nvPr/>
-        </p:nvPicPr>
-        <p:blipFill>
-          <a:blip r:embed="rId2">
-            <a:extLst>
-              <a:ext uri="{28A0092B-C50C-407E-A947-70E740481C1C}">
-                <a14:useLocalDpi xmlns:a14="http://schemas.microsoft.com/office/drawing/2010/main" val="0"/>
-              </a:ext>
-            </a:extLst>
-          </a:blip>
-          <a:srcRect/>
-          <a:stretch>
-            <a:fillRect/>
-          </a:stretch>
-        </p:blipFill>
-        <p:spPr bwMode="auto">
-          <a:xfrm>
-            <a:off x="4581525" y="5857479"/>
-            <a:ext cx="3028950" cy="960120"/>
-          </a:xfrm>
-          <a:prstGeom prst="rect">
-            <a:avLst/>
-          </a:prstGeom>
-          <a:noFill/>
-          <a:ln>
-            <a:noFill/>
-          </a:ln>
-        </p:spPr>
-      </p:pic>
-      <p:sp>
-        <p:nvSpPr>
-          <p:cNvPr id="3" name="Marcador de contenido 2">
-            <a:extLst>
-              <a:ext uri="{FF2B5EF4-FFF2-40B4-BE49-F238E27FC236}">
-                <a16:creationId xmlns:a16="http://schemas.microsoft.com/office/drawing/2014/main" id="{0B82F09F-B945-4235-BEF5-E7B272FC42F8}"/>
-              </a:ext>
-            </a:extLst>
-          </p:cNvPr>
-          <p:cNvSpPr>
-            <a:spLocks noGrp="1"/>
-          </p:cNvSpPr>
-          <p:nvPr>
-            <p:ph idx="1"/>
-          </p:nvPr>
-        </p:nvSpPr>
-        <p:spPr/>
-        <p:txBody>
-          <a:bodyPr>
-            <a:normAutofit/>
-          </a:bodyPr>
-          <a:lstStyle/>
-          <a:p>
-            <a:r>
-              <a:rPr lang="es-ES" sz="2400" dirty="0">
-                <a:latin typeface="Times New Roman" panose="02020603050405020304" pitchFamily="18" charset="0"/>
-                <a:cs typeface="Times New Roman" panose="02020603050405020304" pitchFamily="18" charset="0"/>
-              </a:rPr>
-              <a:t>[1] </a:t>
-            </a:r>
-            <a:r>
-              <a:rPr lang="es-ES" sz="2400" dirty="0" err="1">
-                <a:latin typeface="Times New Roman" panose="02020603050405020304" pitchFamily="18" charset="0"/>
-                <a:cs typeface="Times New Roman" panose="02020603050405020304" pitchFamily="18" charset="0"/>
-              </a:rPr>
-              <a:t>Ditrendia</a:t>
-            </a:r>
-            <a:r>
-              <a:rPr lang="es-ES" sz="2400" dirty="0">
-                <a:latin typeface="Times New Roman" panose="02020603050405020304" pitchFamily="18" charset="0"/>
-                <a:cs typeface="Times New Roman" panose="02020603050405020304" pitchFamily="18" charset="0"/>
-              </a:rPr>
-              <a:t>: </a:t>
-            </a:r>
-            <a:r>
-              <a:rPr lang="es-ES" sz="2400" dirty="0">
-                <a:latin typeface="Times New Roman" panose="02020603050405020304" pitchFamily="18" charset="0"/>
-                <a:cs typeface="Times New Roman" panose="02020603050405020304" pitchFamily="18" charset="0"/>
-                <a:hlinkClick r:id="rId3"/>
-              </a:rPr>
-              <a:t>https://mktefa.ditrendia.es/blog/todas-las-estad%C3%ADsticas-sobre-m%C3%B3viles-que-deber%C3%ADas-conocer-mwc19</a:t>
-            </a:r>
-            <a:endParaRPr lang="es-ES" sz="2400" dirty="0">
-              <a:latin typeface="Times New Roman" panose="02020603050405020304" pitchFamily="18" charset="0"/>
-              <a:cs typeface="Times New Roman" panose="02020603050405020304" pitchFamily="18" charset="0"/>
-            </a:endParaRPr>
-          </a:p>
-          <a:p>
-            <a:r>
-              <a:rPr lang="es-ES" sz="2400" dirty="0">
-                <a:latin typeface="Times New Roman" panose="02020603050405020304" pitchFamily="18" charset="0"/>
-                <a:cs typeface="Times New Roman" panose="02020603050405020304" pitchFamily="18" charset="0"/>
-              </a:rPr>
-              <a:t>[2] NFC </a:t>
-            </a:r>
-            <a:r>
-              <a:rPr lang="es-ES" sz="2400" dirty="0" err="1">
-                <a:latin typeface="Times New Roman" panose="02020603050405020304" pitchFamily="18" charset="0"/>
-                <a:cs typeface="Times New Roman" panose="02020603050405020304" pitchFamily="18" charset="0"/>
-              </a:rPr>
-              <a:t>Forum</a:t>
-            </a:r>
-            <a:r>
-              <a:rPr lang="es-ES" sz="2400" dirty="0">
-                <a:latin typeface="Times New Roman" panose="02020603050405020304" pitchFamily="18" charset="0"/>
-                <a:cs typeface="Times New Roman" panose="02020603050405020304" pitchFamily="18" charset="0"/>
-              </a:rPr>
-              <a:t> </a:t>
-            </a:r>
-            <a:r>
-              <a:rPr lang="es-ES" sz="2400" dirty="0" err="1">
-                <a:latin typeface="Times New Roman" panose="02020603050405020304" pitchFamily="18" charset="0"/>
-                <a:cs typeface="Times New Roman" panose="02020603050405020304" pitchFamily="18" charset="0"/>
-              </a:rPr>
-              <a:t>Type</a:t>
-            </a:r>
-            <a:r>
-              <a:rPr lang="es-ES" sz="2400" dirty="0">
-                <a:latin typeface="Times New Roman" panose="02020603050405020304" pitchFamily="18" charset="0"/>
-                <a:cs typeface="Times New Roman" panose="02020603050405020304" pitchFamily="18" charset="0"/>
-              </a:rPr>
-              <a:t> 4 Tag </a:t>
-            </a:r>
-            <a:r>
-              <a:rPr lang="es-ES" sz="2400" dirty="0" err="1">
-                <a:latin typeface="Times New Roman" panose="02020603050405020304" pitchFamily="18" charset="0"/>
-                <a:cs typeface="Times New Roman" panose="02020603050405020304" pitchFamily="18" charset="0"/>
-              </a:rPr>
-              <a:t>Operation</a:t>
-            </a:r>
-            <a:r>
-              <a:rPr lang="es-ES" sz="2400" dirty="0">
-                <a:latin typeface="Times New Roman" panose="02020603050405020304" pitchFamily="18" charset="0"/>
-                <a:cs typeface="Times New Roman" panose="02020603050405020304" pitchFamily="18" charset="0"/>
-              </a:rPr>
-              <a:t> </a:t>
-            </a:r>
-            <a:r>
-              <a:rPr lang="es-ES" sz="2400" dirty="0" err="1">
-                <a:latin typeface="Times New Roman" panose="02020603050405020304" pitchFamily="18" charset="0"/>
-                <a:cs typeface="Times New Roman" panose="02020603050405020304" pitchFamily="18" charset="0"/>
-              </a:rPr>
-              <a:t>Specification</a:t>
-            </a:r>
-            <a:r>
-              <a:rPr lang="es-ES" sz="2400" dirty="0">
-                <a:latin typeface="Times New Roman" panose="02020603050405020304" pitchFamily="18" charset="0"/>
-                <a:cs typeface="Times New Roman" panose="02020603050405020304" pitchFamily="18" charset="0"/>
-              </a:rPr>
-              <a:t> 2.0: </a:t>
-            </a:r>
-            <a:r>
-              <a:rPr lang="es-ES" sz="2400" dirty="0">
-                <a:latin typeface="Times New Roman" panose="02020603050405020304" pitchFamily="18" charset="0"/>
-                <a:cs typeface="Times New Roman" panose="02020603050405020304" pitchFamily="18" charset="0"/>
-                <a:hlinkClick r:id="rId4"/>
-              </a:rPr>
-              <a:t>http://apps4android.org/nfc-specifications/NFCForum-TS-Type-4-Tag_2.0.pdf</a:t>
-            </a:r>
-            <a:endParaRPr lang="es-ES" sz="2400" dirty="0">
-              <a:latin typeface="Times New Roman" panose="02020603050405020304" pitchFamily="18" charset="0"/>
-              <a:cs typeface="Times New Roman" panose="02020603050405020304" pitchFamily="18" charset="0"/>
-            </a:endParaRPr>
-          </a:p>
-        </p:txBody>
-      </p:sp>
-    </p:spTree>
-    <p:extLst>
-      <p:ext uri="{BB962C8B-B14F-4D97-AF65-F5344CB8AC3E}">
-        <p14:creationId xmlns:p14="http://schemas.microsoft.com/office/powerpoint/2010/main" val="1018852063"/>
-      </p:ext>
-    </p:extLst>
-  </p:cSld>
-  <p:clrMapOvr>
-    <a:masterClrMapping/>
-  </p:clrMapOvr>
-</p:sld>
-</file>
-
-<file path=ppt/slides/slide4.xml><?xml version="1.0" encoding="utf-8"?>
-<p:sld xmlns:a="http://schemas.openxmlformats.org/drawingml/2006/main" xmlns:r="http://schemas.openxmlformats.org/officeDocument/2006/relationships" xmlns:p="http://schemas.openxmlformats.org/presentationml/2006/main">
-  <p:cSld>
-    <p:bg>
-      <p:bgPr>
-        <a:solidFill>
-          <a:schemeClr val="accent1">
-            <a:lumMod val="75000"/>
-          </a:schemeClr>
-        </a:solidFill>
-        <a:effectLst/>
-      </p:bgPr>
-    </p:bg>
-    <p:spTree>
-      <p:nvGrpSpPr>
-        <p:cNvPr id="1" name=""/>
-        <p:cNvGrpSpPr/>
-        <p:nvPr/>
-      </p:nvGrpSpPr>
-      <p:grpSpPr>
-        <a:xfrm>
-          <a:off x="0" y="0"/>
-          <a:ext cx="0" cy="0"/>
-          <a:chOff x="0" y="0"/>
-          <a:chExt cx="0" cy="0"/>
-        </a:xfrm>
-      </p:grpSpPr>
-      <p:sp>
-        <p:nvSpPr>
-          <p:cNvPr id="4" name="Rectángulo 3">
-            <a:extLst>
-              <a:ext uri="{FF2B5EF4-FFF2-40B4-BE49-F238E27FC236}">
-                <a16:creationId xmlns:a16="http://schemas.microsoft.com/office/drawing/2014/main" id="{E2B637AF-C465-4CBB-85A1-ABF8D288CB7F}"/>
-              </a:ext>
-            </a:extLst>
-          </p:cNvPr>
-          <p:cNvSpPr/>
-          <p:nvPr/>
-        </p:nvSpPr>
-        <p:spPr>
-          <a:xfrm>
-            <a:off x="0" y="1184988"/>
-            <a:ext cx="12192000" cy="5673012"/>
-          </a:xfrm>
-          <a:prstGeom prst="rect">
-            <a:avLst/>
-          </a:prstGeom>
-          <a:solidFill>
-            <a:schemeClr val="bg1"/>
-          </a:solidFill>
-        </p:spPr>
-        <p:style>
-          <a:lnRef idx="2">
-            <a:schemeClr val="accent1">
-              <a:shade val="50000"/>
-            </a:schemeClr>
-          </a:lnRef>
-          <a:fillRef idx="1">
-            <a:schemeClr val="accent1"/>
-          </a:fillRef>
-          <a:effectRef idx="0">
-            <a:schemeClr val="accent1"/>
-          </a:effectRef>
-          <a:fontRef idx="minor">
-            <a:schemeClr val="lt1"/>
-          </a:fontRef>
-        </p:style>
-        <p:txBody>
-          <a:bodyPr rtlCol="0" anchor="ctr"/>
-          <a:lstStyle/>
-          <a:p>
-            <a:pPr algn="ctr"/>
-            <a:endParaRPr lang="en-GB"/>
-          </a:p>
-        </p:txBody>
-      </p:sp>
-      <p:sp>
-        <p:nvSpPr>
-          <p:cNvPr id="2" name="Título 1">
-            <a:extLst>
-              <a:ext uri="{FF2B5EF4-FFF2-40B4-BE49-F238E27FC236}">
-                <a16:creationId xmlns:a16="http://schemas.microsoft.com/office/drawing/2014/main" id="{7C060354-1C62-4255-AC9F-816FB2F65B70}"/>
-              </a:ext>
-            </a:extLst>
-          </p:cNvPr>
-          <p:cNvSpPr>
-            <a:spLocks noGrp="1"/>
-          </p:cNvSpPr>
-          <p:nvPr>
-            <p:ph type="title"/>
-          </p:nvPr>
-        </p:nvSpPr>
-        <p:spPr>
-          <a:xfrm>
-            <a:off x="261257" y="177282"/>
-            <a:ext cx="11681928" cy="1007707"/>
-          </a:xfrm>
-        </p:spPr>
-        <p:txBody>
-          <a:bodyPr/>
-          <a:lstStyle/>
-          <a:p>
-            <a:r>
-              <a:rPr lang="es-ES" dirty="0">
-                <a:solidFill>
-                  <a:schemeClr val="bg1"/>
-                </a:solidFill>
-                <a:latin typeface="Times New Roman" panose="02020603050405020304" pitchFamily="18" charset="0"/>
-                <a:cs typeface="Times New Roman" panose="02020603050405020304" pitchFamily="18" charset="0"/>
-              </a:rPr>
-              <a:t>Introducción (I)</a:t>
-            </a:r>
-          </a:p>
-        </p:txBody>
-      </p:sp>
-      <p:pic>
-        <p:nvPicPr>
-          <p:cNvPr id="5" name="1 Imagen">
-            <a:extLst>
-              <a:ext uri="{FF2B5EF4-FFF2-40B4-BE49-F238E27FC236}">
-                <a16:creationId xmlns:a16="http://schemas.microsoft.com/office/drawing/2014/main" id="{084F03C4-1B7D-458F-BB20-BD1ABFD64517}"/>
-              </a:ext>
-            </a:extLst>
-          </p:cNvPr>
-          <p:cNvPicPr/>
-          <p:nvPr/>
-        </p:nvPicPr>
-        <p:blipFill>
-          <a:blip r:embed="rId2">
-            <a:extLst>
-              <a:ext uri="{28A0092B-C50C-407E-A947-70E740481C1C}">
-                <a14:useLocalDpi xmlns:a14="http://schemas.microsoft.com/office/drawing/2010/main" val="0"/>
-              </a:ext>
-            </a:extLst>
-          </a:blip>
-          <a:srcRect/>
-          <a:stretch>
-            <a:fillRect/>
-          </a:stretch>
-        </p:blipFill>
-        <p:spPr bwMode="auto">
-          <a:xfrm>
-            <a:off x="4581525" y="5857479"/>
-            <a:ext cx="3028950" cy="960120"/>
-          </a:xfrm>
-          <a:prstGeom prst="rect">
-            <a:avLst/>
-          </a:prstGeom>
-          <a:noFill/>
-          <a:ln>
-            <a:noFill/>
-          </a:ln>
-        </p:spPr>
-      </p:pic>
-      <p:sp>
-        <p:nvSpPr>
-          <p:cNvPr id="3" name="Marcador de contenido 2">
-            <a:extLst>
-              <a:ext uri="{FF2B5EF4-FFF2-40B4-BE49-F238E27FC236}">
-                <a16:creationId xmlns:a16="http://schemas.microsoft.com/office/drawing/2014/main" id="{0B82F09F-B945-4235-BEF5-E7B272FC42F8}"/>
-              </a:ext>
-            </a:extLst>
-          </p:cNvPr>
-          <p:cNvSpPr>
-            <a:spLocks noGrp="1"/>
-          </p:cNvSpPr>
-          <p:nvPr>
-            <p:ph idx="1"/>
-          </p:nvPr>
-        </p:nvSpPr>
-        <p:spPr/>
-        <p:txBody>
           <a:bodyPr/>
           <a:lstStyle/>
           <a:p>
@@ -12658,234 +13656,6 @@
     <p:extLst>
       <p:ext uri="{BB962C8B-B14F-4D97-AF65-F5344CB8AC3E}">
         <p14:creationId xmlns:p14="http://schemas.microsoft.com/office/powerpoint/2010/main" val="1530575337"/>
-      </p:ext>
-    </p:extLst>
-  </p:cSld>
-  <p:clrMapOvr>
-    <a:masterClrMapping/>
-  </p:clrMapOvr>
-</p:sld>
-</file>
-
-<file path=ppt/slides/slide5.xml><?xml version="1.0" encoding="utf-8"?>
-<p:sld xmlns:a="http://schemas.openxmlformats.org/drawingml/2006/main" xmlns:r="http://schemas.openxmlformats.org/officeDocument/2006/relationships" xmlns:p="http://schemas.openxmlformats.org/presentationml/2006/main">
-  <p:cSld>
-    <p:bg>
-      <p:bgPr>
-        <a:solidFill>
-          <a:schemeClr val="accent1">
-            <a:lumMod val="75000"/>
-          </a:schemeClr>
-        </a:solidFill>
-        <a:effectLst/>
-      </p:bgPr>
-    </p:bg>
-    <p:spTree>
-      <p:nvGrpSpPr>
-        <p:cNvPr id="1" name=""/>
-        <p:cNvGrpSpPr/>
-        <p:nvPr/>
-      </p:nvGrpSpPr>
-      <p:grpSpPr>
-        <a:xfrm>
-          <a:off x="0" y="0"/>
-          <a:ext cx="0" cy="0"/>
-          <a:chOff x="0" y="0"/>
-          <a:chExt cx="0" cy="0"/>
-        </a:xfrm>
-      </p:grpSpPr>
-      <p:sp>
-        <p:nvSpPr>
-          <p:cNvPr id="4" name="Rectángulo 3">
-            <a:extLst>
-              <a:ext uri="{FF2B5EF4-FFF2-40B4-BE49-F238E27FC236}">
-                <a16:creationId xmlns:a16="http://schemas.microsoft.com/office/drawing/2014/main" id="{E2B637AF-C465-4CBB-85A1-ABF8D288CB7F}"/>
-              </a:ext>
-            </a:extLst>
-          </p:cNvPr>
-          <p:cNvSpPr/>
-          <p:nvPr/>
-        </p:nvSpPr>
-        <p:spPr>
-          <a:xfrm>
-            <a:off x="0" y="1184988"/>
-            <a:ext cx="12192000" cy="5673012"/>
-          </a:xfrm>
-          <a:prstGeom prst="rect">
-            <a:avLst/>
-          </a:prstGeom>
-          <a:solidFill>
-            <a:schemeClr val="bg1"/>
-          </a:solidFill>
-        </p:spPr>
-        <p:style>
-          <a:lnRef idx="2">
-            <a:schemeClr val="accent1">
-              <a:shade val="50000"/>
-            </a:schemeClr>
-          </a:lnRef>
-          <a:fillRef idx="1">
-            <a:schemeClr val="accent1"/>
-          </a:fillRef>
-          <a:effectRef idx="0">
-            <a:schemeClr val="accent1"/>
-          </a:effectRef>
-          <a:fontRef idx="minor">
-            <a:schemeClr val="lt1"/>
-          </a:fontRef>
-        </p:style>
-        <p:txBody>
-          <a:bodyPr rtlCol="0" anchor="ctr"/>
-          <a:lstStyle/>
-          <a:p>
-            <a:pPr algn="ctr"/>
-            <a:endParaRPr lang="en-GB"/>
-          </a:p>
-        </p:txBody>
-      </p:sp>
-      <p:sp>
-        <p:nvSpPr>
-          <p:cNvPr id="2" name="Título 1">
-            <a:extLst>
-              <a:ext uri="{FF2B5EF4-FFF2-40B4-BE49-F238E27FC236}">
-                <a16:creationId xmlns:a16="http://schemas.microsoft.com/office/drawing/2014/main" id="{7C060354-1C62-4255-AC9F-816FB2F65B70}"/>
-              </a:ext>
-            </a:extLst>
-          </p:cNvPr>
-          <p:cNvSpPr>
-            <a:spLocks noGrp="1"/>
-          </p:cNvSpPr>
-          <p:nvPr>
-            <p:ph type="title"/>
-          </p:nvPr>
-        </p:nvSpPr>
-        <p:spPr>
-          <a:xfrm>
-            <a:off x="261257" y="177282"/>
-            <a:ext cx="11681928" cy="1007707"/>
-          </a:xfrm>
-        </p:spPr>
-        <p:txBody>
-          <a:bodyPr/>
-          <a:lstStyle/>
-          <a:p>
-            <a:r>
-              <a:rPr lang="es-ES" dirty="0">
-                <a:solidFill>
-                  <a:schemeClr val="bg1"/>
-                </a:solidFill>
-                <a:latin typeface="Times New Roman" panose="02020603050405020304" pitchFamily="18" charset="0"/>
-                <a:cs typeface="Times New Roman" panose="02020603050405020304" pitchFamily="18" charset="0"/>
-              </a:rPr>
-              <a:t>Objetivos</a:t>
-            </a:r>
-          </a:p>
-        </p:txBody>
-      </p:sp>
-      <p:pic>
-        <p:nvPicPr>
-          <p:cNvPr id="5" name="1 Imagen">
-            <a:extLst>
-              <a:ext uri="{FF2B5EF4-FFF2-40B4-BE49-F238E27FC236}">
-                <a16:creationId xmlns:a16="http://schemas.microsoft.com/office/drawing/2014/main" id="{084F03C4-1B7D-458F-BB20-BD1ABFD64517}"/>
-              </a:ext>
-            </a:extLst>
-          </p:cNvPr>
-          <p:cNvPicPr/>
-          <p:nvPr/>
-        </p:nvPicPr>
-        <p:blipFill>
-          <a:blip r:embed="rId2">
-            <a:extLst>
-              <a:ext uri="{28A0092B-C50C-407E-A947-70E740481C1C}">
-                <a14:useLocalDpi xmlns:a14="http://schemas.microsoft.com/office/drawing/2010/main" val="0"/>
-              </a:ext>
-            </a:extLst>
-          </a:blip>
-          <a:srcRect/>
-          <a:stretch>
-            <a:fillRect/>
-          </a:stretch>
-        </p:blipFill>
-        <p:spPr bwMode="auto">
-          <a:xfrm>
-            <a:off x="4581525" y="5857479"/>
-            <a:ext cx="3028950" cy="960120"/>
-          </a:xfrm>
-          <a:prstGeom prst="rect">
-            <a:avLst/>
-          </a:prstGeom>
-          <a:noFill/>
-          <a:ln>
-            <a:noFill/>
-          </a:ln>
-        </p:spPr>
-      </p:pic>
-      <p:sp>
-        <p:nvSpPr>
-          <p:cNvPr id="3" name="Marcador de contenido 2">
-            <a:extLst>
-              <a:ext uri="{FF2B5EF4-FFF2-40B4-BE49-F238E27FC236}">
-                <a16:creationId xmlns:a16="http://schemas.microsoft.com/office/drawing/2014/main" id="{0B82F09F-B945-4235-BEF5-E7B272FC42F8}"/>
-              </a:ext>
-            </a:extLst>
-          </p:cNvPr>
-          <p:cNvSpPr>
-            <a:spLocks noGrp="1"/>
-          </p:cNvSpPr>
-          <p:nvPr>
-            <p:ph idx="1"/>
-          </p:nvPr>
-        </p:nvSpPr>
-        <p:spPr/>
-        <p:txBody>
-          <a:bodyPr/>
-          <a:lstStyle/>
-          <a:p>
-            <a:pPr marL="0" indent="0">
-              <a:buNone/>
-            </a:pPr>
-            <a:r>
-              <a:rPr lang="es-ES" dirty="0">
-                <a:latin typeface="Times New Roman" panose="02020603050405020304" pitchFamily="18" charset="0"/>
-                <a:cs typeface="Times New Roman" panose="02020603050405020304" pitchFamily="18" charset="0"/>
-              </a:rPr>
-              <a:t>Los principales objetivos de este proyecto son:</a:t>
-            </a:r>
-          </a:p>
-          <a:p>
-            <a:r>
-              <a:rPr lang="es-ES" dirty="0">
-                <a:latin typeface="Times New Roman" panose="02020603050405020304" pitchFamily="18" charset="0"/>
-                <a:cs typeface="Times New Roman" panose="02020603050405020304" pitchFamily="18" charset="0"/>
-              </a:rPr>
-              <a:t>Creación de un sistema de control de asistencia y horarios de empleados autosuficiente.</a:t>
-            </a:r>
-          </a:p>
-          <a:p>
-            <a:r>
-              <a:rPr lang="es-ES" dirty="0">
-                <a:latin typeface="Times New Roman" panose="02020603050405020304" pitchFamily="18" charset="0"/>
-                <a:cs typeface="Times New Roman" panose="02020603050405020304" pitchFamily="18" charset="0"/>
-              </a:rPr>
-              <a:t>Hacer uso de la tecnología NFC.</a:t>
-            </a:r>
-          </a:p>
-          <a:p>
-            <a:r>
-              <a:rPr lang="es-ES" dirty="0">
-                <a:latin typeface="Times New Roman" panose="02020603050405020304" pitchFamily="18" charset="0"/>
-                <a:cs typeface="Times New Roman" panose="02020603050405020304" pitchFamily="18" charset="0"/>
-              </a:rPr>
-              <a:t>Hacer uso de tecnologías móviles aprovechando la API de Android.</a:t>
-            </a:r>
-          </a:p>
-        </p:txBody>
-      </p:sp>
-    </p:spTree>
-    <p:extLst>
-      <p:ext uri="{BB962C8B-B14F-4D97-AF65-F5344CB8AC3E}">
-        <p14:creationId xmlns:p14="http://schemas.microsoft.com/office/powerpoint/2010/main" val="2038703678"/>
       </p:ext>
     </p:extLst>
   </p:cSld>
@@ -12924,270 +13694,49 @@
       </p:grpSpPr>
       <p:sp>
         <p:nvSpPr>
-          <p:cNvPr id="4" name="Rectángulo 3">
-            <a:extLst>
-              <a:ext uri="{FF2B5EF4-FFF2-40B4-BE49-F238E27FC236}">
-                <a16:creationId xmlns:a16="http://schemas.microsoft.com/office/drawing/2014/main" id="{E2B637AF-C465-4CBB-85A1-ABF8D288CB7F}"/>
-              </a:ext>
-            </a:extLst>
-          </p:cNvPr>
-          <p:cNvSpPr/>
-          <p:nvPr/>
+          <p:cNvPr id="2" name="Título 1">
+            <a:extLst>
+              <a:ext uri="{FF2B5EF4-FFF2-40B4-BE49-F238E27FC236}">
+                <a16:creationId xmlns:a16="http://schemas.microsoft.com/office/drawing/2014/main" id="{0BD4FDD0-F4A4-4733-AD52-D9822A8D785D}"/>
+              </a:ext>
+            </a:extLst>
+          </p:cNvPr>
+          <p:cNvSpPr>
+            <a:spLocks noGrp="1"/>
+          </p:cNvSpPr>
+          <p:nvPr>
+            <p:ph type="ctrTitle"/>
+          </p:nvPr>
         </p:nvSpPr>
         <p:spPr>
           <a:xfrm>
-            <a:off x="0" y="1184988"/>
-            <a:ext cx="12192000" cy="5673012"/>
-          </a:xfrm>
-          <a:prstGeom prst="rect">
-            <a:avLst/>
-          </a:prstGeom>
-          <a:solidFill>
-            <a:schemeClr val="bg1"/>
-          </a:solidFill>
-        </p:spPr>
-        <p:style>
-          <a:lnRef idx="2">
-            <a:schemeClr val="accent1">
-              <a:shade val="50000"/>
-            </a:schemeClr>
-          </a:lnRef>
-          <a:fillRef idx="1">
-            <a:schemeClr val="accent1"/>
-          </a:fillRef>
-          <a:effectRef idx="0">
-            <a:schemeClr val="accent1"/>
-          </a:effectRef>
-          <a:fontRef idx="minor">
-            <a:schemeClr val="lt1"/>
-          </a:fontRef>
-        </p:style>
-        <p:txBody>
-          <a:bodyPr rtlCol="0" anchor="ctr"/>
-          <a:lstStyle/>
-          <a:p>
-            <a:pPr algn="ctr"/>
-            <a:endParaRPr lang="en-GB"/>
-          </a:p>
-        </p:txBody>
-      </p:sp>
-      <p:sp>
-        <p:nvSpPr>
-          <p:cNvPr id="2" name="Título 1">
-            <a:extLst>
-              <a:ext uri="{FF2B5EF4-FFF2-40B4-BE49-F238E27FC236}">
-                <a16:creationId xmlns:a16="http://schemas.microsoft.com/office/drawing/2014/main" id="{7C060354-1C62-4255-AC9F-816FB2F65B70}"/>
-              </a:ext>
-            </a:extLst>
-          </p:cNvPr>
-          <p:cNvSpPr>
-            <a:spLocks noGrp="1"/>
-          </p:cNvSpPr>
-          <p:nvPr>
-            <p:ph type="title"/>
-          </p:nvPr>
-        </p:nvSpPr>
-        <p:spPr>
-          <a:xfrm>
-            <a:off x="261257" y="177282"/>
-            <a:ext cx="11681928" cy="1007707"/>
+            <a:off x="1524000" y="3025451"/>
+            <a:ext cx="9144000" cy="807097"/>
           </a:xfrm>
         </p:spPr>
         <p:txBody>
-          <a:bodyPr/>
-          <a:lstStyle/>
-          <a:p>
-            <a:r>
-              <a:rPr lang="es-ES" dirty="0">
+          <a:bodyPr>
+            <a:noAutofit/>
+          </a:bodyPr>
+          <a:lstStyle/>
+          <a:p>
+            <a:r>
+              <a:rPr lang="es-ES" sz="5400" dirty="0">
                 <a:solidFill>
                   <a:schemeClr val="bg1"/>
                 </a:solidFill>
                 <a:latin typeface="Times New Roman" panose="02020603050405020304" pitchFamily="18" charset="0"/>
                 <a:cs typeface="Times New Roman" panose="02020603050405020304" pitchFamily="18" charset="0"/>
               </a:rPr>
-              <a:t>Objetivos (I)</a:t>
-            </a:r>
-          </a:p>
-        </p:txBody>
-      </p:sp>
-      <p:pic>
-        <p:nvPicPr>
-          <p:cNvPr id="5" name="1 Imagen">
-            <a:extLst>
-              <a:ext uri="{FF2B5EF4-FFF2-40B4-BE49-F238E27FC236}">
-                <a16:creationId xmlns:a16="http://schemas.microsoft.com/office/drawing/2014/main" id="{084F03C4-1B7D-458F-BB20-BD1ABFD64517}"/>
-              </a:ext>
-            </a:extLst>
-          </p:cNvPr>
-          <p:cNvPicPr/>
-          <p:nvPr/>
-        </p:nvPicPr>
-        <p:blipFill>
-          <a:blip r:embed="rId2">
-            <a:extLst>
-              <a:ext uri="{28A0092B-C50C-407E-A947-70E740481C1C}">
-                <a14:useLocalDpi xmlns:a14="http://schemas.microsoft.com/office/drawing/2010/main" val="0"/>
-              </a:ext>
-            </a:extLst>
-          </a:blip>
-          <a:srcRect/>
-          <a:stretch>
-            <a:fillRect/>
-          </a:stretch>
-        </p:blipFill>
-        <p:spPr bwMode="auto">
-          <a:xfrm>
-            <a:off x="4581525" y="5857479"/>
-            <a:ext cx="3028950" cy="960120"/>
-          </a:xfrm>
-          <a:prstGeom prst="rect">
-            <a:avLst/>
-          </a:prstGeom>
-          <a:noFill/>
-          <a:ln>
-            <a:noFill/>
-          </a:ln>
-        </p:spPr>
-      </p:pic>
-      <p:sp>
-        <p:nvSpPr>
-          <p:cNvPr id="3" name="Marcador de contenido 2">
-            <a:extLst>
-              <a:ext uri="{FF2B5EF4-FFF2-40B4-BE49-F238E27FC236}">
-                <a16:creationId xmlns:a16="http://schemas.microsoft.com/office/drawing/2014/main" id="{0B82F09F-B945-4235-BEF5-E7B272FC42F8}"/>
-              </a:ext>
-            </a:extLst>
-          </p:cNvPr>
-          <p:cNvSpPr>
-            <a:spLocks noGrp="1"/>
-          </p:cNvSpPr>
-          <p:nvPr>
-            <p:ph idx="1"/>
-          </p:nvPr>
-        </p:nvSpPr>
-        <p:spPr/>
-        <p:txBody>
-          <a:bodyPr/>
-          <a:lstStyle/>
-          <a:p>
-            <a:pPr marL="0" indent="0">
-              <a:buNone/>
-            </a:pPr>
-            <a:r>
-              <a:rPr lang="es-ES" dirty="0">
-                <a:latin typeface="Times New Roman" panose="02020603050405020304" pitchFamily="18" charset="0"/>
-                <a:cs typeface="Times New Roman" panose="02020603050405020304" pitchFamily="18" charset="0"/>
-              </a:rPr>
-              <a:t>Estos objetivos se materializan en:</a:t>
-            </a:r>
-          </a:p>
-          <a:p>
-            <a:r>
-              <a:rPr lang="es-ES" dirty="0">
-                <a:latin typeface="Times New Roman" panose="02020603050405020304" pitchFamily="18" charset="0"/>
-                <a:cs typeface="Times New Roman" panose="02020603050405020304" pitchFamily="18" charset="0"/>
-              </a:rPr>
-              <a:t>Creación de una aplicación Android que:</a:t>
-            </a:r>
-          </a:p>
-          <a:p>
-            <a:pPr lvl="1"/>
-            <a:r>
-              <a:rPr lang="es-ES" dirty="0">
-                <a:latin typeface="Times New Roman" panose="02020603050405020304" pitchFamily="18" charset="0"/>
-                <a:cs typeface="Times New Roman" panose="02020603050405020304" pitchFamily="18" charset="0"/>
-              </a:rPr>
-              <a:t>Permita a los empleados fichar con ella a través de NFC.</a:t>
-            </a:r>
-          </a:p>
-          <a:p>
-            <a:pPr lvl="1"/>
-            <a:r>
-              <a:rPr lang="es-ES" dirty="0">
-                <a:latin typeface="Times New Roman" panose="02020603050405020304" pitchFamily="18" charset="0"/>
-                <a:cs typeface="Times New Roman" panose="02020603050405020304" pitchFamily="18" charset="0"/>
-              </a:rPr>
-              <a:t>Permita a los administradores poner su teléfono en modo lectura.</a:t>
-            </a:r>
-          </a:p>
-          <a:p>
-            <a:r>
-              <a:rPr lang="es-ES" dirty="0">
-                <a:latin typeface="Times New Roman" panose="02020603050405020304" pitchFamily="18" charset="0"/>
-                <a:cs typeface="Times New Roman" panose="02020603050405020304" pitchFamily="18" charset="0"/>
-              </a:rPr>
-              <a:t>Creación de un </a:t>
-            </a:r>
-            <a:r>
-              <a:rPr lang="es-ES" i="1" dirty="0">
-                <a:latin typeface="Times New Roman" panose="02020603050405020304" pitchFamily="18" charset="0"/>
-                <a:cs typeface="Times New Roman" panose="02020603050405020304" pitchFamily="18" charset="0"/>
-              </a:rPr>
-              <a:t>back-</a:t>
-            </a:r>
-            <a:r>
-              <a:rPr lang="es-ES" i="1" dirty="0" err="1">
-                <a:latin typeface="Times New Roman" panose="02020603050405020304" pitchFamily="18" charset="0"/>
-                <a:cs typeface="Times New Roman" panose="02020603050405020304" pitchFamily="18" charset="0"/>
-              </a:rPr>
-              <a:t>end</a:t>
-            </a:r>
-            <a:r>
-              <a:rPr lang="es-ES" i="1" dirty="0">
-                <a:latin typeface="Times New Roman" panose="02020603050405020304" pitchFamily="18" charset="0"/>
-                <a:cs typeface="Times New Roman" panose="02020603050405020304" pitchFamily="18" charset="0"/>
-              </a:rPr>
-              <a:t> </a:t>
-            </a:r>
-            <a:r>
-              <a:rPr lang="es-ES" dirty="0">
-                <a:latin typeface="Times New Roman" panose="02020603050405020304" pitchFamily="18" charset="0"/>
-                <a:cs typeface="Times New Roman" panose="02020603050405020304" pitchFamily="18" charset="0"/>
-              </a:rPr>
-              <a:t>para el sistema:</a:t>
-            </a:r>
-          </a:p>
-          <a:p>
-            <a:pPr lvl="1"/>
-            <a:r>
-              <a:rPr lang="es-ES" dirty="0">
-                <a:latin typeface="Times New Roman" panose="02020603050405020304" pitchFamily="18" charset="0"/>
-                <a:cs typeface="Times New Roman" panose="02020603050405020304" pitchFamily="18" charset="0"/>
-              </a:rPr>
-              <a:t>Base de datos.</a:t>
-            </a:r>
-          </a:p>
-          <a:p>
-            <a:pPr lvl="1"/>
-            <a:r>
-              <a:rPr lang="es-ES" dirty="0">
-                <a:latin typeface="Times New Roman" panose="02020603050405020304" pitchFamily="18" charset="0"/>
-                <a:cs typeface="Times New Roman" panose="02020603050405020304" pitchFamily="18" charset="0"/>
-              </a:rPr>
-              <a:t>Servidor HTTP.</a:t>
-            </a:r>
-          </a:p>
-          <a:p>
-            <a:r>
-              <a:rPr lang="es-ES" dirty="0">
-                <a:latin typeface="Times New Roman" panose="02020603050405020304" pitchFamily="18" charset="0"/>
-                <a:cs typeface="Times New Roman" panose="02020603050405020304" pitchFamily="18" charset="0"/>
-              </a:rPr>
-              <a:t>Creación de una aplicación de escritorio para administradores.</a:t>
-            </a:r>
-          </a:p>
-          <a:p>
-            <a:endParaRPr lang="es-ES" dirty="0">
-              <a:latin typeface="Times New Roman" panose="02020603050405020304" pitchFamily="18" charset="0"/>
-              <a:cs typeface="Times New Roman" panose="02020603050405020304" pitchFamily="18" charset="0"/>
-            </a:endParaRPr>
+              <a:t>Objetivos</a:t>
+            </a:r>
           </a:p>
         </p:txBody>
       </p:sp>
     </p:spTree>
     <p:extLst>
       <p:ext uri="{BB962C8B-B14F-4D97-AF65-F5344CB8AC3E}">
-        <p14:creationId xmlns:p14="http://schemas.microsoft.com/office/powerpoint/2010/main" val="157988682"/>
+        <p14:creationId xmlns:p14="http://schemas.microsoft.com/office/powerpoint/2010/main" val="1353445501"/>
       </p:ext>
     </p:extLst>
   </p:cSld>
@@ -13307,7 +13856,7 @@
                 <a:latin typeface="Times New Roman" panose="02020603050405020304" pitchFamily="18" charset="0"/>
                 <a:cs typeface="Times New Roman" panose="02020603050405020304" pitchFamily="18" charset="0"/>
               </a:rPr>
-              <a:t>Estado del arte - Introducción</a:t>
+              <a:t>Objetivos</a:t>
             </a:r>
           </a:p>
         </p:txBody>
@@ -13380,43 +13929,34 @@
                 <a:latin typeface="Times New Roman" panose="02020603050405020304" pitchFamily="18" charset="0"/>
                 <a:cs typeface="Times New Roman" panose="02020603050405020304" pitchFamily="18" charset="0"/>
               </a:rPr>
-              <a:t>Para la realización del proyecto, se han tenido que estudiar los siguientes puntos fundamentales:</a:t>
-            </a:r>
-          </a:p>
-          <a:p>
-            <a:r>
-              <a:rPr lang="es-ES" dirty="0">
-                <a:latin typeface="Times New Roman" panose="02020603050405020304" pitchFamily="18" charset="0"/>
-                <a:cs typeface="Times New Roman" panose="02020603050405020304" pitchFamily="18" charset="0"/>
-              </a:rPr>
-              <a:t>Análisis de las soluciones existentes en el mercado y teoría detrás del uso de estas tecnologías para la creación de sistemas de control de asistencia.</a:t>
-            </a:r>
-          </a:p>
-          <a:p>
-            <a:r>
-              <a:rPr lang="es-ES" dirty="0">
-                <a:latin typeface="Times New Roman" panose="02020603050405020304" pitchFamily="18" charset="0"/>
-                <a:cs typeface="Times New Roman" panose="02020603050405020304" pitchFamily="18" charset="0"/>
-              </a:rPr>
-              <a:t>Estudio de la tecnología NFC.</a:t>
-            </a:r>
-          </a:p>
-          <a:p>
-            <a:r>
-              <a:rPr lang="es-ES" dirty="0">
-                <a:latin typeface="Times New Roman" panose="02020603050405020304" pitchFamily="18" charset="0"/>
-                <a:cs typeface="Times New Roman" panose="02020603050405020304" pitchFamily="18" charset="0"/>
-              </a:rPr>
-              <a:t>Estudio del sistema Android.</a:t>
-            </a:r>
-          </a:p>
-          <a:p>
-            <a:r>
-              <a:rPr lang="es-ES" dirty="0">
-                <a:latin typeface="Times New Roman" panose="02020603050405020304" pitchFamily="18" charset="0"/>
-                <a:cs typeface="Times New Roman" panose="02020603050405020304" pitchFamily="18" charset="0"/>
-              </a:rPr>
-              <a:t>Estudio de la API de NFC en Android.</a:t>
+              <a:t>Los principales objetivos de este proyecto son:</a:t>
+            </a:r>
+          </a:p>
+          <a:p>
+            <a:r>
+              <a:rPr lang="es-ES" dirty="0">
+                <a:latin typeface="Times New Roman" panose="02020603050405020304" pitchFamily="18" charset="0"/>
+                <a:cs typeface="Times New Roman" panose="02020603050405020304" pitchFamily="18" charset="0"/>
+              </a:rPr>
+              <a:t>Creación de un sistema de control de asistencia y horarios de empleados autosuficiente.</a:t>
+            </a:r>
+          </a:p>
+          <a:p>
+            <a:r>
+              <a:rPr lang="es-ES" dirty="0">
+                <a:latin typeface="Times New Roman" panose="02020603050405020304" pitchFamily="18" charset="0"/>
+                <a:cs typeface="Times New Roman" panose="02020603050405020304" pitchFamily="18" charset="0"/>
+              </a:rPr>
+              <a:t>Hacer uso de la tecnología NFC.</a:t>
+            </a:r>
+          </a:p>
+          <a:p>
+            <a:r>
+              <a:rPr lang="es-ES" dirty="0">
+                <a:latin typeface="Times New Roman" panose="02020603050405020304" pitchFamily="18" charset="0"/>
+                <a:cs typeface="Times New Roman" panose="02020603050405020304" pitchFamily="18" charset="0"/>
+              </a:rPr>
+              <a:t>Hacer uso de tecnologías móviles aprovechando la API de Android.</a:t>
             </a:r>
           </a:p>
         </p:txBody>
@@ -13424,7 +13964,7 @@
     </p:spTree>
     <p:extLst>
       <p:ext uri="{BB962C8B-B14F-4D97-AF65-F5344CB8AC3E}">
-        <p14:creationId xmlns:p14="http://schemas.microsoft.com/office/powerpoint/2010/main" val="2234535187"/>
+        <p14:creationId xmlns:p14="http://schemas.microsoft.com/office/powerpoint/2010/main" val="2038703678"/>
       </p:ext>
     </p:extLst>
   </p:cSld>
@@ -13544,7 +14084,7 @@
                 <a:latin typeface="Times New Roman" panose="02020603050405020304" pitchFamily="18" charset="0"/>
                 <a:cs typeface="Times New Roman" panose="02020603050405020304" pitchFamily="18" charset="0"/>
               </a:rPr>
-              <a:t>Estado del arte - Estudio de mercado</a:t>
+              <a:t>Objetivos (I)</a:t>
             </a:r>
           </a:p>
         </p:txBody>
@@ -13562,7 +14102,7 @@
           <p:nvPr/>
         </p:nvPicPr>
         <p:blipFill>
-          <a:blip r:embed="rId3">
+          <a:blip r:embed="rId2">
             <a:extLst>
               <a:ext uri="{28A0092B-C50C-407E-A947-70E740481C1C}">
                 <a14:useLocalDpi xmlns:a14="http://schemas.microsoft.com/office/drawing/2010/main" val="0"/>
@@ -13617,60 +14157,116 @@
                 <a:latin typeface="Times New Roman" panose="02020603050405020304" pitchFamily="18" charset="0"/>
                 <a:cs typeface="Times New Roman" panose="02020603050405020304" pitchFamily="18" charset="0"/>
               </a:rPr>
-              <a:t>En cuanto a las aplicaciones en el mercado, podemos resumir los sistemas con las siguientes características:</a:t>
-            </a:r>
-          </a:p>
-          <a:p>
-            <a:r>
-              <a:rPr lang="es-ES" dirty="0">
-                <a:latin typeface="Times New Roman" panose="02020603050405020304" pitchFamily="18" charset="0"/>
-                <a:cs typeface="Times New Roman" panose="02020603050405020304" pitchFamily="18" charset="0"/>
-              </a:rPr>
-              <a:t>Etiquetas NFC físicas.</a:t>
-            </a:r>
-          </a:p>
-          <a:p>
-            <a:r>
-              <a:rPr lang="es-ES" dirty="0">
-                <a:latin typeface="Times New Roman" panose="02020603050405020304" pitchFamily="18" charset="0"/>
-                <a:cs typeface="Times New Roman" panose="02020603050405020304" pitchFamily="18" charset="0"/>
-              </a:rPr>
-              <a:t>Uso de lectores NFC conectados a ordenadores.</a:t>
-            </a:r>
-          </a:p>
-          <a:p>
-            <a:r>
-              <a:rPr lang="es-ES" dirty="0">
-                <a:latin typeface="Times New Roman" panose="02020603050405020304" pitchFamily="18" charset="0"/>
-                <a:cs typeface="Times New Roman" panose="02020603050405020304" pitchFamily="18" charset="0"/>
-              </a:rPr>
-              <a:t>Uso de aplicaciones Android como lector de etiquetas.</a:t>
-            </a:r>
-          </a:p>
-          <a:p>
-            <a:r>
-              <a:rPr lang="es-ES" dirty="0">
-                <a:latin typeface="Times New Roman" panose="02020603050405020304" pitchFamily="18" charset="0"/>
-                <a:cs typeface="Times New Roman" panose="02020603050405020304" pitchFamily="18" charset="0"/>
-              </a:rPr>
-              <a:t>Se recogen otros datos como localización por GPS, reconocimiento facial, etc.</a:t>
-            </a:r>
-          </a:p>
-          <a:p>
-            <a:r>
-              <a:rPr lang="es-ES" dirty="0">
-                <a:latin typeface="Times New Roman" panose="02020603050405020304" pitchFamily="18" charset="0"/>
-                <a:cs typeface="Times New Roman" panose="02020603050405020304" pitchFamily="18" charset="0"/>
-              </a:rPr>
-              <a:t>Servidores alojados en la nube.</a:t>
-            </a:r>
+              <a:t>Estos objetivos se materializan en:</a:t>
+            </a:r>
+          </a:p>
+          <a:p>
+            <a:r>
+              <a:rPr lang="es-ES" dirty="0">
+                <a:latin typeface="Times New Roman" panose="02020603050405020304" pitchFamily="18" charset="0"/>
+                <a:cs typeface="Times New Roman" panose="02020603050405020304" pitchFamily="18" charset="0"/>
+              </a:rPr>
+              <a:t>Creación de una aplicación Android que:</a:t>
+            </a:r>
+          </a:p>
+          <a:p>
+            <a:pPr lvl="1"/>
+            <a:r>
+              <a:rPr lang="es-ES" dirty="0">
+                <a:latin typeface="Times New Roman" panose="02020603050405020304" pitchFamily="18" charset="0"/>
+                <a:cs typeface="Times New Roman" panose="02020603050405020304" pitchFamily="18" charset="0"/>
+              </a:rPr>
+              <a:t>Permita a los empleados fichar con ella a través de NFC.</a:t>
+            </a:r>
+          </a:p>
+          <a:p>
+            <a:pPr lvl="1"/>
+            <a:r>
+              <a:rPr lang="es-ES" dirty="0">
+                <a:latin typeface="Times New Roman" panose="02020603050405020304" pitchFamily="18" charset="0"/>
+                <a:cs typeface="Times New Roman" panose="02020603050405020304" pitchFamily="18" charset="0"/>
+              </a:rPr>
+              <a:t>Permita a los administradores poner su teléfono en modo lectura.</a:t>
+            </a:r>
+          </a:p>
+          <a:p>
+            <a:r>
+              <a:rPr lang="es-ES" dirty="0">
+                <a:latin typeface="Times New Roman" panose="02020603050405020304" pitchFamily="18" charset="0"/>
+                <a:cs typeface="Times New Roman" panose="02020603050405020304" pitchFamily="18" charset="0"/>
+              </a:rPr>
+              <a:t>Creación de un </a:t>
+            </a:r>
+            <a:r>
+              <a:rPr lang="es-ES" i="1" dirty="0">
+                <a:latin typeface="Times New Roman" panose="02020603050405020304" pitchFamily="18" charset="0"/>
+                <a:cs typeface="Times New Roman" panose="02020603050405020304" pitchFamily="18" charset="0"/>
+              </a:rPr>
+              <a:t>back-</a:t>
+            </a:r>
+            <a:r>
+              <a:rPr lang="es-ES" i="1" dirty="0" err="1">
+                <a:latin typeface="Times New Roman" panose="02020603050405020304" pitchFamily="18" charset="0"/>
+                <a:cs typeface="Times New Roman" panose="02020603050405020304" pitchFamily="18" charset="0"/>
+              </a:rPr>
+              <a:t>end</a:t>
+            </a:r>
+            <a:r>
+              <a:rPr lang="es-ES" i="1" dirty="0">
+                <a:latin typeface="Times New Roman" panose="02020603050405020304" pitchFamily="18" charset="0"/>
+                <a:cs typeface="Times New Roman" panose="02020603050405020304" pitchFamily="18" charset="0"/>
+              </a:rPr>
+              <a:t> </a:t>
+            </a:r>
+            <a:r>
+              <a:rPr lang="es-ES" dirty="0">
+                <a:latin typeface="Times New Roman" panose="02020603050405020304" pitchFamily="18" charset="0"/>
+                <a:cs typeface="Times New Roman" panose="02020603050405020304" pitchFamily="18" charset="0"/>
+              </a:rPr>
+              <a:t>para el sistema:</a:t>
+            </a:r>
+          </a:p>
+          <a:p>
+            <a:pPr lvl="1"/>
+            <a:r>
+              <a:rPr lang="es-ES" dirty="0">
+                <a:latin typeface="Times New Roman" panose="02020603050405020304" pitchFamily="18" charset="0"/>
+                <a:cs typeface="Times New Roman" panose="02020603050405020304" pitchFamily="18" charset="0"/>
+              </a:rPr>
+              <a:t>Base de datos.</a:t>
+            </a:r>
+          </a:p>
+          <a:p>
+            <a:pPr lvl="1"/>
+            <a:r>
+              <a:rPr lang="es-ES" dirty="0">
+                <a:latin typeface="Times New Roman" panose="02020603050405020304" pitchFamily="18" charset="0"/>
+                <a:cs typeface="Times New Roman" panose="02020603050405020304" pitchFamily="18" charset="0"/>
+              </a:rPr>
+              <a:t>Servidor HTTP.</a:t>
+            </a:r>
+          </a:p>
+          <a:p>
+            <a:r>
+              <a:rPr lang="es-ES" dirty="0">
+                <a:latin typeface="Times New Roman" panose="02020603050405020304" pitchFamily="18" charset="0"/>
+                <a:cs typeface="Times New Roman" panose="02020603050405020304" pitchFamily="18" charset="0"/>
+              </a:rPr>
+              <a:t>Creación de una aplicación de escritorio para administradores.</a:t>
+            </a:r>
+          </a:p>
+          <a:p>
+            <a:endParaRPr lang="es-ES" dirty="0">
+              <a:latin typeface="Times New Roman" panose="02020603050405020304" pitchFamily="18" charset="0"/>
+              <a:cs typeface="Times New Roman" panose="02020603050405020304" pitchFamily="18" charset="0"/>
+            </a:endParaRPr>
           </a:p>
         </p:txBody>
       </p:sp>
     </p:spTree>
     <p:extLst>
       <p:ext uri="{BB962C8B-B14F-4D97-AF65-F5344CB8AC3E}">
-        <p14:creationId xmlns:p14="http://schemas.microsoft.com/office/powerpoint/2010/main" val="2845437129"/>
+        <p14:creationId xmlns:p14="http://schemas.microsoft.com/office/powerpoint/2010/main" val="157988682"/>
       </p:ext>
     </p:extLst>
   </p:cSld>
@@ -13709,227 +14305,41 @@
       </p:grpSpPr>
       <p:sp>
         <p:nvSpPr>
-          <p:cNvPr id="4" name="Rectángulo 3">
-            <a:extLst>
-              <a:ext uri="{FF2B5EF4-FFF2-40B4-BE49-F238E27FC236}">
-                <a16:creationId xmlns:a16="http://schemas.microsoft.com/office/drawing/2014/main" id="{E2B637AF-C465-4CBB-85A1-ABF8D288CB7F}"/>
-              </a:ext>
-            </a:extLst>
-          </p:cNvPr>
-          <p:cNvSpPr/>
-          <p:nvPr/>
+          <p:cNvPr id="2" name="Título 1">
+            <a:extLst>
+              <a:ext uri="{FF2B5EF4-FFF2-40B4-BE49-F238E27FC236}">
+                <a16:creationId xmlns:a16="http://schemas.microsoft.com/office/drawing/2014/main" id="{0BD4FDD0-F4A4-4733-AD52-D9822A8D785D}"/>
+              </a:ext>
+            </a:extLst>
+          </p:cNvPr>
+          <p:cNvSpPr>
+            <a:spLocks noGrp="1"/>
+          </p:cNvSpPr>
+          <p:nvPr>
+            <p:ph type="ctrTitle"/>
+          </p:nvPr>
         </p:nvSpPr>
         <p:spPr>
           <a:xfrm>
-            <a:off x="0" y="1184988"/>
-            <a:ext cx="12192000" cy="5673012"/>
-          </a:xfrm>
-          <a:prstGeom prst="rect">
-            <a:avLst/>
-          </a:prstGeom>
-          <a:solidFill>
-            <a:schemeClr val="bg1"/>
-          </a:solidFill>
-        </p:spPr>
-        <p:style>
-          <a:lnRef idx="2">
-            <a:schemeClr val="accent1">
-              <a:shade val="50000"/>
-            </a:schemeClr>
-          </a:lnRef>
-          <a:fillRef idx="1">
-            <a:schemeClr val="accent1"/>
-          </a:fillRef>
-          <a:effectRef idx="0">
-            <a:schemeClr val="accent1"/>
-          </a:effectRef>
-          <a:fontRef idx="minor">
-            <a:schemeClr val="lt1"/>
-          </a:fontRef>
-        </p:style>
-        <p:txBody>
-          <a:bodyPr rtlCol="0" anchor="ctr"/>
-          <a:lstStyle/>
-          <a:p>
-            <a:pPr algn="ctr"/>
-            <a:endParaRPr lang="en-GB"/>
-          </a:p>
-        </p:txBody>
-      </p:sp>
-      <p:sp>
-        <p:nvSpPr>
-          <p:cNvPr id="2" name="Título 1">
-            <a:extLst>
-              <a:ext uri="{FF2B5EF4-FFF2-40B4-BE49-F238E27FC236}">
-                <a16:creationId xmlns:a16="http://schemas.microsoft.com/office/drawing/2014/main" id="{7C060354-1C62-4255-AC9F-816FB2F65B70}"/>
-              </a:ext>
-            </a:extLst>
-          </p:cNvPr>
-          <p:cNvSpPr>
-            <a:spLocks noGrp="1"/>
-          </p:cNvSpPr>
-          <p:nvPr>
-            <p:ph type="title"/>
-          </p:nvPr>
-        </p:nvSpPr>
-        <p:spPr>
-          <a:xfrm>
-            <a:off x="261257" y="177282"/>
-            <a:ext cx="11681928" cy="1007707"/>
+            <a:off x="1524000" y="3025451"/>
+            <a:ext cx="9144000" cy="807097"/>
           </a:xfrm>
         </p:spPr>
         <p:txBody>
-          <a:bodyPr/>
-          <a:lstStyle/>
-          <a:p>
-            <a:r>
-              <a:rPr lang="es-ES" dirty="0">
+          <a:bodyPr>
+            <a:noAutofit/>
+          </a:bodyPr>
+          <a:lstStyle/>
+          <a:p>
+            <a:r>
+              <a:rPr lang="es-ES" sz="5400" dirty="0">
                 <a:solidFill>
                   <a:schemeClr val="bg1"/>
                 </a:solidFill>
                 <a:latin typeface="Times New Roman" panose="02020603050405020304" pitchFamily="18" charset="0"/>
                 <a:cs typeface="Times New Roman" panose="02020603050405020304" pitchFamily="18" charset="0"/>
               </a:rPr>
-              <a:t>Estado del arte - Tecnología NFC</a:t>
-            </a:r>
-          </a:p>
-        </p:txBody>
-      </p:sp>
-      <p:pic>
-        <p:nvPicPr>
-          <p:cNvPr id="5" name="1 Imagen">
-            <a:extLst>
-              <a:ext uri="{FF2B5EF4-FFF2-40B4-BE49-F238E27FC236}">
-                <a16:creationId xmlns:a16="http://schemas.microsoft.com/office/drawing/2014/main" id="{084F03C4-1B7D-458F-BB20-BD1ABFD64517}"/>
-              </a:ext>
-            </a:extLst>
-          </p:cNvPr>
-          <p:cNvPicPr/>
-          <p:nvPr/>
-        </p:nvPicPr>
-        <p:blipFill>
-          <a:blip r:embed="rId2">
-            <a:extLst>
-              <a:ext uri="{28A0092B-C50C-407E-A947-70E740481C1C}">
-                <a14:useLocalDpi xmlns:a14="http://schemas.microsoft.com/office/drawing/2010/main" val="0"/>
-              </a:ext>
-            </a:extLst>
-          </a:blip>
-          <a:srcRect/>
-          <a:stretch>
-            <a:fillRect/>
-          </a:stretch>
-        </p:blipFill>
-        <p:spPr bwMode="auto">
-          <a:xfrm>
-            <a:off x="4581525" y="5857479"/>
-            <a:ext cx="3028950" cy="960120"/>
-          </a:xfrm>
-          <a:prstGeom prst="rect">
-            <a:avLst/>
-          </a:prstGeom>
-          <a:noFill/>
-          <a:ln>
-            <a:noFill/>
-          </a:ln>
-        </p:spPr>
-      </p:pic>
-      <p:sp>
-        <p:nvSpPr>
-          <p:cNvPr id="3" name="Marcador de contenido 2">
-            <a:extLst>
-              <a:ext uri="{FF2B5EF4-FFF2-40B4-BE49-F238E27FC236}">
-                <a16:creationId xmlns:a16="http://schemas.microsoft.com/office/drawing/2014/main" id="{0B82F09F-B945-4235-BEF5-E7B272FC42F8}"/>
-              </a:ext>
-            </a:extLst>
-          </p:cNvPr>
-          <p:cNvSpPr>
-            <a:spLocks noGrp="1"/>
-          </p:cNvSpPr>
-          <p:nvPr>
-            <p:ph idx="1"/>
-          </p:nvPr>
-        </p:nvSpPr>
-        <p:spPr/>
-        <p:txBody>
-          <a:bodyPr>
-            <a:normAutofit/>
-          </a:bodyPr>
-          <a:lstStyle/>
-          <a:p>
-            <a:pPr marL="0" indent="0">
-              <a:buNone/>
-            </a:pPr>
-            <a:r>
-              <a:rPr lang="es-ES" dirty="0">
-                <a:latin typeface="Times New Roman" panose="02020603050405020304" pitchFamily="18" charset="0"/>
-                <a:cs typeface="Times New Roman" panose="02020603050405020304" pitchFamily="18" charset="0"/>
-              </a:rPr>
-              <a:t>En cuanto a la tecnología NFC (</a:t>
-            </a:r>
-            <a:r>
-              <a:rPr lang="es-ES" dirty="0" err="1">
-                <a:latin typeface="Times New Roman" panose="02020603050405020304" pitchFamily="18" charset="0"/>
-                <a:cs typeface="Times New Roman" panose="02020603050405020304" pitchFamily="18" charset="0"/>
-              </a:rPr>
-              <a:t>Near</a:t>
-            </a:r>
-            <a:r>
-              <a:rPr lang="es-ES" dirty="0">
-                <a:latin typeface="Times New Roman" panose="02020603050405020304" pitchFamily="18" charset="0"/>
-                <a:cs typeface="Times New Roman" panose="02020603050405020304" pitchFamily="18" charset="0"/>
-              </a:rPr>
-              <a:t> Field </a:t>
-            </a:r>
-            <a:r>
-              <a:rPr lang="es-ES" dirty="0" err="1">
-                <a:latin typeface="Times New Roman" panose="02020603050405020304" pitchFamily="18" charset="0"/>
-                <a:cs typeface="Times New Roman" panose="02020603050405020304" pitchFamily="18" charset="0"/>
-              </a:rPr>
-              <a:t>Communication</a:t>
-            </a:r>
-            <a:r>
-              <a:rPr lang="es-ES" dirty="0">
-                <a:latin typeface="Times New Roman" panose="02020603050405020304" pitchFamily="18" charset="0"/>
-                <a:cs typeface="Times New Roman" panose="02020603050405020304" pitchFamily="18" charset="0"/>
-              </a:rPr>
-              <a:t>):</a:t>
-            </a:r>
-          </a:p>
-          <a:p>
-            <a:r>
-              <a:rPr lang="es-ES" dirty="0">
-                <a:latin typeface="Times New Roman" panose="02020603050405020304" pitchFamily="18" charset="0"/>
-                <a:cs typeface="Times New Roman" panose="02020603050405020304" pitchFamily="18" charset="0"/>
-              </a:rPr>
-              <a:t>Está basado en la tecnología de radiofrecuencia RFID.</a:t>
-            </a:r>
-          </a:p>
-          <a:p>
-            <a:r>
-              <a:rPr lang="es-ES" dirty="0">
-                <a:latin typeface="Times New Roman" panose="02020603050405020304" pitchFamily="18" charset="0"/>
-                <a:cs typeface="Times New Roman" panose="02020603050405020304" pitchFamily="18" charset="0"/>
-              </a:rPr>
-              <a:t>Muy poco alcance operativo. Entre 5 y 10 centímetros como máximo (dependiendo de la implementación).</a:t>
-            </a:r>
-          </a:p>
-          <a:p>
-            <a:r>
-              <a:rPr lang="es-ES" dirty="0">
-                <a:latin typeface="Times New Roman" panose="02020603050405020304" pitchFamily="18" charset="0"/>
-                <a:cs typeface="Times New Roman" panose="02020603050405020304" pitchFamily="18" charset="0"/>
-              </a:rPr>
-              <a:t>Arquitectura sencilla, por lo que su implementación es fácil.</a:t>
-            </a:r>
-          </a:p>
-          <a:p>
-            <a:r>
-              <a:rPr lang="es-ES" dirty="0">
-                <a:latin typeface="Times New Roman" panose="02020603050405020304" pitchFamily="18" charset="0"/>
-                <a:cs typeface="Times New Roman" panose="02020603050405020304" pitchFamily="18" charset="0"/>
-              </a:rPr>
-              <a:t>Se ha extendido su implementación en dispositivos móviles.</a:t>
+              <a:t>Estado del arte</a:t>
             </a:r>
           </a:p>
         </p:txBody>
@@ -13937,7 +14347,7 @@
     </p:spTree>
     <p:extLst>
       <p:ext uri="{BB962C8B-B14F-4D97-AF65-F5344CB8AC3E}">
-        <p14:creationId xmlns:p14="http://schemas.microsoft.com/office/powerpoint/2010/main" val="2133043439"/>
+        <p14:creationId xmlns:p14="http://schemas.microsoft.com/office/powerpoint/2010/main" val="525013790"/>
       </p:ext>
     </p:extLst>
   </p:cSld>
